--- a/resources/powerpoints/NASAExoplanets (1).pptx
+++ b/resources/powerpoints/NASAExoplanets (1).pptx
@@ -1,24 +1,28 @@
 
 <file path=ppt/presentation.xml><?xml version="1.0" encoding="utf-8"?>
-<p:presentation xmlns:a="http://schemas.openxmlformats.org/drawingml/2006/main" xmlns:r="http://schemas.openxmlformats.org/officeDocument/2006/relationships" xmlns:mc="http://schemas.openxmlformats.org/markup-compatibility/2006" xmlns:mv="urn:schemas-microsoft-com:mac:vml" xmlns:p="http://schemas.openxmlformats.org/presentationml/2006/main" xmlns:c="http://schemas.openxmlformats.org/drawingml/2006/chart" xmlns:dgm="http://schemas.openxmlformats.org/drawingml/2006/diagram" xmlns:o="urn:schemas-microsoft-com:office:office" xmlns:v="urn:schemas-microsoft-com:vml" xmlns:pvml="urn:schemas-microsoft-com:office:powerpoint" xmlns:com="http://schemas.openxmlformats.org/drawingml/2006/compatibility" xmlns:p14="http://schemas.microsoft.com/office/powerpoint/2010/main" xmlns:p15="http://schemas.microsoft.com/office/powerpoint/2012/main" xmlns:ahyp="http://schemas.microsoft.com/office/drawing/2018/hyperlinkcolor" autoCompressPictures="0" strictFirstAndLastChars="0" saveSubsetFonts="1">
+<p:presentation xmlns:a="http://schemas.openxmlformats.org/drawingml/2006/main" xmlns:r="http://schemas.openxmlformats.org/officeDocument/2006/relationships" xmlns:p="http://schemas.openxmlformats.org/presentationml/2006/main" strictFirstAndLastChars="0" saveSubsetFonts="1" autoCompressPictures="0">
   <p:sldMasterIdLst>
-    <p:sldMasterId id="2147483659" r:id="rId4"/>
+    <p:sldMasterId id="2147483659" r:id="rId1"/>
   </p:sldMasterIdLst>
   <p:notesMasterIdLst>
-    <p:notesMasterId r:id="rId5"/>
+    <p:notesMasterId r:id="rId12"/>
   </p:notesMasterIdLst>
   <p:sldIdLst>
-    <p:sldId id="256" r:id="rId6"/>
-    <p:sldId id="257" r:id="rId7"/>
-    <p:sldId id="258" r:id="rId8"/>
-    <p:sldId id="259" r:id="rId9"/>
-    <p:sldId id="260" r:id="rId10"/>
-    <p:sldId id="261" r:id="rId11"/>
+    <p:sldId id="256" r:id="rId2"/>
+    <p:sldId id="257" r:id="rId3"/>
+    <p:sldId id="258" r:id="rId4"/>
+    <p:sldId id="259" r:id="rId5"/>
+    <p:sldId id="260" r:id="rId6"/>
+    <p:sldId id="261" r:id="rId7"/>
+    <p:sldId id="262" r:id="rId8"/>
+    <p:sldId id="263" r:id="rId9"/>
+    <p:sldId id="264" r:id="rId10"/>
+    <p:sldId id="265" r:id="rId11"/>
   </p:sldIdLst>
-  <p:sldSz cy="5143500" cx="9144000"/>
+  <p:sldSz cx="9144000" cy="5143500" type="screen16x9"/>
   <p:notesSz cx="6858000" cy="9144000"/>
   <p:defaultTextStyle>
-    <a:defPPr lvl="0" marR="0" rtl="0" algn="l">
+    <a:defPPr marR="0" lvl="0" algn="l" rtl="0">
       <a:lnSpc>
         <a:spcPct val="100000"/>
       </a:lnSpc>
@@ -29,7 +33,7 @@
         <a:spcPts val="0"/>
       </a:spcAft>
     </a:defPPr>
-    <a:lvl1pPr lvl="0" marR="0" rtl="0" algn="l">
+    <a:lvl1pPr marR="0" lvl="0" algn="l" rtl="0">
       <a:lnSpc>
         <a:spcPct val="100000"/>
       </a:lnSpc>
@@ -43,7 +47,7 @@
         <a:srgbClr val="000000"/>
       </a:buClr>
       <a:buFont typeface="Arial"/>
-      <a:defRPr b="0" i="0" sz="1400" u="none" cap="none" strike="noStrike">
+      <a:defRPr sz="1400" b="0" i="0" u="none" strike="noStrike" cap="none">
         <a:solidFill>
           <a:srgbClr val="000000"/>
         </a:solidFill>
@@ -53,7 +57,7 @@
         <a:sym typeface="Arial"/>
       </a:defRPr>
     </a:lvl1pPr>
-    <a:lvl2pPr lvl="1" marR="0" rtl="0" algn="l">
+    <a:lvl2pPr marR="0" lvl="1" algn="l" rtl="0">
       <a:lnSpc>
         <a:spcPct val="100000"/>
       </a:lnSpc>
@@ -67,7 +71,7 @@
         <a:srgbClr val="000000"/>
       </a:buClr>
       <a:buFont typeface="Arial"/>
-      <a:defRPr b="0" i="0" sz="1400" u="none" cap="none" strike="noStrike">
+      <a:defRPr sz="1400" b="0" i="0" u="none" strike="noStrike" cap="none">
         <a:solidFill>
           <a:srgbClr val="000000"/>
         </a:solidFill>
@@ -77,7 +81,7 @@
         <a:sym typeface="Arial"/>
       </a:defRPr>
     </a:lvl2pPr>
-    <a:lvl3pPr lvl="2" marR="0" rtl="0" algn="l">
+    <a:lvl3pPr marR="0" lvl="2" algn="l" rtl="0">
       <a:lnSpc>
         <a:spcPct val="100000"/>
       </a:lnSpc>
@@ -91,7 +95,7 @@
         <a:srgbClr val="000000"/>
       </a:buClr>
       <a:buFont typeface="Arial"/>
-      <a:defRPr b="0" i="0" sz="1400" u="none" cap="none" strike="noStrike">
+      <a:defRPr sz="1400" b="0" i="0" u="none" strike="noStrike" cap="none">
         <a:solidFill>
           <a:srgbClr val="000000"/>
         </a:solidFill>
@@ -101,7 +105,7 @@
         <a:sym typeface="Arial"/>
       </a:defRPr>
     </a:lvl3pPr>
-    <a:lvl4pPr lvl="3" marR="0" rtl="0" algn="l">
+    <a:lvl4pPr marR="0" lvl="3" algn="l" rtl="0">
       <a:lnSpc>
         <a:spcPct val="100000"/>
       </a:lnSpc>
@@ -115,7 +119,7 @@
         <a:srgbClr val="000000"/>
       </a:buClr>
       <a:buFont typeface="Arial"/>
-      <a:defRPr b="0" i="0" sz="1400" u="none" cap="none" strike="noStrike">
+      <a:defRPr sz="1400" b="0" i="0" u="none" strike="noStrike" cap="none">
         <a:solidFill>
           <a:srgbClr val="000000"/>
         </a:solidFill>
@@ -125,7 +129,7 @@
         <a:sym typeface="Arial"/>
       </a:defRPr>
     </a:lvl4pPr>
-    <a:lvl5pPr lvl="4" marR="0" rtl="0" algn="l">
+    <a:lvl5pPr marR="0" lvl="4" algn="l" rtl="0">
       <a:lnSpc>
         <a:spcPct val="100000"/>
       </a:lnSpc>
@@ -139,7 +143,7 @@
         <a:srgbClr val="000000"/>
       </a:buClr>
       <a:buFont typeface="Arial"/>
-      <a:defRPr b="0" i="0" sz="1400" u="none" cap="none" strike="noStrike">
+      <a:defRPr sz="1400" b="0" i="0" u="none" strike="noStrike" cap="none">
         <a:solidFill>
           <a:srgbClr val="000000"/>
         </a:solidFill>
@@ -149,7 +153,7 @@
         <a:sym typeface="Arial"/>
       </a:defRPr>
     </a:lvl5pPr>
-    <a:lvl6pPr lvl="5" marR="0" rtl="0" algn="l">
+    <a:lvl6pPr marR="0" lvl="5" algn="l" rtl="0">
       <a:lnSpc>
         <a:spcPct val="100000"/>
       </a:lnSpc>
@@ -163,7 +167,7 @@
         <a:srgbClr val="000000"/>
       </a:buClr>
       <a:buFont typeface="Arial"/>
-      <a:defRPr b="0" i="0" sz="1400" u="none" cap="none" strike="noStrike">
+      <a:defRPr sz="1400" b="0" i="0" u="none" strike="noStrike" cap="none">
         <a:solidFill>
           <a:srgbClr val="000000"/>
         </a:solidFill>
@@ -173,7 +177,7 @@
         <a:sym typeface="Arial"/>
       </a:defRPr>
     </a:lvl6pPr>
-    <a:lvl7pPr lvl="6" marR="0" rtl="0" algn="l">
+    <a:lvl7pPr marR="0" lvl="6" algn="l" rtl="0">
       <a:lnSpc>
         <a:spcPct val="100000"/>
       </a:lnSpc>
@@ -187,7 +191,7 @@
         <a:srgbClr val="000000"/>
       </a:buClr>
       <a:buFont typeface="Arial"/>
-      <a:defRPr b="0" i="0" sz="1400" u="none" cap="none" strike="noStrike">
+      <a:defRPr sz="1400" b="0" i="0" u="none" strike="noStrike" cap="none">
         <a:solidFill>
           <a:srgbClr val="000000"/>
         </a:solidFill>
@@ -197,7 +201,7 @@
         <a:sym typeface="Arial"/>
       </a:defRPr>
     </a:lvl7pPr>
-    <a:lvl8pPr lvl="7" marR="0" rtl="0" algn="l">
+    <a:lvl8pPr marR="0" lvl="7" algn="l" rtl="0">
       <a:lnSpc>
         <a:spcPct val="100000"/>
       </a:lnSpc>
@@ -211,7 +215,7 @@
         <a:srgbClr val="000000"/>
       </a:buClr>
       <a:buFont typeface="Arial"/>
-      <a:defRPr b="0" i="0" sz="1400" u="none" cap="none" strike="noStrike">
+      <a:defRPr sz="1400" b="0" i="0" u="none" strike="noStrike" cap="none">
         <a:solidFill>
           <a:srgbClr val="000000"/>
         </a:solidFill>
@@ -221,7 +225,7 @@
         <a:sym typeface="Arial"/>
       </a:defRPr>
     </a:lvl8pPr>
-    <a:lvl9pPr lvl="8" marR="0" rtl="0" algn="l">
+    <a:lvl9pPr marR="0" lvl="8" algn="l" rtl="0">
       <a:lnSpc>
         <a:spcPct val="100000"/>
       </a:lnSpc>
@@ -235,7 +239,7 @@
         <a:srgbClr val="000000"/>
       </a:buClr>
       <a:buFont typeface="Arial"/>
-      <a:defRPr b="0" i="0" sz="1400" u="none" cap="none" strike="noStrike">
+      <a:defRPr sz="1400" b="0" i="0" u="none" strike="noStrike" cap="none">
         <a:solidFill>
           <a:srgbClr val="000000"/>
         </a:solidFill>
@@ -248,7 +252,7 @@
   </p:defaultTextStyle>
   <p:extLst>
     <p:ext uri="{EFAFB233-063F-42B5-8137-9DF3F51BA10A}">
-      <p15:sldGuideLst>
+      <p15:sldGuideLst xmlns:p15="http://schemas.microsoft.com/office/powerpoint/2012/main">
         <p15:guide id="1" orient="horz" pos="1620">
           <p15:clr>
             <a:srgbClr val="A4A3A4"/>
@@ -265,12 +269,150 @@
 </p:presentation>
 </file>
 
+<file path=ppt/commentAuthors.xml><?xml version="1.0" encoding="utf-8"?>
+<p:cmAuthorLst xmlns:a="http://schemas.openxmlformats.org/drawingml/2006/main" xmlns:r="http://schemas.openxmlformats.org/officeDocument/2006/relationships" xmlns:p="http://schemas.openxmlformats.org/presentationml/2006/main">
+  <p:cmAuthor id="0" name="Zana Brown" initials="" lastIdx="3" clrIdx="0"/>
+</p:cmAuthorLst>
+</file>
+
+<file path=ppt/revisionInfo.xml><?xml version="1.0" encoding="utf-8"?>
+<p1510:revInfo xmlns:a="http://schemas.openxmlformats.org/drawingml/2006/main" xmlns:r="http://schemas.openxmlformats.org/officeDocument/2006/relationships" xmlns:p1510="http://schemas.microsoft.com/office/powerpoint/2015/10/main">
+  <p1510:revLst>
+    <p1510:client id="{3C569634-3FAA-4D83-B3DA-E26B1BC3861B}" v="1" dt="2022-08-22T00:06:34.613"/>
+  </p1510:revLst>
+</p1510:revInfo>
+</file>
+
+<file path=ppt/changesInfos/changesInfo1.xml><?xml version="1.0" encoding="utf-8"?>
+<pc:chgInfo xmlns:a="http://schemas.openxmlformats.org/drawingml/2006/main" xmlns:r="http://schemas.openxmlformats.org/officeDocument/2006/relationships" xmlns:ac="http://schemas.microsoft.com/office/drawing/2013/main/command" xmlns:pc="http://schemas.microsoft.com/office/powerpoint/2013/main/command">
+  <pc:docChgLst>
+    <pc:chgData name="Zana Brown" userId="48685f2dca449de6" providerId="LiveId" clId="{3C569634-3FAA-4D83-B3DA-E26B1BC3861B}"/>
+    <pc:docChg chg="custSel modSld">
+      <pc:chgData name="Zana Brown" userId="48685f2dca449de6" providerId="LiveId" clId="{3C569634-3FAA-4D83-B3DA-E26B1BC3861B}" dt="2022-08-22T00:07:11.183" v="14" actId="1076"/>
+      <pc:docMkLst>
+        <pc:docMk/>
+      </pc:docMkLst>
+      <pc:sldChg chg="modSp mod">
+        <pc:chgData name="Zana Brown" userId="48685f2dca449de6" providerId="LiveId" clId="{3C569634-3FAA-4D83-B3DA-E26B1BC3861B}" dt="2022-08-22T00:06:34.808" v="1" actId="27636"/>
+        <pc:sldMkLst>
+          <pc:docMk/>
+          <pc:sldMk cId="0" sldId="257"/>
+        </pc:sldMkLst>
+        <pc:spChg chg="mod">
+          <ac:chgData name="Zana Brown" userId="48685f2dca449de6" providerId="LiveId" clId="{3C569634-3FAA-4D83-B3DA-E26B1BC3861B}" dt="2022-08-22T00:06:34.808" v="1" actId="27636"/>
+          <ac:spMkLst>
+            <pc:docMk/>
+            <pc:sldMk cId="0" sldId="257"/>
+            <ac:spMk id="61" creationId="{00000000-0000-0000-0000-000000000000}"/>
+          </ac:spMkLst>
+        </pc:spChg>
+      </pc:sldChg>
+      <pc:sldChg chg="modSp mod">
+        <pc:chgData name="Zana Brown" userId="48685f2dca449de6" providerId="LiveId" clId="{3C569634-3FAA-4D83-B3DA-E26B1BC3861B}" dt="2022-08-22T00:06:34.822" v="2" actId="27636"/>
+        <pc:sldMkLst>
+          <pc:docMk/>
+          <pc:sldMk cId="0" sldId="260"/>
+        </pc:sldMkLst>
+        <pc:spChg chg="mod">
+          <ac:chgData name="Zana Brown" userId="48685f2dca449de6" providerId="LiveId" clId="{3C569634-3FAA-4D83-B3DA-E26B1BC3861B}" dt="2022-08-22T00:06:34.822" v="2" actId="27636"/>
+          <ac:spMkLst>
+            <pc:docMk/>
+            <pc:sldMk cId="0" sldId="260"/>
+            <ac:spMk id="79" creationId="{00000000-0000-0000-0000-000000000000}"/>
+          </ac:spMkLst>
+        </pc:spChg>
+      </pc:sldChg>
+      <pc:sldChg chg="modSp mod">
+        <pc:chgData name="Zana Brown" userId="48685f2dca449de6" providerId="LiveId" clId="{3C569634-3FAA-4D83-B3DA-E26B1BC3861B}" dt="2022-08-22T00:06:34.834" v="3" actId="27636"/>
+        <pc:sldMkLst>
+          <pc:docMk/>
+          <pc:sldMk cId="0" sldId="262"/>
+        </pc:sldMkLst>
+        <pc:spChg chg="mod">
+          <ac:chgData name="Zana Brown" userId="48685f2dca449de6" providerId="LiveId" clId="{3C569634-3FAA-4D83-B3DA-E26B1BC3861B}" dt="2022-08-22T00:06:34.834" v="3" actId="27636"/>
+          <ac:spMkLst>
+            <pc:docMk/>
+            <pc:sldMk cId="0" sldId="262"/>
+            <ac:spMk id="91" creationId="{00000000-0000-0000-0000-000000000000}"/>
+          </ac:spMkLst>
+        </pc:spChg>
+      </pc:sldChg>
+      <pc:sldChg chg="modSp mod">
+        <pc:chgData name="Zana Brown" userId="48685f2dca449de6" providerId="LiveId" clId="{3C569634-3FAA-4D83-B3DA-E26B1BC3861B}" dt="2022-08-22T00:06:34.842" v="4" actId="27636"/>
+        <pc:sldMkLst>
+          <pc:docMk/>
+          <pc:sldMk cId="0" sldId="264"/>
+        </pc:sldMkLst>
+        <pc:spChg chg="mod">
+          <ac:chgData name="Zana Brown" userId="48685f2dca449de6" providerId="LiveId" clId="{3C569634-3FAA-4D83-B3DA-E26B1BC3861B}" dt="2022-08-22T00:06:34.842" v="4" actId="27636"/>
+          <ac:spMkLst>
+            <pc:docMk/>
+            <pc:sldMk cId="0" sldId="264"/>
+            <ac:spMk id="103" creationId="{00000000-0000-0000-0000-000000000000}"/>
+          </ac:spMkLst>
+        </pc:spChg>
+      </pc:sldChg>
+      <pc:sldChg chg="addSp delSp modSp mod modNotes">
+        <pc:chgData name="Zana Brown" userId="48685f2dca449de6" providerId="LiveId" clId="{3C569634-3FAA-4D83-B3DA-E26B1BC3861B}" dt="2022-08-22T00:07:11.183" v="14" actId="1076"/>
+        <pc:sldMkLst>
+          <pc:docMk/>
+          <pc:sldMk cId="0" sldId="265"/>
+        </pc:sldMkLst>
+        <pc:spChg chg="del mod">
+          <ac:chgData name="Zana Brown" userId="48685f2dca449de6" providerId="LiveId" clId="{3C569634-3FAA-4D83-B3DA-E26B1BC3861B}" dt="2022-08-22T00:06:48.759" v="10" actId="478"/>
+          <ac:spMkLst>
+            <pc:docMk/>
+            <pc:sldMk cId="0" sldId="265"/>
+            <ac:spMk id="109" creationId="{00000000-0000-0000-0000-000000000000}"/>
+          </ac:spMkLst>
+        </pc:spChg>
+        <pc:picChg chg="add mod">
+          <ac:chgData name="Zana Brown" userId="48685f2dca449de6" providerId="LiveId" clId="{3C569634-3FAA-4D83-B3DA-E26B1BC3861B}" dt="2022-08-22T00:07:11.183" v="14" actId="1076"/>
+          <ac:picMkLst>
+            <pc:docMk/>
+            <pc:sldMk cId="0" sldId="265"/>
+            <ac:picMk id="3" creationId="{095519FD-456E-6037-C547-F475AE7273BA}"/>
+          </ac:picMkLst>
+        </pc:picChg>
+      </pc:sldChg>
+    </pc:docChg>
+  </pc:docChgLst>
+</pc:chgInfo>
+</file>
+
+<file path=ppt/comments/comment1.xml><?xml version="1.0" encoding="utf-8"?>
+<p:cmLst xmlns:a="http://schemas.openxmlformats.org/drawingml/2006/main" xmlns:r="http://schemas.openxmlformats.org/officeDocument/2006/relationships" xmlns:p="http://schemas.openxmlformats.org/presentationml/2006/main">
+  <p:cm authorId="0" dt="2022-08-20T16:44:07.462" idx="1">
+    <p:pos x="6000" y="0"/>
+    <p:text>data was trained via scikit python package</p:text>
+  </p:cm>
+</p:cmLst>
+</file>
+
+<file path=ppt/comments/comment2.xml><?xml version="1.0" encoding="utf-8"?>
+<p:cmLst xmlns:a="http://schemas.openxmlformats.org/drawingml/2006/main" xmlns:r="http://schemas.openxmlformats.org/officeDocument/2006/relationships" xmlns:p="http://schemas.openxmlformats.org/presentationml/2006/main">
+  <p:cm authorId="0" dt="2022-08-20T16:45:07.564" idx="3">
+    <p:pos x="6000" y="100"/>
+    <p:text>Future analysis: Where do we go from here. is data that was not useful.</p:text>
+  </p:cm>
+  <p:cm authorId="0" dt="2022-08-20T16:47:12.296" idx="2">
+    <p:pos x="6000" y="0"/>
+    <p:text>Technology: Languages like python, tableau, AWI,</p:text>
+  </p:cm>
+</p:cmLst>
+</file>
+
 <file path=ppt/notesMasters/notesMaster1.xml><?xml version="1.0" encoding="utf-8"?>
-<p:notesMaster xmlns:a="http://schemas.openxmlformats.org/drawingml/2006/main" xmlns:r="http://schemas.openxmlformats.org/officeDocument/2006/relationships" xmlns:mc="http://schemas.openxmlformats.org/markup-compatibility/2006" xmlns:mv="urn:schemas-microsoft-com:mac:vml" xmlns:p="http://schemas.openxmlformats.org/presentationml/2006/main" xmlns:c="http://schemas.openxmlformats.org/drawingml/2006/chart" xmlns:dgm="http://schemas.openxmlformats.org/drawingml/2006/diagram" xmlns:o="urn:schemas-microsoft-com:office:office" xmlns:v="urn:schemas-microsoft-com:vml" xmlns:pvml="urn:schemas-microsoft-com:office:powerpoint" xmlns:com="http://schemas.openxmlformats.org/drawingml/2006/compatibility" xmlns:p14="http://schemas.microsoft.com/office/powerpoint/2010/main" xmlns:p15="http://schemas.microsoft.com/office/powerpoint/2012/main" xmlns:ahyp="http://schemas.microsoft.com/office/drawing/2018/hyperlinkcolor">
+<p:notesMaster xmlns:a="http://schemas.openxmlformats.org/drawingml/2006/main" xmlns:r="http://schemas.openxmlformats.org/officeDocument/2006/relationships" xmlns:p="http://schemas.openxmlformats.org/presentationml/2006/main">
   <p:cSld>
+    <p:bg>
+      <p:bgRef idx="1001">
+        <a:schemeClr val="bg1"/>
+      </p:bgRef>
+    </p:bg>
     <p:spTree>
       <p:nvGrpSpPr>
-        <p:cNvPr id="2" name="Shape 2"/>
+        <p:cNvPr id="1" name="Shape 2"/>
         <p:cNvGrpSpPr/>
         <p:nvPr/>
       </p:nvGrpSpPr>
@@ -285,9 +427,11 @@
       <p:sp>
         <p:nvSpPr>
           <p:cNvPr id="3" name="Google Shape;3;n"/>
-          <p:cNvSpPr/>
+          <p:cNvSpPr>
+            <a:spLocks noGrp="1" noRot="1" noChangeAspect="1"/>
+          </p:cNvSpPr>
           <p:nvPr>
-            <p:ph idx="2" type="sldImg"/>
+            <p:ph type="sldImg" idx="2"/>
           </p:nvPr>
         </p:nvSpPr>
         <p:spPr>
@@ -296,9 +440,13 @@
             <a:ext cx="6096075" cy="3429000"/>
           </a:xfrm>
           <a:custGeom>
-            <a:rect b="b" l="l" r="r" t="t"/>
+            <a:avLst/>
+            <a:gdLst/>
+            <a:ahLst/>
+            <a:cxnLst/>
+            <a:rect l="l" t="t" r="r" b="b"/>
             <a:pathLst>
-              <a:path extrusionOk="0" h="120000" w="120000">
+              <a:path w="120000" h="120000" extrusionOk="0">
                 <a:moveTo>
                   <a:pt x="0" y="0"/>
                 </a:moveTo>
@@ -316,23 +464,25 @@
             </a:pathLst>
           </a:custGeom>
           <a:noFill/>
-          <a:ln cap="flat" cmpd="sng" w="9525">
+          <a:ln w="9525" cap="flat" cmpd="sng">
             <a:solidFill>
               <a:srgbClr val="000000"/>
             </a:solidFill>
             <a:prstDash val="solid"/>
             <a:round/>
-            <a:headEnd len="sm" w="sm" type="none"/>
-            <a:tailEnd len="sm" w="sm" type="none"/>
+            <a:headEnd type="none" w="sm" len="sm"/>
+            <a:tailEnd type="none" w="sm" len="sm"/>
           </a:ln>
         </p:spPr>
       </p:sp>
       <p:sp>
         <p:nvSpPr>
           <p:cNvPr id="4" name="Google Shape;4;n"/>
-          <p:cNvSpPr txBox="1"/>
+          <p:cNvSpPr txBox="1">
+            <a:spLocks noGrp="1"/>
+          </p:cNvSpPr>
           <p:nvPr>
-            <p:ph idx="1" type="body"/>
+            <p:ph type="body" idx="1"/>
           </p:nvPr>
         </p:nvSpPr>
         <p:spPr>
@@ -349,11 +499,11 @@
           </a:ln>
         </p:spPr>
         <p:txBody>
-          <a:bodyPr anchorCtr="0" anchor="t" bIns="91425" lIns="91425" spcFirstLastPara="1" rIns="91425" wrap="square" tIns="91425">
+          <a:bodyPr spcFirstLastPara="1" wrap="square" lIns="91425" tIns="91425" rIns="91425" bIns="91425" anchor="t" anchorCtr="0">
             <a:noAutofit/>
           </a:bodyPr>
           <a:lstStyle>
-            <a:lvl1pPr indent="-298450" lvl="0" marL="457200">
+            <a:lvl1pPr marL="457200" lvl="0" indent="-298450">
               <a:spcBef>
                 <a:spcPts val="0"/>
               </a:spcBef>
@@ -364,7 +514,7 @@
               <a:buChar char="●"/>
               <a:defRPr sz="1100"/>
             </a:lvl1pPr>
-            <a:lvl2pPr indent="-298450" lvl="1" marL="914400">
+            <a:lvl2pPr marL="914400" lvl="1" indent="-298450">
               <a:spcBef>
                 <a:spcPts val="0"/>
               </a:spcBef>
@@ -375,7 +525,7 @@
               <a:buChar char="○"/>
               <a:defRPr sz="1100"/>
             </a:lvl2pPr>
-            <a:lvl3pPr indent="-298450" lvl="2" marL="1371600">
+            <a:lvl3pPr marL="1371600" lvl="2" indent="-298450">
               <a:spcBef>
                 <a:spcPts val="0"/>
               </a:spcBef>
@@ -386,7 +536,7 @@
               <a:buChar char="■"/>
               <a:defRPr sz="1100"/>
             </a:lvl3pPr>
-            <a:lvl4pPr indent="-298450" lvl="3" marL="1828800">
+            <a:lvl4pPr marL="1828800" lvl="3" indent="-298450">
               <a:spcBef>
                 <a:spcPts val="0"/>
               </a:spcBef>
@@ -397,7 +547,7 @@
               <a:buChar char="●"/>
               <a:defRPr sz="1100"/>
             </a:lvl4pPr>
-            <a:lvl5pPr indent="-298450" lvl="4" marL="2286000">
+            <a:lvl5pPr marL="2286000" lvl="4" indent="-298450">
               <a:spcBef>
                 <a:spcPts val="0"/>
               </a:spcBef>
@@ -408,7 +558,7 @@
               <a:buChar char="○"/>
               <a:defRPr sz="1100"/>
             </a:lvl5pPr>
-            <a:lvl6pPr indent="-298450" lvl="5" marL="2743200">
+            <a:lvl6pPr marL="2743200" lvl="5" indent="-298450">
               <a:spcBef>
                 <a:spcPts val="0"/>
               </a:spcBef>
@@ -419,7 +569,7 @@
               <a:buChar char="■"/>
               <a:defRPr sz="1100"/>
             </a:lvl6pPr>
-            <a:lvl7pPr indent="-298450" lvl="6" marL="3200400">
+            <a:lvl7pPr marL="3200400" lvl="6" indent="-298450">
               <a:spcBef>
                 <a:spcPts val="0"/>
               </a:spcBef>
@@ -430,7 +580,7 @@
               <a:buChar char="●"/>
               <a:defRPr sz="1100"/>
             </a:lvl7pPr>
-            <a:lvl8pPr indent="-298450" lvl="7" marL="3657600">
+            <a:lvl8pPr marL="3657600" lvl="7" indent="-298450">
               <a:spcBef>
                 <a:spcPts val="0"/>
               </a:spcBef>
@@ -441,7 +591,7 @@
               <a:buChar char="○"/>
               <a:defRPr sz="1100"/>
             </a:lvl8pPr>
-            <a:lvl9pPr indent="-298450" lvl="8" marL="4114800">
+            <a:lvl9pPr marL="4114800" lvl="8" indent="-298450">
               <a:spcBef>
                 <a:spcPts val="0"/>
               </a:spcBef>
@@ -453,14 +603,16 @@
               <a:defRPr sz="1100"/>
             </a:lvl9pPr>
           </a:lstStyle>
-          <a:p/>
+          <a:p>
+            <a:endParaRPr/>
+          </a:p>
         </p:txBody>
       </p:sp>
     </p:spTree>
   </p:cSld>
-  <p:clrMap accent1="accent1" accent2="accent2" accent3="accent3" accent4="accent4" accent5="accent5" accent6="accent6" bg1="lt1" bg2="dk2" tx1="dk1" tx2="lt2" folHlink="folHlink" hlink="hlink"/>
+  <p:clrMap bg1="lt1" tx1="dk1" bg2="dk2" tx2="lt2" accent1="accent1" accent2="accent2" accent3="accent3" accent4="accent4" accent5="accent5" accent6="accent6" hlink="hlink" folHlink="folHlink"/>
   <p:notesStyle>
-    <a:defPPr lvl="0" marR="0" rtl="0" algn="l">
+    <a:defPPr marR="0" lvl="0" algn="l" rtl="0">
       <a:lnSpc>
         <a:spcPct val="100000"/>
       </a:lnSpc>
@@ -471,7 +623,7 @@
         <a:spcPts val="0"/>
       </a:spcAft>
     </a:defPPr>
-    <a:lvl1pPr lvl="0" marR="0" rtl="0" algn="l">
+    <a:lvl1pPr marR="0" lvl="0" algn="l" rtl="0">
       <a:lnSpc>
         <a:spcPct val="100000"/>
       </a:lnSpc>
@@ -485,7 +637,7 @@
         <a:srgbClr val="000000"/>
       </a:buClr>
       <a:buFont typeface="Arial"/>
-      <a:defRPr b="0" i="0" sz="1400" u="none" cap="none" strike="noStrike">
+      <a:defRPr sz="1400" b="0" i="0" u="none" strike="noStrike" cap="none">
         <a:solidFill>
           <a:srgbClr val="000000"/>
         </a:solidFill>
@@ -495,7 +647,7 @@
         <a:sym typeface="Arial"/>
       </a:defRPr>
     </a:lvl1pPr>
-    <a:lvl2pPr lvl="1" marR="0" rtl="0" algn="l">
+    <a:lvl2pPr marR="0" lvl="1" algn="l" rtl="0">
       <a:lnSpc>
         <a:spcPct val="100000"/>
       </a:lnSpc>
@@ -509,7 +661,7 @@
         <a:srgbClr val="000000"/>
       </a:buClr>
       <a:buFont typeface="Arial"/>
-      <a:defRPr b="0" i="0" sz="1400" u="none" cap="none" strike="noStrike">
+      <a:defRPr sz="1400" b="0" i="0" u="none" strike="noStrike" cap="none">
         <a:solidFill>
           <a:srgbClr val="000000"/>
         </a:solidFill>
@@ -519,7 +671,7 @@
         <a:sym typeface="Arial"/>
       </a:defRPr>
     </a:lvl2pPr>
-    <a:lvl3pPr lvl="2" marR="0" rtl="0" algn="l">
+    <a:lvl3pPr marR="0" lvl="2" algn="l" rtl="0">
       <a:lnSpc>
         <a:spcPct val="100000"/>
       </a:lnSpc>
@@ -533,7 +685,7 @@
         <a:srgbClr val="000000"/>
       </a:buClr>
       <a:buFont typeface="Arial"/>
-      <a:defRPr b="0" i="0" sz="1400" u="none" cap="none" strike="noStrike">
+      <a:defRPr sz="1400" b="0" i="0" u="none" strike="noStrike" cap="none">
         <a:solidFill>
           <a:srgbClr val="000000"/>
         </a:solidFill>
@@ -543,7 +695,7 @@
         <a:sym typeface="Arial"/>
       </a:defRPr>
     </a:lvl3pPr>
-    <a:lvl4pPr lvl="3" marR="0" rtl="0" algn="l">
+    <a:lvl4pPr marR="0" lvl="3" algn="l" rtl="0">
       <a:lnSpc>
         <a:spcPct val="100000"/>
       </a:lnSpc>
@@ -557,7 +709,7 @@
         <a:srgbClr val="000000"/>
       </a:buClr>
       <a:buFont typeface="Arial"/>
-      <a:defRPr b="0" i="0" sz="1400" u="none" cap="none" strike="noStrike">
+      <a:defRPr sz="1400" b="0" i="0" u="none" strike="noStrike" cap="none">
         <a:solidFill>
           <a:srgbClr val="000000"/>
         </a:solidFill>
@@ -567,7 +719,7 @@
         <a:sym typeface="Arial"/>
       </a:defRPr>
     </a:lvl4pPr>
-    <a:lvl5pPr lvl="4" marR="0" rtl="0" algn="l">
+    <a:lvl5pPr marR="0" lvl="4" algn="l" rtl="0">
       <a:lnSpc>
         <a:spcPct val="100000"/>
       </a:lnSpc>
@@ -581,7 +733,7 @@
         <a:srgbClr val="000000"/>
       </a:buClr>
       <a:buFont typeface="Arial"/>
-      <a:defRPr b="0" i="0" sz="1400" u="none" cap="none" strike="noStrike">
+      <a:defRPr sz="1400" b="0" i="0" u="none" strike="noStrike" cap="none">
         <a:solidFill>
           <a:srgbClr val="000000"/>
         </a:solidFill>
@@ -591,7 +743,7 @@
         <a:sym typeface="Arial"/>
       </a:defRPr>
     </a:lvl5pPr>
-    <a:lvl6pPr lvl="5" marR="0" rtl="0" algn="l">
+    <a:lvl6pPr marR="0" lvl="5" algn="l" rtl="0">
       <a:lnSpc>
         <a:spcPct val="100000"/>
       </a:lnSpc>
@@ -605,7 +757,7 @@
         <a:srgbClr val="000000"/>
       </a:buClr>
       <a:buFont typeface="Arial"/>
-      <a:defRPr b="0" i="0" sz="1400" u="none" cap="none" strike="noStrike">
+      <a:defRPr sz="1400" b="0" i="0" u="none" strike="noStrike" cap="none">
         <a:solidFill>
           <a:srgbClr val="000000"/>
         </a:solidFill>
@@ -615,7 +767,7 @@
         <a:sym typeface="Arial"/>
       </a:defRPr>
     </a:lvl6pPr>
-    <a:lvl7pPr lvl="6" marR="0" rtl="0" algn="l">
+    <a:lvl7pPr marR="0" lvl="6" algn="l" rtl="0">
       <a:lnSpc>
         <a:spcPct val="100000"/>
       </a:lnSpc>
@@ -629,7 +781,7 @@
         <a:srgbClr val="000000"/>
       </a:buClr>
       <a:buFont typeface="Arial"/>
-      <a:defRPr b="0" i="0" sz="1400" u="none" cap="none" strike="noStrike">
+      <a:defRPr sz="1400" b="0" i="0" u="none" strike="noStrike" cap="none">
         <a:solidFill>
           <a:srgbClr val="000000"/>
         </a:solidFill>
@@ -639,7 +791,7 @@
         <a:sym typeface="Arial"/>
       </a:defRPr>
     </a:lvl7pPr>
-    <a:lvl8pPr lvl="7" marR="0" rtl="0" algn="l">
+    <a:lvl8pPr marR="0" lvl="7" algn="l" rtl="0">
       <a:lnSpc>
         <a:spcPct val="100000"/>
       </a:lnSpc>
@@ -653,7 +805,7 @@
         <a:srgbClr val="000000"/>
       </a:buClr>
       <a:buFont typeface="Arial"/>
-      <a:defRPr b="0" i="0" sz="1400" u="none" cap="none" strike="noStrike">
+      <a:defRPr sz="1400" b="0" i="0" u="none" strike="noStrike" cap="none">
         <a:solidFill>
           <a:srgbClr val="000000"/>
         </a:solidFill>
@@ -663,7 +815,7 @@
         <a:sym typeface="Arial"/>
       </a:defRPr>
     </a:lvl8pPr>
-    <a:lvl9pPr lvl="8" marR="0" rtl="0" algn="l">
+    <a:lvl9pPr marR="0" lvl="8" algn="l" rtl="0">
       <a:lnSpc>
         <a:spcPct val="100000"/>
       </a:lnSpc>
@@ -677,7 +829,7 @@
         <a:srgbClr val="000000"/>
       </a:buClr>
       <a:buFont typeface="Arial"/>
-      <a:defRPr b="0" i="0" sz="1400" u="none" cap="none" strike="noStrike">
+      <a:defRPr sz="1400" b="0" i="0" u="none" strike="noStrike" cap="none">
         <a:solidFill>
           <a:srgbClr val="000000"/>
         </a:solidFill>
@@ -692,11 +844,11 @@
 </file>
 
 <file path=ppt/notesSlides/notesSlide1.xml><?xml version="1.0" encoding="utf-8"?>
-<p:notes xmlns:a="http://schemas.openxmlformats.org/drawingml/2006/main" xmlns:r="http://schemas.openxmlformats.org/officeDocument/2006/relationships" xmlns:mc="http://schemas.openxmlformats.org/markup-compatibility/2006" xmlns:mv="urn:schemas-microsoft-com:mac:vml" xmlns:p="http://schemas.openxmlformats.org/presentationml/2006/main" xmlns:c="http://schemas.openxmlformats.org/drawingml/2006/chart" xmlns:dgm="http://schemas.openxmlformats.org/drawingml/2006/diagram" xmlns:o="urn:schemas-microsoft-com:office:office" xmlns:v="urn:schemas-microsoft-com:vml" xmlns:pvml="urn:schemas-microsoft-com:office:powerpoint" xmlns:com="http://schemas.openxmlformats.org/drawingml/2006/compatibility" xmlns:p14="http://schemas.microsoft.com/office/powerpoint/2010/main" xmlns:p15="http://schemas.microsoft.com/office/powerpoint/2012/main" xmlns:ahyp="http://schemas.microsoft.com/office/drawing/2018/hyperlinkcolor" showMasterPhAnim="0" showMasterSp="0">
+<p:notes xmlns:a="http://schemas.openxmlformats.org/drawingml/2006/main" xmlns:r="http://schemas.openxmlformats.org/officeDocument/2006/relationships" xmlns:p="http://schemas.openxmlformats.org/presentationml/2006/main" showMasterSp="0" showMasterPhAnim="0">
   <p:cSld>
     <p:spTree>
       <p:nvGrpSpPr>
-        <p:cNvPr id="50" name="Shape 50"/>
+        <p:cNvPr id="1" name="Shape 50"/>
         <p:cNvGrpSpPr/>
         <p:nvPr/>
       </p:nvGrpSpPr>
@@ -711,9 +863,11 @@
       <p:sp>
         <p:nvSpPr>
           <p:cNvPr id="51" name="Google Shape;51;p:notes"/>
-          <p:cNvSpPr/>
+          <p:cNvSpPr>
+            <a:spLocks noGrp="1" noRot="1" noChangeAspect="1"/>
+          </p:cNvSpPr>
           <p:nvPr>
-            <p:ph idx="2" type="sldImg"/>
+            <p:ph type="sldImg" idx="2"/>
           </p:nvPr>
         </p:nvSpPr>
         <p:spPr>
@@ -722,9 +876,13 @@
             <a:ext cx="6096075" cy="3429000"/>
           </a:xfrm>
           <a:custGeom>
-            <a:rect b="b" l="l" r="r" t="t"/>
+            <a:avLst/>
+            <a:gdLst/>
+            <a:ahLst/>
+            <a:cxnLst/>
+            <a:rect l="l" t="t" r="r" b="b"/>
             <a:pathLst>
-              <a:path extrusionOk="0" h="120000" w="120000">
+              <a:path w="120000" h="120000" extrusionOk="0">
                 <a:moveTo>
                   <a:pt x="0" y="0"/>
                 </a:moveTo>
@@ -746,9 +904,11 @@
       <p:sp>
         <p:nvSpPr>
           <p:cNvPr id="52" name="Google Shape;52;p:notes"/>
-          <p:cNvSpPr txBox="1"/>
+          <p:cNvSpPr txBox="1">
+            <a:spLocks noGrp="1"/>
+          </p:cNvSpPr>
           <p:nvPr>
-            <p:ph idx="1" type="body"/>
+            <p:ph type="body" idx="1"/>
           </p:nvPr>
         </p:nvSpPr>
         <p:spPr>
@@ -761,12 +921,12 @@
           </a:prstGeom>
         </p:spPr>
         <p:txBody>
-          <a:bodyPr anchorCtr="0" anchor="t" bIns="91425" lIns="91425" spcFirstLastPara="1" rIns="91425" wrap="square" tIns="91425">
+          <a:bodyPr spcFirstLastPara="1" wrap="square" lIns="91425" tIns="91425" rIns="91425" bIns="91425" anchor="t" anchorCtr="0">
             <a:noAutofit/>
           </a:bodyPr>
           <a:lstStyle/>
           <a:p>
-            <a:pPr indent="0" lvl="0" marL="0" rtl="0" algn="l">
+            <a:pPr marL="0" lvl="0" indent="0" algn="l" rtl="0">
               <a:spcBef>
                 <a:spcPts val="0"/>
               </a:spcBef>
@@ -775,9 +935,110 @@
               </a:spcAft>
               <a:buNone/>
             </a:pPr>
-            <a:r>
-              <a:t/>
-            </a:r>
+            <a:endParaRPr/>
+          </a:p>
+        </p:txBody>
+      </p:sp>
+    </p:spTree>
+  </p:cSld>
+  <p:clrMapOvr>
+    <a:masterClrMapping/>
+  </p:clrMapOvr>
+</p:notes>
+</file>
+
+<file path=ppt/notesSlides/notesSlide10.xml><?xml version="1.0" encoding="utf-8"?>
+<p:notes xmlns:a="http://schemas.openxmlformats.org/drawingml/2006/main" xmlns:r="http://schemas.openxmlformats.org/officeDocument/2006/relationships" xmlns:p="http://schemas.openxmlformats.org/presentationml/2006/main" showMasterSp="0" showMasterPhAnim="0">
+  <p:cSld>
+    <p:spTree>
+      <p:nvGrpSpPr>
+        <p:cNvPr id="1" name="Shape 104"/>
+        <p:cNvGrpSpPr/>
+        <p:nvPr/>
+      </p:nvGrpSpPr>
+      <p:grpSpPr>
+        <a:xfrm>
+          <a:off x="0" y="0"/>
+          <a:ext cx="0" cy="0"/>
+          <a:chOff x="0" y="0"/>
+          <a:chExt cx="0" cy="0"/>
+        </a:xfrm>
+      </p:grpSpPr>
+      <p:sp>
+        <p:nvSpPr>
+          <p:cNvPr id="105" name="Google Shape;105;g147eaed25e1_0_30:notes"/>
+          <p:cNvSpPr>
+            <a:spLocks noGrp="1" noRot="1" noChangeAspect="1"/>
+          </p:cNvSpPr>
+          <p:nvPr>
+            <p:ph type="sldImg" idx="2"/>
+          </p:nvPr>
+        </p:nvSpPr>
+        <p:spPr>
+          <a:xfrm>
+            <a:off x="381000" y="685800"/>
+            <a:ext cx="6096000" cy="3429000"/>
+          </a:xfrm>
+          <a:custGeom>
+            <a:avLst/>
+            <a:gdLst/>
+            <a:ahLst/>
+            <a:cxnLst/>
+            <a:rect l="l" t="t" r="r" b="b"/>
+            <a:pathLst>
+              <a:path w="120000" h="120000" extrusionOk="0">
+                <a:moveTo>
+                  <a:pt x="0" y="0"/>
+                </a:moveTo>
+                <a:lnTo>
+                  <a:pt x="120000" y="0"/>
+                </a:lnTo>
+                <a:lnTo>
+                  <a:pt x="120000" y="120000"/>
+                </a:lnTo>
+                <a:lnTo>
+                  <a:pt x="0" y="120000"/>
+                </a:lnTo>
+                <a:close/>
+              </a:path>
+            </a:pathLst>
+          </a:custGeom>
+        </p:spPr>
+      </p:sp>
+      <p:sp>
+        <p:nvSpPr>
+          <p:cNvPr id="106" name="Google Shape;106;g147eaed25e1_0_30:notes"/>
+          <p:cNvSpPr txBox="1">
+            <a:spLocks noGrp="1"/>
+          </p:cNvSpPr>
+          <p:nvPr>
+            <p:ph type="body" idx="1"/>
+          </p:nvPr>
+        </p:nvSpPr>
+        <p:spPr>
+          <a:xfrm>
+            <a:off x="685800" y="4343400"/>
+            <a:ext cx="5486400" cy="4114800"/>
+          </a:xfrm>
+          <a:prstGeom prst="rect">
+            <a:avLst/>
+          </a:prstGeom>
+        </p:spPr>
+        <p:txBody>
+          <a:bodyPr spcFirstLastPara="1" wrap="square" lIns="91425" tIns="91425" rIns="91425" bIns="91425" anchor="t" anchorCtr="0">
+            <a:noAutofit/>
+          </a:bodyPr>
+          <a:lstStyle/>
+          <a:p>
+            <a:pPr marL="0" lvl="0" indent="0" algn="l" rtl="0">
+              <a:spcBef>
+                <a:spcPts val="0"/>
+              </a:spcBef>
+              <a:spcAft>
+                <a:spcPts val="0"/>
+              </a:spcAft>
+              <a:buNone/>
+            </a:pPr>
             <a:endParaRPr/>
           </a:p>
         </p:txBody>
@@ -791,11 +1052,11 @@
 </file>
 
 <file path=ppt/notesSlides/notesSlide2.xml><?xml version="1.0" encoding="utf-8"?>
-<p:notes xmlns:a="http://schemas.openxmlformats.org/drawingml/2006/main" xmlns:r="http://schemas.openxmlformats.org/officeDocument/2006/relationships" xmlns:mc="http://schemas.openxmlformats.org/markup-compatibility/2006" xmlns:mv="urn:schemas-microsoft-com:mac:vml" xmlns:p="http://schemas.openxmlformats.org/presentationml/2006/main" xmlns:c="http://schemas.openxmlformats.org/drawingml/2006/chart" xmlns:dgm="http://schemas.openxmlformats.org/drawingml/2006/diagram" xmlns:o="urn:schemas-microsoft-com:office:office" xmlns:v="urn:schemas-microsoft-com:vml" xmlns:pvml="urn:schemas-microsoft-com:office:powerpoint" xmlns:com="http://schemas.openxmlformats.org/drawingml/2006/compatibility" xmlns:p14="http://schemas.microsoft.com/office/powerpoint/2010/main" xmlns:p15="http://schemas.microsoft.com/office/powerpoint/2012/main" xmlns:ahyp="http://schemas.microsoft.com/office/drawing/2018/hyperlinkcolor" showMasterPhAnim="0" showMasterSp="0">
+<p:notes xmlns:a="http://schemas.openxmlformats.org/drawingml/2006/main" xmlns:r="http://schemas.openxmlformats.org/officeDocument/2006/relationships" xmlns:p="http://schemas.openxmlformats.org/presentationml/2006/main" showMasterSp="0" showMasterPhAnim="0">
   <p:cSld>
     <p:spTree>
       <p:nvGrpSpPr>
-        <p:cNvPr id="56" name="Shape 56"/>
+        <p:cNvPr id="1" name="Shape 56"/>
         <p:cNvGrpSpPr/>
         <p:nvPr/>
       </p:nvGrpSpPr>
@@ -810,20 +1071,26 @@
       <p:sp>
         <p:nvSpPr>
           <p:cNvPr id="57" name="Google Shape;57;g1454dc450e6_0_45:notes"/>
-          <p:cNvSpPr/>
+          <p:cNvSpPr>
+            <a:spLocks noGrp="1" noRot="1" noChangeAspect="1"/>
+          </p:cNvSpPr>
           <p:nvPr>
-            <p:ph idx="2" type="sldImg"/>
+            <p:ph type="sldImg" idx="2"/>
           </p:nvPr>
         </p:nvSpPr>
         <p:spPr>
           <a:xfrm>
-            <a:off x="381300" y="685800"/>
+            <a:off x="381000" y="685800"/>
             <a:ext cx="6096000" cy="3429000"/>
           </a:xfrm>
           <a:custGeom>
-            <a:rect b="b" l="l" r="r" t="t"/>
+            <a:avLst/>
+            <a:gdLst/>
+            <a:ahLst/>
+            <a:cxnLst/>
+            <a:rect l="l" t="t" r="r" b="b"/>
             <a:pathLst>
-              <a:path extrusionOk="0" h="120000" w="120000">
+              <a:path w="120000" h="120000" extrusionOk="0">
                 <a:moveTo>
                   <a:pt x="0" y="0"/>
                 </a:moveTo>
@@ -845,9 +1112,11 @@
       <p:sp>
         <p:nvSpPr>
           <p:cNvPr id="58" name="Google Shape;58;g1454dc450e6_0_45:notes"/>
-          <p:cNvSpPr txBox="1"/>
+          <p:cNvSpPr txBox="1">
+            <a:spLocks noGrp="1"/>
+          </p:cNvSpPr>
           <p:nvPr>
-            <p:ph idx="1" type="body"/>
+            <p:ph type="body" idx="1"/>
           </p:nvPr>
         </p:nvSpPr>
         <p:spPr>
@@ -860,12 +1129,12 @@
           </a:prstGeom>
         </p:spPr>
         <p:txBody>
-          <a:bodyPr anchorCtr="0" anchor="t" bIns="91425" lIns="91425" spcFirstLastPara="1" rIns="91425" wrap="square" tIns="91425">
+          <a:bodyPr spcFirstLastPara="1" wrap="square" lIns="91425" tIns="91425" rIns="91425" bIns="91425" anchor="t" anchorCtr="0">
             <a:noAutofit/>
           </a:bodyPr>
           <a:lstStyle/>
           <a:p>
-            <a:pPr indent="0" lvl="0" marL="0" rtl="0" algn="l">
+            <a:pPr marL="0" lvl="0" indent="0" algn="l" rtl="0">
               <a:spcBef>
                 <a:spcPts val="0"/>
               </a:spcBef>
@@ -874,9 +1143,6 @@
               </a:spcAft>
               <a:buNone/>
             </a:pPr>
-            <a:r>
-              <a:t/>
-            </a:r>
             <a:endParaRPr/>
           </a:p>
         </p:txBody>
@@ -890,11 +1156,11 @@
 </file>
 
 <file path=ppt/notesSlides/notesSlide3.xml><?xml version="1.0" encoding="utf-8"?>
-<p:notes xmlns:a="http://schemas.openxmlformats.org/drawingml/2006/main" xmlns:r="http://schemas.openxmlformats.org/officeDocument/2006/relationships" xmlns:mc="http://schemas.openxmlformats.org/markup-compatibility/2006" xmlns:mv="urn:schemas-microsoft-com:mac:vml" xmlns:p="http://schemas.openxmlformats.org/presentationml/2006/main" xmlns:c="http://schemas.openxmlformats.org/drawingml/2006/chart" xmlns:dgm="http://schemas.openxmlformats.org/drawingml/2006/diagram" xmlns:o="urn:schemas-microsoft-com:office:office" xmlns:v="urn:schemas-microsoft-com:vml" xmlns:pvml="urn:schemas-microsoft-com:office:powerpoint" xmlns:com="http://schemas.openxmlformats.org/drawingml/2006/compatibility" xmlns:p14="http://schemas.microsoft.com/office/powerpoint/2010/main" xmlns:p15="http://schemas.microsoft.com/office/powerpoint/2012/main" xmlns:ahyp="http://schemas.microsoft.com/office/drawing/2018/hyperlinkcolor" showMasterPhAnim="0" showMasterSp="0">
+<p:notes xmlns:a="http://schemas.openxmlformats.org/drawingml/2006/main" xmlns:r="http://schemas.openxmlformats.org/officeDocument/2006/relationships" xmlns:p="http://schemas.openxmlformats.org/presentationml/2006/main" showMasterSp="0" showMasterPhAnim="0">
   <p:cSld>
     <p:spTree>
       <p:nvGrpSpPr>
-        <p:cNvPr id="62" name="Shape 62"/>
+        <p:cNvPr id="1" name="Shape 62"/>
         <p:cNvGrpSpPr/>
         <p:nvPr/>
       </p:nvGrpSpPr>
@@ -908,10 +1174,12 @@
       </p:grpSpPr>
       <p:sp>
         <p:nvSpPr>
-          <p:cNvPr id="63" name="Google Shape;63;g1454dc450e6_0_56:notes"/>
-          <p:cNvSpPr/>
+          <p:cNvPr id="63" name="Google Shape;63;g147eaed25e1_0_10:notes"/>
+          <p:cNvSpPr>
+            <a:spLocks noGrp="1" noRot="1" noChangeAspect="1"/>
+          </p:cNvSpPr>
           <p:nvPr>
-            <p:ph idx="2" type="sldImg"/>
+            <p:ph type="sldImg" idx="2"/>
           </p:nvPr>
         </p:nvSpPr>
         <p:spPr>
@@ -920,9 +1188,13 @@
             <a:ext cx="6096000" cy="3429000"/>
           </a:xfrm>
           <a:custGeom>
-            <a:rect b="b" l="l" r="r" t="t"/>
+            <a:avLst/>
+            <a:gdLst/>
+            <a:ahLst/>
+            <a:cxnLst/>
+            <a:rect l="l" t="t" r="r" b="b"/>
             <a:pathLst>
-              <a:path extrusionOk="0" h="120000" w="120000">
+              <a:path w="120000" h="120000" extrusionOk="0">
                 <a:moveTo>
                   <a:pt x="0" y="0"/>
                 </a:moveTo>
@@ -943,10 +1215,12 @@
       </p:sp>
       <p:sp>
         <p:nvSpPr>
-          <p:cNvPr id="64" name="Google Shape;64;g1454dc450e6_0_56:notes"/>
-          <p:cNvSpPr txBox="1"/>
+          <p:cNvPr id="64" name="Google Shape;64;g147eaed25e1_0_10:notes"/>
+          <p:cNvSpPr txBox="1">
+            <a:spLocks noGrp="1"/>
+          </p:cNvSpPr>
           <p:nvPr>
-            <p:ph idx="1" type="body"/>
+            <p:ph type="body" idx="1"/>
           </p:nvPr>
         </p:nvSpPr>
         <p:spPr>
@@ -959,12 +1233,12 @@
           </a:prstGeom>
         </p:spPr>
         <p:txBody>
-          <a:bodyPr anchorCtr="0" anchor="t" bIns="91425" lIns="91425" spcFirstLastPara="1" rIns="91425" wrap="square" tIns="91425">
+          <a:bodyPr spcFirstLastPara="1" wrap="square" lIns="91425" tIns="91425" rIns="91425" bIns="91425" anchor="t" anchorCtr="0">
             <a:noAutofit/>
           </a:bodyPr>
           <a:lstStyle/>
           <a:p>
-            <a:pPr indent="0" lvl="0" marL="0" rtl="0" algn="l">
+            <a:pPr marL="0" lvl="0" indent="0" algn="l" rtl="0">
               <a:spcBef>
                 <a:spcPts val="0"/>
               </a:spcBef>
@@ -973,9 +1247,6 @@
               </a:spcAft>
               <a:buNone/>
             </a:pPr>
-            <a:r>
-              <a:t/>
-            </a:r>
             <a:endParaRPr/>
           </a:p>
         </p:txBody>
@@ -989,11 +1260,11 @@
 </file>
 
 <file path=ppt/notesSlides/notesSlide4.xml><?xml version="1.0" encoding="utf-8"?>
-<p:notes xmlns:a="http://schemas.openxmlformats.org/drawingml/2006/main" xmlns:r="http://schemas.openxmlformats.org/officeDocument/2006/relationships" xmlns:mc="http://schemas.openxmlformats.org/markup-compatibility/2006" xmlns:mv="urn:schemas-microsoft-com:mac:vml" xmlns:p="http://schemas.openxmlformats.org/presentationml/2006/main" xmlns:c="http://schemas.openxmlformats.org/drawingml/2006/chart" xmlns:dgm="http://schemas.openxmlformats.org/drawingml/2006/diagram" xmlns:o="urn:schemas-microsoft-com:office:office" xmlns:v="urn:schemas-microsoft-com:vml" xmlns:pvml="urn:schemas-microsoft-com:office:powerpoint" xmlns:com="http://schemas.openxmlformats.org/drawingml/2006/compatibility" xmlns:p14="http://schemas.microsoft.com/office/powerpoint/2010/main" xmlns:p15="http://schemas.microsoft.com/office/powerpoint/2012/main" xmlns:ahyp="http://schemas.microsoft.com/office/drawing/2018/hyperlinkcolor" showMasterPhAnim="0" showMasterSp="0">
+<p:notes xmlns:a="http://schemas.openxmlformats.org/drawingml/2006/main" xmlns:r="http://schemas.openxmlformats.org/officeDocument/2006/relationships" xmlns:p="http://schemas.openxmlformats.org/presentationml/2006/main" showMasterSp="0" showMasterPhAnim="0">
   <p:cSld>
     <p:spTree>
       <p:nvGrpSpPr>
-        <p:cNvPr id="68" name="Shape 68"/>
+        <p:cNvPr id="1" name="Shape 68"/>
         <p:cNvGrpSpPr/>
         <p:nvPr/>
       </p:nvGrpSpPr>
@@ -1007,10 +1278,12 @@
       </p:grpSpPr>
       <p:sp>
         <p:nvSpPr>
-          <p:cNvPr id="69" name="Google Shape;69;g14458b327cb_0_0:notes"/>
-          <p:cNvSpPr/>
+          <p:cNvPr id="69" name="Google Shape;69;g147eaed25e1_0_18:notes"/>
+          <p:cNvSpPr>
+            <a:spLocks noGrp="1" noRot="1" noChangeAspect="1"/>
+          </p:cNvSpPr>
           <p:nvPr>
-            <p:ph idx="2" type="sldImg"/>
+            <p:ph type="sldImg" idx="2"/>
           </p:nvPr>
         </p:nvSpPr>
         <p:spPr>
@@ -1019,9 +1292,13 @@
             <a:ext cx="6096000" cy="3429000"/>
           </a:xfrm>
           <a:custGeom>
-            <a:rect b="b" l="l" r="r" t="t"/>
+            <a:avLst/>
+            <a:gdLst/>
+            <a:ahLst/>
+            <a:cxnLst/>
+            <a:rect l="l" t="t" r="r" b="b"/>
             <a:pathLst>
-              <a:path extrusionOk="0" h="120000" w="120000">
+              <a:path w="120000" h="120000" extrusionOk="0">
                 <a:moveTo>
                   <a:pt x="0" y="0"/>
                 </a:moveTo>
@@ -1042,10 +1319,12 @@
       </p:sp>
       <p:sp>
         <p:nvSpPr>
-          <p:cNvPr id="70" name="Google Shape;70;g14458b327cb_0_0:notes"/>
-          <p:cNvSpPr txBox="1"/>
+          <p:cNvPr id="70" name="Google Shape;70;g147eaed25e1_0_18:notes"/>
+          <p:cNvSpPr txBox="1">
+            <a:spLocks noGrp="1"/>
+          </p:cNvSpPr>
           <p:nvPr>
-            <p:ph idx="1" type="body"/>
+            <p:ph type="body" idx="1"/>
           </p:nvPr>
         </p:nvSpPr>
         <p:spPr>
@@ -1058,12 +1337,12 @@
           </a:prstGeom>
         </p:spPr>
         <p:txBody>
-          <a:bodyPr anchorCtr="0" anchor="t" bIns="91425" lIns="91425" spcFirstLastPara="1" rIns="91425" wrap="square" tIns="91425">
+          <a:bodyPr spcFirstLastPara="1" wrap="square" lIns="91425" tIns="91425" rIns="91425" bIns="91425" anchor="t" anchorCtr="0">
             <a:noAutofit/>
           </a:bodyPr>
           <a:lstStyle/>
           <a:p>
-            <a:pPr indent="0" lvl="0" marL="0" rtl="0" algn="l">
+            <a:pPr marL="0" lvl="0" indent="0" algn="l" rtl="0">
               <a:spcBef>
                 <a:spcPts val="0"/>
               </a:spcBef>
@@ -1072,9 +1351,6 @@
               </a:spcAft>
               <a:buNone/>
             </a:pPr>
-            <a:r>
-              <a:t/>
-            </a:r>
             <a:endParaRPr/>
           </a:p>
         </p:txBody>
@@ -1088,11 +1364,11 @@
 </file>
 
 <file path=ppt/notesSlides/notesSlide5.xml><?xml version="1.0" encoding="utf-8"?>
-<p:notes xmlns:a="http://schemas.openxmlformats.org/drawingml/2006/main" xmlns:r="http://schemas.openxmlformats.org/officeDocument/2006/relationships" xmlns:mc="http://schemas.openxmlformats.org/markup-compatibility/2006" xmlns:mv="urn:schemas-microsoft-com:mac:vml" xmlns:p="http://schemas.openxmlformats.org/presentationml/2006/main" xmlns:c="http://schemas.openxmlformats.org/drawingml/2006/chart" xmlns:dgm="http://schemas.openxmlformats.org/drawingml/2006/diagram" xmlns:o="urn:schemas-microsoft-com:office:office" xmlns:v="urn:schemas-microsoft-com:vml" xmlns:pvml="urn:schemas-microsoft-com:office:powerpoint" xmlns:com="http://schemas.openxmlformats.org/drawingml/2006/compatibility" xmlns:p14="http://schemas.microsoft.com/office/powerpoint/2010/main" xmlns:p15="http://schemas.microsoft.com/office/powerpoint/2012/main" xmlns:ahyp="http://schemas.microsoft.com/office/drawing/2018/hyperlinkcolor" showMasterPhAnim="0" showMasterSp="0">
+<p:notes xmlns:a="http://schemas.openxmlformats.org/drawingml/2006/main" xmlns:r="http://schemas.openxmlformats.org/officeDocument/2006/relationships" xmlns:p="http://schemas.openxmlformats.org/presentationml/2006/main" showMasterSp="0" showMasterPhAnim="0">
   <p:cSld>
     <p:spTree>
       <p:nvGrpSpPr>
-        <p:cNvPr id="74" name="Shape 74"/>
+        <p:cNvPr id="1" name="Shape 74"/>
         <p:cNvGrpSpPr/>
         <p:nvPr/>
       </p:nvGrpSpPr>
@@ -1106,21 +1382,27 @@
       </p:grpSpPr>
       <p:sp>
         <p:nvSpPr>
-          <p:cNvPr id="75" name="Google Shape;75;g147eaed25e1_0_0:notes"/>
-          <p:cNvSpPr/>
+          <p:cNvPr id="75" name="Google Shape;75;g1454dc450e6_0_56:notes"/>
+          <p:cNvSpPr>
+            <a:spLocks noGrp="1" noRot="1" noChangeAspect="1"/>
+          </p:cNvSpPr>
           <p:nvPr>
-            <p:ph idx="2" type="sldImg"/>
+            <p:ph type="sldImg" idx="2"/>
           </p:nvPr>
         </p:nvSpPr>
         <p:spPr>
           <a:xfrm>
-            <a:off x="381300" y="685800"/>
+            <a:off x="381000" y="685800"/>
             <a:ext cx="6096000" cy="3429000"/>
           </a:xfrm>
           <a:custGeom>
-            <a:rect b="b" l="l" r="r" t="t"/>
+            <a:avLst/>
+            <a:gdLst/>
+            <a:ahLst/>
+            <a:cxnLst/>
+            <a:rect l="l" t="t" r="r" b="b"/>
             <a:pathLst>
-              <a:path extrusionOk="0" h="120000" w="120000">
+              <a:path w="120000" h="120000" extrusionOk="0">
                 <a:moveTo>
                   <a:pt x="0" y="0"/>
                 </a:moveTo>
@@ -1141,10 +1423,12 @@
       </p:sp>
       <p:sp>
         <p:nvSpPr>
-          <p:cNvPr id="76" name="Google Shape;76;g147eaed25e1_0_0:notes"/>
-          <p:cNvSpPr txBox="1"/>
+          <p:cNvPr id="76" name="Google Shape;76;g1454dc450e6_0_56:notes"/>
+          <p:cNvSpPr txBox="1">
+            <a:spLocks noGrp="1"/>
+          </p:cNvSpPr>
           <p:nvPr>
-            <p:ph idx="1" type="body"/>
+            <p:ph type="body" idx="1"/>
           </p:nvPr>
         </p:nvSpPr>
         <p:spPr>
@@ -1157,12 +1441,12 @@
           </a:prstGeom>
         </p:spPr>
         <p:txBody>
-          <a:bodyPr anchorCtr="0" anchor="t" bIns="91425" lIns="91425" spcFirstLastPara="1" rIns="91425" wrap="square" tIns="91425">
+          <a:bodyPr spcFirstLastPara="1" wrap="square" lIns="91425" tIns="91425" rIns="91425" bIns="91425" anchor="t" anchorCtr="0">
             <a:noAutofit/>
           </a:bodyPr>
           <a:lstStyle/>
           <a:p>
-            <a:pPr indent="0" lvl="0" marL="0" rtl="0" algn="l">
+            <a:pPr marL="0" lvl="0" indent="0" algn="l" rtl="0">
               <a:spcBef>
                 <a:spcPts val="0"/>
               </a:spcBef>
@@ -1171,9 +1455,6 @@
               </a:spcAft>
               <a:buNone/>
             </a:pPr>
-            <a:r>
-              <a:t/>
-            </a:r>
             <a:endParaRPr/>
           </a:p>
         </p:txBody>
@@ -1187,11 +1468,11 @@
 </file>
 
 <file path=ppt/notesSlides/notesSlide6.xml><?xml version="1.0" encoding="utf-8"?>
-<p:notes xmlns:a="http://schemas.openxmlformats.org/drawingml/2006/main" xmlns:r="http://schemas.openxmlformats.org/officeDocument/2006/relationships" xmlns:mc="http://schemas.openxmlformats.org/markup-compatibility/2006" xmlns:mv="urn:schemas-microsoft-com:mac:vml" xmlns:p="http://schemas.openxmlformats.org/presentationml/2006/main" xmlns:c="http://schemas.openxmlformats.org/drawingml/2006/chart" xmlns:dgm="http://schemas.openxmlformats.org/drawingml/2006/diagram" xmlns:o="urn:schemas-microsoft-com:office:office" xmlns:v="urn:schemas-microsoft-com:vml" xmlns:pvml="urn:schemas-microsoft-com:office:powerpoint" xmlns:com="http://schemas.openxmlformats.org/drawingml/2006/compatibility" xmlns:p14="http://schemas.microsoft.com/office/powerpoint/2010/main" xmlns:p15="http://schemas.microsoft.com/office/powerpoint/2012/main" xmlns:ahyp="http://schemas.microsoft.com/office/drawing/2018/hyperlinkcolor" showMasterPhAnim="0" showMasterSp="0">
+<p:notes xmlns:a="http://schemas.openxmlformats.org/drawingml/2006/main" xmlns:r="http://schemas.openxmlformats.org/officeDocument/2006/relationships" xmlns:p="http://schemas.openxmlformats.org/presentationml/2006/main" showMasterSp="0" showMasterPhAnim="0">
   <p:cSld>
     <p:spTree>
       <p:nvGrpSpPr>
-        <p:cNvPr id="80" name="Shape 80"/>
+        <p:cNvPr id="1" name="Shape 80"/>
         <p:cNvGrpSpPr/>
         <p:nvPr/>
       </p:nvGrpSpPr>
@@ -1205,10 +1486,12 @@
       </p:grpSpPr>
       <p:sp>
         <p:nvSpPr>
-          <p:cNvPr id="81" name="Google Shape;81;g147eaed25e1_0_5:notes"/>
-          <p:cNvSpPr/>
+          <p:cNvPr id="81" name="Google Shape;81;g14458b327cb_0_0:notes"/>
+          <p:cNvSpPr>
+            <a:spLocks noGrp="1" noRot="1" noChangeAspect="1"/>
+          </p:cNvSpPr>
           <p:nvPr>
-            <p:ph idx="2" type="sldImg"/>
+            <p:ph type="sldImg" idx="2"/>
           </p:nvPr>
         </p:nvSpPr>
         <p:spPr>
@@ -1217,9 +1500,13 @@
             <a:ext cx="6096000" cy="3429000"/>
           </a:xfrm>
           <a:custGeom>
-            <a:rect b="b" l="l" r="r" t="t"/>
+            <a:avLst/>
+            <a:gdLst/>
+            <a:ahLst/>
+            <a:cxnLst/>
+            <a:rect l="l" t="t" r="r" b="b"/>
             <a:pathLst>
-              <a:path extrusionOk="0" h="120000" w="120000">
+              <a:path w="120000" h="120000" extrusionOk="0">
                 <a:moveTo>
                   <a:pt x="0" y="0"/>
                 </a:moveTo>
@@ -1240,10 +1527,12 @@
       </p:sp>
       <p:sp>
         <p:nvSpPr>
-          <p:cNvPr id="82" name="Google Shape;82;g147eaed25e1_0_5:notes"/>
-          <p:cNvSpPr txBox="1"/>
+          <p:cNvPr id="82" name="Google Shape;82;g14458b327cb_0_0:notes"/>
+          <p:cNvSpPr txBox="1">
+            <a:spLocks noGrp="1"/>
+          </p:cNvSpPr>
           <p:nvPr>
-            <p:ph idx="1" type="body"/>
+            <p:ph type="body" idx="1"/>
           </p:nvPr>
         </p:nvSpPr>
         <p:spPr>
@@ -1256,12 +1545,12 @@
           </a:prstGeom>
         </p:spPr>
         <p:txBody>
-          <a:bodyPr anchorCtr="0" anchor="t" bIns="91425" lIns="91425" spcFirstLastPara="1" rIns="91425" wrap="square" tIns="91425">
+          <a:bodyPr spcFirstLastPara="1" wrap="square" lIns="91425" tIns="91425" rIns="91425" bIns="91425" anchor="t" anchorCtr="0">
             <a:noAutofit/>
           </a:bodyPr>
           <a:lstStyle/>
           <a:p>
-            <a:pPr indent="0" lvl="0" marL="0" rtl="0" algn="l">
+            <a:pPr marL="0" lvl="0" indent="0" algn="l" rtl="0">
               <a:spcBef>
                 <a:spcPts val="0"/>
               </a:spcBef>
@@ -1270,9 +1559,318 @@
               </a:spcAft>
               <a:buNone/>
             </a:pPr>
-            <a:r>
-              <a:t/>
-            </a:r>
+            <a:endParaRPr/>
+          </a:p>
+        </p:txBody>
+      </p:sp>
+    </p:spTree>
+  </p:cSld>
+  <p:clrMapOvr>
+    <a:masterClrMapping/>
+  </p:clrMapOvr>
+</p:notes>
+</file>
+
+<file path=ppt/notesSlides/notesSlide7.xml><?xml version="1.0" encoding="utf-8"?>
+<p:notes xmlns:a="http://schemas.openxmlformats.org/drawingml/2006/main" xmlns:r="http://schemas.openxmlformats.org/officeDocument/2006/relationships" xmlns:p="http://schemas.openxmlformats.org/presentationml/2006/main" showMasterSp="0" showMasterPhAnim="0">
+  <p:cSld>
+    <p:spTree>
+      <p:nvGrpSpPr>
+        <p:cNvPr id="1" name="Shape 86"/>
+        <p:cNvGrpSpPr/>
+        <p:nvPr/>
+      </p:nvGrpSpPr>
+      <p:grpSpPr>
+        <a:xfrm>
+          <a:off x="0" y="0"/>
+          <a:ext cx="0" cy="0"/>
+          <a:chOff x="0" y="0"/>
+          <a:chExt cx="0" cy="0"/>
+        </a:xfrm>
+      </p:grpSpPr>
+      <p:sp>
+        <p:nvSpPr>
+          <p:cNvPr id="87" name="Google Shape;87;g147eaed25e1_0_0:notes"/>
+          <p:cNvSpPr>
+            <a:spLocks noGrp="1" noRot="1" noChangeAspect="1"/>
+          </p:cNvSpPr>
+          <p:nvPr>
+            <p:ph type="sldImg" idx="2"/>
+          </p:nvPr>
+        </p:nvSpPr>
+        <p:spPr>
+          <a:xfrm>
+            <a:off x="381000" y="685800"/>
+            <a:ext cx="6096000" cy="3429000"/>
+          </a:xfrm>
+          <a:custGeom>
+            <a:avLst/>
+            <a:gdLst/>
+            <a:ahLst/>
+            <a:cxnLst/>
+            <a:rect l="l" t="t" r="r" b="b"/>
+            <a:pathLst>
+              <a:path w="120000" h="120000" extrusionOk="0">
+                <a:moveTo>
+                  <a:pt x="0" y="0"/>
+                </a:moveTo>
+                <a:lnTo>
+                  <a:pt x="120000" y="0"/>
+                </a:lnTo>
+                <a:lnTo>
+                  <a:pt x="120000" y="120000"/>
+                </a:lnTo>
+                <a:lnTo>
+                  <a:pt x="0" y="120000"/>
+                </a:lnTo>
+                <a:close/>
+              </a:path>
+            </a:pathLst>
+          </a:custGeom>
+        </p:spPr>
+      </p:sp>
+      <p:sp>
+        <p:nvSpPr>
+          <p:cNvPr id="88" name="Google Shape;88;g147eaed25e1_0_0:notes"/>
+          <p:cNvSpPr txBox="1">
+            <a:spLocks noGrp="1"/>
+          </p:cNvSpPr>
+          <p:nvPr>
+            <p:ph type="body" idx="1"/>
+          </p:nvPr>
+        </p:nvSpPr>
+        <p:spPr>
+          <a:xfrm>
+            <a:off x="685800" y="4343400"/>
+            <a:ext cx="5486400" cy="4114800"/>
+          </a:xfrm>
+          <a:prstGeom prst="rect">
+            <a:avLst/>
+          </a:prstGeom>
+        </p:spPr>
+        <p:txBody>
+          <a:bodyPr spcFirstLastPara="1" wrap="square" lIns="91425" tIns="91425" rIns="91425" bIns="91425" anchor="t" anchorCtr="0">
+            <a:noAutofit/>
+          </a:bodyPr>
+          <a:lstStyle/>
+          <a:p>
+            <a:pPr marL="0" lvl="0" indent="0" algn="l" rtl="0">
+              <a:spcBef>
+                <a:spcPts val="0"/>
+              </a:spcBef>
+              <a:spcAft>
+                <a:spcPts val="0"/>
+              </a:spcAft>
+              <a:buNone/>
+            </a:pPr>
+            <a:endParaRPr/>
+          </a:p>
+        </p:txBody>
+      </p:sp>
+    </p:spTree>
+  </p:cSld>
+  <p:clrMapOvr>
+    <a:masterClrMapping/>
+  </p:clrMapOvr>
+</p:notes>
+</file>
+
+<file path=ppt/notesSlides/notesSlide8.xml><?xml version="1.0" encoding="utf-8"?>
+<p:notes xmlns:a="http://schemas.openxmlformats.org/drawingml/2006/main" xmlns:r="http://schemas.openxmlformats.org/officeDocument/2006/relationships" xmlns:p="http://schemas.openxmlformats.org/presentationml/2006/main" showMasterSp="0" showMasterPhAnim="0">
+  <p:cSld>
+    <p:spTree>
+      <p:nvGrpSpPr>
+        <p:cNvPr id="1" name="Shape 92"/>
+        <p:cNvGrpSpPr/>
+        <p:nvPr/>
+      </p:nvGrpSpPr>
+      <p:grpSpPr>
+        <a:xfrm>
+          <a:off x="0" y="0"/>
+          <a:ext cx="0" cy="0"/>
+          <a:chOff x="0" y="0"/>
+          <a:chExt cx="0" cy="0"/>
+        </a:xfrm>
+      </p:grpSpPr>
+      <p:sp>
+        <p:nvSpPr>
+          <p:cNvPr id="93" name="Google Shape;93;g147eaed25e1_0_25:notes"/>
+          <p:cNvSpPr>
+            <a:spLocks noGrp="1" noRot="1" noChangeAspect="1"/>
+          </p:cNvSpPr>
+          <p:nvPr>
+            <p:ph type="sldImg" idx="2"/>
+          </p:nvPr>
+        </p:nvSpPr>
+        <p:spPr>
+          <a:xfrm>
+            <a:off x="381300" y="685800"/>
+            <a:ext cx="6096000" cy="3429000"/>
+          </a:xfrm>
+          <a:custGeom>
+            <a:avLst/>
+            <a:gdLst/>
+            <a:ahLst/>
+            <a:cxnLst/>
+            <a:rect l="l" t="t" r="r" b="b"/>
+            <a:pathLst>
+              <a:path w="120000" h="120000" extrusionOk="0">
+                <a:moveTo>
+                  <a:pt x="0" y="0"/>
+                </a:moveTo>
+                <a:lnTo>
+                  <a:pt x="120000" y="0"/>
+                </a:lnTo>
+                <a:lnTo>
+                  <a:pt x="120000" y="120000"/>
+                </a:lnTo>
+                <a:lnTo>
+                  <a:pt x="0" y="120000"/>
+                </a:lnTo>
+                <a:close/>
+              </a:path>
+            </a:pathLst>
+          </a:custGeom>
+        </p:spPr>
+      </p:sp>
+      <p:sp>
+        <p:nvSpPr>
+          <p:cNvPr id="94" name="Google Shape;94;g147eaed25e1_0_25:notes"/>
+          <p:cNvSpPr txBox="1">
+            <a:spLocks noGrp="1"/>
+          </p:cNvSpPr>
+          <p:nvPr>
+            <p:ph type="body" idx="1"/>
+          </p:nvPr>
+        </p:nvSpPr>
+        <p:spPr>
+          <a:xfrm>
+            <a:off x="685800" y="4343400"/>
+            <a:ext cx="5486400" cy="4114800"/>
+          </a:xfrm>
+          <a:prstGeom prst="rect">
+            <a:avLst/>
+          </a:prstGeom>
+        </p:spPr>
+        <p:txBody>
+          <a:bodyPr spcFirstLastPara="1" wrap="square" lIns="91425" tIns="91425" rIns="91425" bIns="91425" anchor="t" anchorCtr="0">
+            <a:noAutofit/>
+          </a:bodyPr>
+          <a:lstStyle/>
+          <a:p>
+            <a:pPr marL="0" lvl="0" indent="0" algn="l" rtl="0">
+              <a:spcBef>
+                <a:spcPts val="0"/>
+              </a:spcBef>
+              <a:spcAft>
+                <a:spcPts val="0"/>
+              </a:spcAft>
+              <a:buNone/>
+            </a:pPr>
+            <a:endParaRPr/>
+          </a:p>
+        </p:txBody>
+      </p:sp>
+    </p:spTree>
+  </p:cSld>
+  <p:clrMapOvr>
+    <a:masterClrMapping/>
+  </p:clrMapOvr>
+</p:notes>
+</file>
+
+<file path=ppt/notesSlides/notesSlide9.xml><?xml version="1.0" encoding="utf-8"?>
+<p:notes xmlns:a="http://schemas.openxmlformats.org/drawingml/2006/main" xmlns:r="http://schemas.openxmlformats.org/officeDocument/2006/relationships" xmlns:p="http://schemas.openxmlformats.org/presentationml/2006/main" showMasterSp="0" showMasterPhAnim="0">
+  <p:cSld>
+    <p:spTree>
+      <p:nvGrpSpPr>
+        <p:cNvPr id="1" name="Shape 98"/>
+        <p:cNvGrpSpPr/>
+        <p:nvPr/>
+      </p:nvGrpSpPr>
+      <p:grpSpPr>
+        <a:xfrm>
+          <a:off x="0" y="0"/>
+          <a:ext cx="0" cy="0"/>
+          <a:chOff x="0" y="0"/>
+          <a:chExt cx="0" cy="0"/>
+        </a:xfrm>
+      </p:grpSpPr>
+      <p:sp>
+        <p:nvSpPr>
+          <p:cNvPr id="99" name="Google Shape;99;g147eaed25e1_0_5:notes"/>
+          <p:cNvSpPr>
+            <a:spLocks noGrp="1" noRot="1" noChangeAspect="1"/>
+          </p:cNvSpPr>
+          <p:nvPr>
+            <p:ph type="sldImg" idx="2"/>
+          </p:nvPr>
+        </p:nvSpPr>
+        <p:spPr>
+          <a:xfrm>
+            <a:off x="381000" y="685800"/>
+            <a:ext cx="6096000" cy="3429000"/>
+          </a:xfrm>
+          <a:custGeom>
+            <a:avLst/>
+            <a:gdLst/>
+            <a:ahLst/>
+            <a:cxnLst/>
+            <a:rect l="l" t="t" r="r" b="b"/>
+            <a:pathLst>
+              <a:path w="120000" h="120000" extrusionOk="0">
+                <a:moveTo>
+                  <a:pt x="0" y="0"/>
+                </a:moveTo>
+                <a:lnTo>
+                  <a:pt x="120000" y="0"/>
+                </a:lnTo>
+                <a:lnTo>
+                  <a:pt x="120000" y="120000"/>
+                </a:lnTo>
+                <a:lnTo>
+                  <a:pt x="0" y="120000"/>
+                </a:lnTo>
+                <a:close/>
+              </a:path>
+            </a:pathLst>
+          </a:custGeom>
+        </p:spPr>
+      </p:sp>
+      <p:sp>
+        <p:nvSpPr>
+          <p:cNvPr id="100" name="Google Shape;100;g147eaed25e1_0_5:notes"/>
+          <p:cNvSpPr txBox="1">
+            <a:spLocks noGrp="1"/>
+          </p:cNvSpPr>
+          <p:nvPr>
+            <p:ph type="body" idx="1"/>
+          </p:nvPr>
+        </p:nvSpPr>
+        <p:spPr>
+          <a:xfrm>
+            <a:off x="685800" y="4343400"/>
+            <a:ext cx="5486400" cy="4114800"/>
+          </a:xfrm>
+          <a:prstGeom prst="rect">
+            <a:avLst/>
+          </a:prstGeom>
+        </p:spPr>
+        <p:txBody>
+          <a:bodyPr spcFirstLastPara="1" wrap="square" lIns="91425" tIns="91425" rIns="91425" bIns="91425" anchor="t" anchorCtr="0">
+            <a:noAutofit/>
+          </a:bodyPr>
+          <a:lstStyle/>
+          <a:p>
+            <a:pPr marL="0" lvl="0" indent="0" algn="l" rtl="0">
+              <a:spcBef>
+                <a:spcPts val="0"/>
+              </a:spcBef>
+              <a:spcAft>
+                <a:spcPts val="0"/>
+              </a:spcAft>
+              <a:buNone/>
+            </a:pPr>
             <a:endParaRPr/>
           </a:p>
         </p:txBody>
@@ -1286,11 +1884,11 @@
 </file>
 
 <file path=ppt/slideLayouts/slideLayout1.xml><?xml version="1.0" encoding="utf-8"?>
-<p:sldLayout xmlns:a="http://schemas.openxmlformats.org/drawingml/2006/main" xmlns:r="http://schemas.openxmlformats.org/officeDocument/2006/relationships" xmlns:mc="http://schemas.openxmlformats.org/markup-compatibility/2006" xmlns:mv="urn:schemas-microsoft-com:mac:vml" xmlns:p="http://schemas.openxmlformats.org/presentationml/2006/main" xmlns:c="http://schemas.openxmlformats.org/drawingml/2006/chart" xmlns:dgm="http://schemas.openxmlformats.org/drawingml/2006/diagram" xmlns:o="urn:schemas-microsoft-com:office:office" xmlns:v="urn:schemas-microsoft-com:vml" xmlns:pvml="urn:schemas-microsoft-com:office:powerpoint" xmlns:com="http://schemas.openxmlformats.org/drawingml/2006/compatibility" xmlns:p14="http://schemas.microsoft.com/office/powerpoint/2010/main" xmlns:p15="http://schemas.microsoft.com/office/powerpoint/2012/main" xmlns:ahyp="http://schemas.microsoft.com/office/drawing/2018/hyperlinkcolor" matchingName="Title slide" type="title">
+<p:sldLayout xmlns:a="http://schemas.openxmlformats.org/drawingml/2006/main" xmlns:r="http://schemas.openxmlformats.org/officeDocument/2006/relationships" xmlns:p="http://schemas.openxmlformats.org/presentationml/2006/main" matchingName="Title slide" type="title">
   <p:cSld name="TITLE">
     <p:spTree>
       <p:nvGrpSpPr>
-        <p:cNvPr id="9" name="Shape 9"/>
+        <p:cNvPr id="1" name="Shape 9"/>
         <p:cNvGrpSpPr/>
         <p:nvPr/>
       </p:nvGrpSpPr>
@@ -1305,7 +1903,9 @@
       <p:sp>
         <p:nvSpPr>
           <p:cNvPr id="10" name="Google Shape;10;p2"/>
-          <p:cNvSpPr txBox="1"/>
+          <p:cNvSpPr txBox="1">
+            <a:spLocks noGrp="1"/>
+          </p:cNvSpPr>
           <p:nvPr>
             <p:ph type="ctrTitle"/>
           </p:nvPr>
@@ -1320,7 +1920,7 @@
           </a:prstGeom>
         </p:spPr>
         <p:txBody>
-          <a:bodyPr anchorCtr="0" anchor="b" bIns="91425" lIns="91425" spcFirstLastPara="1" rIns="91425" wrap="square" tIns="91425">
+          <a:bodyPr spcFirstLastPara="1" wrap="square" lIns="91425" tIns="91425" rIns="91425" bIns="91425" anchor="b" anchorCtr="0">
             <a:normAutofit/>
           </a:bodyPr>
           <a:lstStyle>
@@ -1424,15 +2024,19 @@
               <a:defRPr sz="5200"/>
             </a:lvl9pPr>
           </a:lstStyle>
-          <a:p/>
+          <a:p>
+            <a:endParaRPr/>
+          </a:p>
         </p:txBody>
       </p:sp>
       <p:sp>
         <p:nvSpPr>
           <p:cNvPr id="11" name="Google Shape;11;p2"/>
-          <p:cNvSpPr txBox="1"/>
+          <p:cNvSpPr txBox="1">
+            <a:spLocks noGrp="1"/>
+          </p:cNvSpPr>
           <p:nvPr>
-            <p:ph idx="1" type="subTitle"/>
+            <p:ph type="subTitle" idx="1"/>
           </p:nvPr>
         </p:nvSpPr>
         <p:spPr>
@@ -1445,7 +2049,7 @@
           </a:prstGeom>
         </p:spPr>
         <p:txBody>
-          <a:bodyPr anchorCtr="0" anchor="t" bIns="91425" lIns="91425" spcFirstLastPara="1" rIns="91425" wrap="square" tIns="91425">
+          <a:bodyPr spcFirstLastPara="1" wrap="square" lIns="91425" tIns="91425" rIns="91425" bIns="91425" anchor="t" anchorCtr="0">
             <a:normAutofit/>
           </a:bodyPr>
           <a:lstStyle>
@@ -1576,15 +2180,19 @@
               <a:defRPr sz="2800"/>
             </a:lvl9pPr>
           </a:lstStyle>
-          <a:p/>
+          <a:p>
+            <a:endParaRPr/>
+          </a:p>
         </p:txBody>
       </p:sp>
       <p:sp>
         <p:nvSpPr>
           <p:cNvPr id="12" name="Google Shape;12;p2"/>
-          <p:cNvSpPr txBox="1"/>
+          <p:cNvSpPr txBox="1">
+            <a:spLocks noGrp="1"/>
+          </p:cNvSpPr>
           <p:nvPr>
-            <p:ph idx="12" type="sldNum"/>
+            <p:ph type="sldNum" idx="12"/>
           </p:nvPr>
         </p:nvSpPr>
         <p:spPr>
@@ -1597,7 +2205,7 @@
           </a:prstGeom>
         </p:spPr>
         <p:txBody>
-          <a:bodyPr anchorCtr="0" anchor="ctr" bIns="91425" lIns="91425" spcFirstLastPara="1" rIns="91425" wrap="square" tIns="91425">
+          <a:bodyPr spcFirstLastPara="1" wrap="square" lIns="91425" tIns="91425" rIns="91425" bIns="91425" anchor="ctr" anchorCtr="0">
             <a:normAutofit/>
           </a:bodyPr>
           <a:lstStyle>
@@ -1639,7 +2247,7 @@
             </a:lvl9pPr>
           </a:lstStyle>
           <a:p>
-            <a:pPr indent="0" lvl="0" marL="0" rtl="0" algn="r">
+            <a:pPr marL="0" lvl="0" indent="0" algn="r" rtl="0">
               <a:spcBef>
                 <a:spcPts val="0"/>
               </a:spcBef>
@@ -1665,11 +2273,11 @@
 </file>
 
 <file path=ppt/slideLayouts/slideLayout10.xml><?xml version="1.0" encoding="utf-8"?>
-<p:sldLayout xmlns:a="http://schemas.openxmlformats.org/drawingml/2006/main" xmlns:r="http://schemas.openxmlformats.org/officeDocument/2006/relationships" xmlns:mc="http://schemas.openxmlformats.org/markup-compatibility/2006" xmlns:mv="urn:schemas-microsoft-com:mac:vml" xmlns:p="http://schemas.openxmlformats.org/presentationml/2006/main" xmlns:c="http://schemas.openxmlformats.org/drawingml/2006/chart" xmlns:dgm="http://schemas.openxmlformats.org/drawingml/2006/diagram" xmlns:o="urn:schemas-microsoft-com:office:office" xmlns:v="urn:schemas-microsoft-com:vml" xmlns:pvml="urn:schemas-microsoft-com:office:powerpoint" xmlns:com="http://schemas.openxmlformats.org/drawingml/2006/compatibility" xmlns:p14="http://schemas.microsoft.com/office/powerpoint/2010/main" xmlns:p15="http://schemas.microsoft.com/office/powerpoint/2012/main" xmlns:ahyp="http://schemas.microsoft.com/office/drawing/2018/hyperlinkcolor" matchingName="Big number">
+<p:sldLayout xmlns:a="http://schemas.openxmlformats.org/drawingml/2006/main" xmlns:r="http://schemas.openxmlformats.org/officeDocument/2006/relationships" xmlns:p="http://schemas.openxmlformats.org/presentationml/2006/main" matchingName="Big number">
   <p:cSld name="BIG_NUMBER">
     <p:spTree>
       <p:nvGrpSpPr>
-        <p:cNvPr id="44" name="Shape 44"/>
+        <p:cNvPr id="1" name="Shape 44"/>
         <p:cNvGrpSpPr/>
         <p:nvPr/>
       </p:nvGrpSpPr>
@@ -1684,9 +2292,11 @@
       <p:sp>
         <p:nvSpPr>
           <p:cNvPr id="45" name="Google Shape;45;p11"/>
-          <p:cNvSpPr txBox="1"/>
+          <p:cNvSpPr txBox="1">
+            <a:spLocks noGrp="1"/>
+          </p:cNvSpPr>
           <p:nvPr>
-            <p:ph hasCustomPrompt="1" type="title"/>
+            <p:ph type="title" hasCustomPrompt="1"/>
           </p:nvPr>
         </p:nvSpPr>
         <p:spPr>
@@ -1699,7 +2309,7 @@
           </a:prstGeom>
         </p:spPr>
         <p:txBody>
-          <a:bodyPr anchorCtr="0" anchor="b" bIns="91425" lIns="91425" spcFirstLastPara="1" rIns="91425" wrap="square" tIns="91425">
+          <a:bodyPr spcFirstLastPara="1" wrap="square" lIns="91425" tIns="91425" rIns="91425" bIns="91425" anchor="b" anchorCtr="0">
             <a:normAutofit/>
           </a:bodyPr>
           <a:lstStyle>
@@ -1813,9 +2423,11 @@
       <p:sp>
         <p:nvSpPr>
           <p:cNvPr id="46" name="Google Shape;46;p11"/>
-          <p:cNvSpPr txBox="1"/>
+          <p:cNvSpPr txBox="1">
+            <a:spLocks noGrp="1"/>
+          </p:cNvSpPr>
           <p:nvPr>
-            <p:ph idx="1" type="body"/>
+            <p:ph type="body" idx="1"/>
           </p:nvPr>
         </p:nvSpPr>
         <p:spPr>
@@ -1828,11 +2440,11 @@
           </a:prstGeom>
         </p:spPr>
         <p:txBody>
-          <a:bodyPr anchorCtr="0" anchor="t" bIns="91425" lIns="91425" spcFirstLastPara="1" rIns="91425" wrap="square" tIns="91425">
+          <a:bodyPr spcFirstLastPara="1" wrap="square" lIns="91425" tIns="91425" rIns="91425" bIns="91425" anchor="t" anchorCtr="0">
             <a:normAutofit/>
           </a:bodyPr>
           <a:lstStyle>
-            <a:lvl1pPr indent="-342900" lvl="0" marL="457200" algn="ctr">
+            <a:lvl1pPr marL="457200" lvl="0" indent="-342900" algn="ctr">
               <a:spcBef>
                 <a:spcPts val="0"/>
               </a:spcBef>
@@ -1843,7 +2455,7 @@
               <a:buChar char="●"/>
               <a:defRPr/>
             </a:lvl1pPr>
-            <a:lvl2pPr indent="-317500" lvl="1" marL="914400" algn="ctr">
+            <a:lvl2pPr marL="914400" lvl="1" indent="-317500" algn="ctr">
               <a:spcBef>
                 <a:spcPts val="0"/>
               </a:spcBef>
@@ -1854,7 +2466,7 @@
               <a:buChar char="○"/>
               <a:defRPr/>
             </a:lvl2pPr>
-            <a:lvl3pPr indent="-317500" lvl="2" marL="1371600" algn="ctr">
+            <a:lvl3pPr marL="1371600" lvl="2" indent="-317500" algn="ctr">
               <a:spcBef>
                 <a:spcPts val="0"/>
               </a:spcBef>
@@ -1865,7 +2477,7 @@
               <a:buChar char="■"/>
               <a:defRPr/>
             </a:lvl3pPr>
-            <a:lvl4pPr indent="-317500" lvl="3" marL="1828800" algn="ctr">
+            <a:lvl4pPr marL="1828800" lvl="3" indent="-317500" algn="ctr">
               <a:spcBef>
                 <a:spcPts val="0"/>
               </a:spcBef>
@@ -1876,7 +2488,7 @@
               <a:buChar char="●"/>
               <a:defRPr/>
             </a:lvl4pPr>
-            <a:lvl5pPr indent="-317500" lvl="4" marL="2286000" algn="ctr">
+            <a:lvl5pPr marL="2286000" lvl="4" indent="-317500" algn="ctr">
               <a:spcBef>
                 <a:spcPts val="0"/>
               </a:spcBef>
@@ -1887,7 +2499,7 @@
               <a:buChar char="○"/>
               <a:defRPr/>
             </a:lvl5pPr>
-            <a:lvl6pPr indent="-317500" lvl="5" marL="2743200" algn="ctr">
+            <a:lvl6pPr marL="2743200" lvl="5" indent="-317500" algn="ctr">
               <a:spcBef>
                 <a:spcPts val="0"/>
               </a:spcBef>
@@ -1898,7 +2510,7 @@
               <a:buChar char="■"/>
               <a:defRPr/>
             </a:lvl6pPr>
-            <a:lvl7pPr indent="-317500" lvl="6" marL="3200400" algn="ctr">
+            <a:lvl7pPr marL="3200400" lvl="6" indent="-317500" algn="ctr">
               <a:spcBef>
                 <a:spcPts val="0"/>
               </a:spcBef>
@@ -1909,7 +2521,7 @@
               <a:buChar char="●"/>
               <a:defRPr/>
             </a:lvl7pPr>
-            <a:lvl8pPr indent="-317500" lvl="7" marL="3657600" algn="ctr">
+            <a:lvl8pPr marL="3657600" lvl="7" indent="-317500" algn="ctr">
               <a:spcBef>
                 <a:spcPts val="0"/>
               </a:spcBef>
@@ -1920,7 +2532,7 @@
               <a:buChar char="○"/>
               <a:defRPr/>
             </a:lvl8pPr>
-            <a:lvl9pPr indent="-317500" lvl="8" marL="4114800" algn="ctr">
+            <a:lvl9pPr marL="4114800" lvl="8" indent="-317500" algn="ctr">
               <a:spcBef>
                 <a:spcPts val="0"/>
               </a:spcBef>
@@ -1932,15 +2544,19 @@
               <a:defRPr/>
             </a:lvl9pPr>
           </a:lstStyle>
-          <a:p/>
+          <a:p>
+            <a:endParaRPr/>
+          </a:p>
         </p:txBody>
       </p:sp>
       <p:sp>
         <p:nvSpPr>
           <p:cNvPr id="47" name="Google Shape;47;p11"/>
-          <p:cNvSpPr txBox="1"/>
+          <p:cNvSpPr txBox="1">
+            <a:spLocks noGrp="1"/>
+          </p:cNvSpPr>
           <p:nvPr>
-            <p:ph idx="12" type="sldNum"/>
+            <p:ph type="sldNum" idx="12"/>
           </p:nvPr>
         </p:nvSpPr>
         <p:spPr>
@@ -1953,7 +2569,7 @@
           </a:prstGeom>
         </p:spPr>
         <p:txBody>
-          <a:bodyPr anchorCtr="0" anchor="ctr" bIns="91425" lIns="91425" spcFirstLastPara="1" rIns="91425" wrap="square" tIns="91425">
+          <a:bodyPr spcFirstLastPara="1" wrap="square" lIns="91425" tIns="91425" rIns="91425" bIns="91425" anchor="ctr" anchorCtr="0">
             <a:normAutofit/>
           </a:bodyPr>
           <a:lstStyle>
@@ -1995,7 +2611,7 @@
             </a:lvl9pPr>
           </a:lstStyle>
           <a:p>
-            <a:pPr indent="0" lvl="0" marL="0" rtl="0" algn="r">
+            <a:pPr marL="0" lvl="0" indent="0" algn="r" rtl="0">
               <a:spcBef>
                 <a:spcPts val="0"/>
               </a:spcBef>
@@ -2021,11 +2637,11 @@
 </file>
 
 <file path=ppt/slideLayouts/slideLayout11.xml><?xml version="1.0" encoding="utf-8"?>
-<p:sldLayout xmlns:a="http://schemas.openxmlformats.org/drawingml/2006/main" xmlns:r="http://schemas.openxmlformats.org/officeDocument/2006/relationships" xmlns:mc="http://schemas.openxmlformats.org/markup-compatibility/2006" xmlns:mv="urn:schemas-microsoft-com:mac:vml" xmlns:p="http://schemas.openxmlformats.org/presentationml/2006/main" xmlns:c="http://schemas.openxmlformats.org/drawingml/2006/chart" xmlns:dgm="http://schemas.openxmlformats.org/drawingml/2006/diagram" xmlns:o="urn:schemas-microsoft-com:office:office" xmlns:v="urn:schemas-microsoft-com:vml" xmlns:pvml="urn:schemas-microsoft-com:office:powerpoint" xmlns:com="http://schemas.openxmlformats.org/drawingml/2006/compatibility" xmlns:p14="http://schemas.microsoft.com/office/powerpoint/2010/main" xmlns:p15="http://schemas.microsoft.com/office/powerpoint/2012/main" xmlns:ahyp="http://schemas.microsoft.com/office/drawing/2018/hyperlinkcolor" matchingName="Blank" type="blank">
+<p:sldLayout xmlns:a="http://schemas.openxmlformats.org/drawingml/2006/main" xmlns:r="http://schemas.openxmlformats.org/officeDocument/2006/relationships" xmlns:p="http://schemas.openxmlformats.org/presentationml/2006/main" matchingName="Blank" type="blank">
   <p:cSld name="BLANK">
     <p:spTree>
       <p:nvGrpSpPr>
-        <p:cNvPr id="48" name="Shape 48"/>
+        <p:cNvPr id="1" name="Shape 48"/>
         <p:cNvGrpSpPr/>
         <p:nvPr/>
       </p:nvGrpSpPr>
@@ -2040,9 +2656,11 @@
       <p:sp>
         <p:nvSpPr>
           <p:cNvPr id="49" name="Google Shape;49;p12"/>
-          <p:cNvSpPr txBox="1"/>
+          <p:cNvSpPr txBox="1">
+            <a:spLocks noGrp="1"/>
+          </p:cNvSpPr>
           <p:nvPr>
-            <p:ph idx="12" type="sldNum"/>
+            <p:ph type="sldNum" idx="12"/>
           </p:nvPr>
         </p:nvSpPr>
         <p:spPr>
@@ -2055,7 +2673,7 @@
           </a:prstGeom>
         </p:spPr>
         <p:txBody>
-          <a:bodyPr anchorCtr="0" anchor="ctr" bIns="91425" lIns="91425" spcFirstLastPara="1" rIns="91425" wrap="square" tIns="91425">
+          <a:bodyPr spcFirstLastPara="1" wrap="square" lIns="91425" tIns="91425" rIns="91425" bIns="91425" anchor="ctr" anchorCtr="0">
             <a:normAutofit/>
           </a:bodyPr>
           <a:lstStyle>
@@ -2097,7 +2715,7 @@
             </a:lvl9pPr>
           </a:lstStyle>
           <a:p>
-            <a:pPr indent="0" lvl="0" marL="0" rtl="0" algn="r">
+            <a:pPr marL="0" lvl="0" indent="0" algn="r" rtl="0">
               <a:spcBef>
                 <a:spcPts val="0"/>
               </a:spcBef>
@@ -2123,11 +2741,11 @@
 </file>
 
 <file path=ppt/slideLayouts/slideLayout2.xml><?xml version="1.0" encoding="utf-8"?>
-<p:sldLayout xmlns:a="http://schemas.openxmlformats.org/drawingml/2006/main" xmlns:r="http://schemas.openxmlformats.org/officeDocument/2006/relationships" xmlns:mc="http://schemas.openxmlformats.org/markup-compatibility/2006" xmlns:mv="urn:schemas-microsoft-com:mac:vml" xmlns:p="http://schemas.openxmlformats.org/presentationml/2006/main" xmlns:c="http://schemas.openxmlformats.org/drawingml/2006/chart" xmlns:dgm="http://schemas.openxmlformats.org/drawingml/2006/diagram" xmlns:o="urn:schemas-microsoft-com:office:office" xmlns:v="urn:schemas-microsoft-com:vml" xmlns:pvml="urn:schemas-microsoft-com:office:powerpoint" xmlns:com="http://schemas.openxmlformats.org/drawingml/2006/compatibility" xmlns:p14="http://schemas.microsoft.com/office/powerpoint/2010/main" xmlns:p15="http://schemas.microsoft.com/office/powerpoint/2012/main" xmlns:ahyp="http://schemas.microsoft.com/office/drawing/2018/hyperlinkcolor" matchingName="Section header" type="secHead">
+<p:sldLayout xmlns:a="http://schemas.openxmlformats.org/drawingml/2006/main" xmlns:r="http://schemas.openxmlformats.org/officeDocument/2006/relationships" xmlns:p="http://schemas.openxmlformats.org/presentationml/2006/main" matchingName="Section header" type="secHead">
   <p:cSld name="SECTION_HEADER">
     <p:spTree>
       <p:nvGrpSpPr>
-        <p:cNvPr id="13" name="Shape 13"/>
+        <p:cNvPr id="1" name="Shape 13"/>
         <p:cNvGrpSpPr/>
         <p:nvPr/>
       </p:nvGrpSpPr>
@@ -2142,7 +2760,9 @@
       <p:sp>
         <p:nvSpPr>
           <p:cNvPr id="14" name="Google Shape;14;p3"/>
-          <p:cNvSpPr txBox="1"/>
+          <p:cNvSpPr txBox="1">
+            <a:spLocks noGrp="1"/>
+          </p:cNvSpPr>
           <p:nvPr>
             <p:ph type="title"/>
           </p:nvPr>
@@ -2157,7 +2777,7 @@
           </a:prstGeom>
         </p:spPr>
         <p:txBody>
-          <a:bodyPr anchorCtr="0" anchor="ctr" bIns="91425" lIns="91425" spcFirstLastPara="1" rIns="91425" wrap="square" tIns="91425">
+          <a:bodyPr spcFirstLastPara="1" wrap="square" lIns="91425" tIns="91425" rIns="91425" bIns="91425" anchor="ctr" anchorCtr="0">
             <a:normAutofit/>
           </a:bodyPr>
           <a:lstStyle>
@@ -2261,15 +2881,19 @@
               <a:defRPr sz="3600"/>
             </a:lvl9pPr>
           </a:lstStyle>
-          <a:p/>
+          <a:p>
+            <a:endParaRPr/>
+          </a:p>
         </p:txBody>
       </p:sp>
       <p:sp>
         <p:nvSpPr>
           <p:cNvPr id="15" name="Google Shape;15;p3"/>
-          <p:cNvSpPr txBox="1"/>
+          <p:cNvSpPr txBox="1">
+            <a:spLocks noGrp="1"/>
+          </p:cNvSpPr>
           <p:nvPr>
-            <p:ph idx="12" type="sldNum"/>
+            <p:ph type="sldNum" idx="12"/>
           </p:nvPr>
         </p:nvSpPr>
         <p:spPr>
@@ -2282,7 +2906,7 @@
           </a:prstGeom>
         </p:spPr>
         <p:txBody>
-          <a:bodyPr anchorCtr="0" anchor="ctr" bIns="91425" lIns="91425" spcFirstLastPara="1" rIns="91425" wrap="square" tIns="91425">
+          <a:bodyPr spcFirstLastPara="1" wrap="square" lIns="91425" tIns="91425" rIns="91425" bIns="91425" anchor="ctr" anchorCtr="0">
             <a:normAutofit/>
           </a:bodyPr>
           <a:lstStyle>
@@ -2324,7 +2948,7 @@
             </a:lvl9pPr>
           </a:lstStyle>
           <a:p>
-            <a:pPr indent="0" lvl="0" marL="0" rtl="0" algn="r">
+            <a:pPr marL="0" lvl="0" indent="0" algn="r" rtl="0">
               <a:spcBef>
                 <a:spcPts val="0"/>
               </a:spcBef>
@@ -2350,11 +2974,11 @@
 </file>
 
 <file path=ppt/slideLayouts/slideLayout3.xml><?xml version="1.0" encoding="utf-8"?>
-<p:sldLayout xmlns:a="http://schemas.openxmlformats.org/drawingml/2006/main" xmlns:r="http://schemas.openxmlformats.org/officeDocument/2006/relationships" xmlns:mc="http://schemas.openxmlformats.org/markup-compatibility/2006" xmlns:mv="urn:schemas-microsoft-com:mac:vml" xmlns:p="http://schemas.openxmlformats.org/presentationml/2006/main" xmlns:c="http://schemas.openxmlformats.org/drawingml/2006/chart" xmlns:dgm="http://schemas.openxmlformats.org/drawingml/2006/diagram" xmlns:o="urn:schemas-microsoft-com:office:office" xmlns:v="urn:schemas-microsoft-com:vml" xmlns:pvml="urn:schemas-microsoft-com:office:powerpoint" xmlns:com="http://schemas.openxmlformats.org/drawingml/2006/compatibility" xmlns:p14="http://schemas.microsoft.com/office/powerpoint/2010/main" xmlns:p15="http://schemas.microsoft.com/office/powerpoint/2012/main" xmlns:ahyp="http://schemas.microsoft.com/office/drawing/2018/hyperlinkcolor" matchingName="Title and body" type="tx">
+<p:sldLayout xmlns:a="http://schemas.openxmlformats.org/drawingml/2006/main" xmlns:r="http://schemas.openxmlformats.org/officeDocument/2006/relationships" xmlns:p="http://schemas.openxmlformats.org/presentationml/2006/main" matchingName="Title and body" type="tx">
   <p:cSld name="TITLE_AND_BODY">
     <p:spTree>
       <p:nvGrpSpPr>
-        <p:cNvPr id="16" name="Shape 16"/>
+        <p:cNvPr id="1" name="Shape 16"/>
         <p:cNvGrpSpPr/>
         <p:nvPr/>
       </p:nvGrpSpPr>
@@ -2369,7 +2993,9 @@
       <p:sp>
         <p:nvSpPr>
           <p:cNvPr id="17" name="Google Shape;17;p4"/>
-          <p:cNvSpPr txBox="1"/>
+          <p:cNvSpPr txBox="1">
+            <a:spLocks noGrp="1"/>
+          </p:cNvSpPr>
           <p:nvPr>
             <p:ph type="title"/>
           </p:nvPr>
@@ -2384,7 +3010,7 @@
           </a:prstGeom>
         </p:spPr>
         <p:txBody>
-          <a:bodyPr anchorCtr="0" anchor="t" bIns="91425" lIns="91425" spcFirstLastPara="1" rIns="91425" wrap="square" tIns="91425">
+          <a:bodyPr spcFirstLastPara="1" wrap="square" lIns="91425" tIns="91425" rIns="91425" bIns="91425" anchor="t" anchorCtr="0">
             <a:normAutofit/>
           </a:bodyPr>
           <a:lstStyle>
@@ -2488,15 +3114,19 @@
               <a:defRPr/>
             </a:lvl9pPr>
           </a:lstStyle>
-          <a:p/>
+          <a:p>
+            <a:endParaRPr/>
+          </a:p>
         </p:txBody>
       </p:sp>
       <p:sp>
         <p:nvSpPr>
           <p:cNvPr id="18" name="Google Shape;18;p4"/>
-          <p:cNvSpPr txBox="1"/>
+          <p:cNvSpPr txBox="1">
+            <a:spLocks noGrp="1"/>
+          </p:cNvSpPr>
           <p:nvPr>
-            <p:ph idx="1" type="body"/>
+            <p:ph type="body" idx="1"/>
           </p:nvPr>
         </p:nvSpPr>
         <p:spPr>
@@ -2509,11 +3139,11 @@
           </a:prstGeom>
         </p:spPr>
         <p:txBody>
-          <a:bodyPr anchorCtr="0" anchor="t" bIns="91425" lIns="91425" spcFirstLastPara="1" rIns="91425" wrap="square" tIns="91425">
+          <a:bodyPr spcFirstLastPara="1" wrap="square" lIns="91425" tIns="91425" rIns="91425" bIns="91425" anchor="t" anchorCtr="0">
             <a:normAutofit/>
           </a:bodyPr>
           <a:lstStyle>
-            <a:lvl1pPr indent="-342900" lvl="0" marL="457200">
+            <a:lvl1pPr marL="457200" lvl="0" indent="-342900">
               <a:spcBef>
                 <a:spcPts val="0"/>
               </a:spcBef>
@@ -2524,7 +3154,7 @@
               <a:buChar char="●"/>
               <a:defRPr/>
             </a:lvl1pPr>
-            <a:lvl2pPr indent="-317500" lvl="1" marL="914400">
+            <a:lvl2pPr marL="914400" lvl="1" indent="-317500">
               <a:spcBef>
                 <a:spcPts val="0"/>
               </a:spcBef>
@@ -2535,7 +3165,7 @@
               <a:buChar char="○"/>
               <a:defRPr/>
             </a:lvl2pPr>
-            <a:lvl3pPr indent="-317500" lvl="2" marL="1371600">
+            <a:lvl3pPr marL="1371600" lvl="2" indent="-317500">
               <a:spcBef>
                 <a:spcPts val="0"/>
               </a:spcBef>
@@ -2546,7 +3176,7 @@
               <a:buChar char="■"/>
               <a:defRPr/>
             </a:lvl3pPr>
-            <a:lvl4pPr indent="-317500" lvl="3" marL="1828800">
+            <a:lvl4pPr marL="1828800" lvl="3" indent="-317500">
               <a:spcBef>
                 <a:spcPts val="0"/>
               </a:spcBef>
@@ -2557,7 +3187,7 @@
               <a:buChar char="●"/>
               <a:defRPr/>
             </a:lvl4pPr>
-            <a:lvl5pPr indent="-317500" lvl="4" marL="2286000">
+            <a:lvl5pPr marL="2286000" lvl="4" indent="-317500">
               <a:spcBef>
                 <a:spcPts val="0"/>
               </a:spcBef>
@@ -2568,7 +3198,7 @@
               <a:buChar char="○"/>
               <a:defRPr/>
             </a:lvl5pPr>
-            <a:lvl6pPr indent="-317500" lvl="5" marL="2743200">
+            <a:lvl6pPr marL="2743200" lvl="5" indent="-317500">
               <a:spcBef>
                 <a:spcPts val="0"/>
               </a:spcBef>
@@ -2579,7 +3209,7 @@
               <a:buChar char="■"/>
               <a:defRPr/>
             </a:lvl6pPr>
-            <a:lvl7pPr indent="-317500" lvl="6" marL="3200400">
+            <a:lvl7pPr marL="3200400" lvl="6" indent="-317500">
               <a:spcBef>
                 <a:spcPts val="0"/>
               </a:spcBef>
@@ -2590,7 +3220,7 @@
               <a:buChar char="●"/>
               <a:defRPr/>
             </a:lvl7pPr>
-            <a:lvl8pPr indent="-317500" lvl="7" marL="3657600">
+            <a:lvl8pPr marL="3657600" lvl="7" indent="-317500">
               <a:spcBef>
                 <a:spcPts val="0"/>
               </a:spcBef>
@@ -2601,7 +3231,7 @@
               <a:buChar char="○"/>
               <a:defRPr/>
             </a:lvl8pPr>
-            <a:lvl9pPr indent="-317500" lvl="8" marL="4114800">
+            <a:lvl9pPr marL="4114800" lvl="8" indent="-317500">
               <a:spcBef>
                 <a:spcPts val="0"/>
               </a:spcBef>
@@ -2613,15 +3243,19 @@
               <a:defRPr/>
             </a:lvl9pPr>
           </a:lstStyle>
-          <a:p/>
+          <a:p>
+            <a:endParaRPr/>
+          </a:p>
         </p:txBody>
       </p:sp>
       <p:sp>
         <p:nvSpPr>
           <p:cNvPr id="19" name="Google Shape;19;p4"/>
-          <p:cNvSpPr txBox="1"/>
+          <p:cNvSpPr txBox="1">
+            <a:spLocks noGrp="1"/>
+          </p:cNvSpPr>
           <p:nvPr>
-            <p:ph idx="12" type="sldNum"/>
+            <p:ph type="sldNum" idx="12"/>
           </p:nvPr>
         </p:nvSpPr>
         <p:spPr>
@@ -2634,7 +3268,7 @@
           </a:prstGeom>
         </p:spPr>
         <p:txBody>
-          <a:bodyPr anchorCtr="0" anchor="ctr" bIns="91425" lIns="91425" spcFirstLastPara="1" rIns="91425" wrap="square" tIns="91425">
+          <a:bodyPr spcFirstLastPara="1" wrap="square" lIns="91425" tIns="91425" rIns="91425" bIns="91425" anchor="ctr" anchorCtr="0">
             <a:normAutofit/>
           </a:bodyPr>
           <a:lstStyle>
@@ -2676,7 +3310,7 @@
             </a:lvl9pPr>
           </a:lstStyle>
           <a:p>
-            <a:pPr indent="0" lvl="0" marL="0" rtl="0" algn="r">
+            <a:pPr marL="0" lvl="0" indent="0" algn="r" rtl="0">
               <a:spcBef>
                 <a:spcPts val="0"/>
               </a:spcBef>
@@ -2702,11 +3336,11 @@
 </file>
 
 <file path=ppt/slideLayouts/slideLayout4.xml><?xml version="1.0" encoding="utf-8"?>
-<p:sldLayout xmlns:a="http://schemas.openxmlformats.org/drawingml/2006/main" xmlns:r="http://schemas.openxmlformats.org/officeDocument/2006/relationships" xmlns:mc="http://schemas.openxmlformats.org/markup-compatibility/2006" xmlns:mv="urn:schemas-microsoft-com:mac:vml" xmlns:p="http://schemas.openxmlformats.org/presentationml/2006/main" xmlns:c="http://schemas.openxmlformats.org/drawingml/2006/chart" xmlns:dgm="http://schemas.openxmlformats.org/drawingml/2006/diagram" xmlns:o="urn:schemas-microsoft-com:office:office" xmlns:v="urn:schemas-microsoft-com:vml" xmlns:pvml="urn:schemas-microsoft-com:office:powerpoint" xmlns:com="http://schemas.openxmlformats.org/drawingml/2006/compatibility" xmlns:p14="http://schemas.microsoft.com/office/powerpoint/2010/main" xmlns:p15="http://schemas.microsoft.com/office/powerpoint/2012/main" xmlns:ahyp="http://schemas.microsoft.com/office/drawing/2018/hyperlinkcolor" matchingName="Title and two columns" type="twoColTx">
+<p:sldLayout xmlns:a="http://schemas.openxmlformats.org/drawingml/2006/main" xmlns:r="http://schemas.openxmlformats.org/officeDocument/2006/relationships" xmlns:p="http://schemas.openxmlformats.org/presentationml/2006/main" matchingName="Title and two columns" type="twoColTx">
   <p:cSld name="TITLE_AND_TWO_COLUMNS">
     <p:spTree>
       <p:nvGrpSpPr>
-        <p:cNvPr id="20" name="Shape 20"/>
+        <p:cNvPr id="1" name="Shape 20"/>
         <p:cNvGrpSpPr/>
         <p:nvPr/>
       </p:nvGrpSpPr>
@@ -2721,7 +3355,9 @@
       <p:sp>
         <p:nvSpPr>
           <p:cNvPr id="21" name="Google Shape;21;p5"/>
-          <p:cNvSpPr txBox="1"/>
+          <p:cNvSpPr txBox="1">
+            <a:spLocks noGrp="1"/>
+          </p:cNvSpPr>
           <p:nvPr>
             <p:ph type="title"/>
           </p:nvPr>
@@ -2736,7 +3372,7 @@
           </a:prstGeom>
         </p:spPr>
         <p:txBody>
-          <a:bodyPr anchorCtr="0" anchor="t" bIns="91425" lIns="91425" spcFirstLastPara="1" rIns="91425" wrap="square" tIns="91425">
+          <a:bodyPr spcFirstLastPara="1" wrap="square" lIns="91425" tIns="91425" rIns="91425" bIns="91425" anchor="t" anchorCtr="0">
             <a:normAutofit/>
           </a:bodyPr>
           <a:lstStyle>
@@ -2840,15 +3476,19 @@
               <a:defRPr/>
             </a:lvl9pPr>
           </a:lstStyle>
-          <a:p/>
+          <a:p>
+            <a:endParaRPr/>
+          </a:p>
         </p:txBody>
       </p:sp>
       <p:sp>
         <p:nvSpPr>
           <p:cNvPr id="22" name="Google Shape;22;p5"/>
-          <p:cNvSpPr txBox="1"/>
+          <p:cNvSpPr txBox="1">
+            <a:spLocks noGrp="1"/>
+          </p:cNvSpPr>
           <p:nvPr>
-            <p:ph idx="1" type="body"/>
+            <p:ph type="body" idx="1"/>
           </p:nvPr>
         </p:nvSpPr>
         <p:spPr>
@@ -2861,11 +3501,11 @@
           </a:prstGeom>
         </p:spPr>
         <p:txBody>
-          <a:bodyPr anchorCtr="0" anchor="t" bIns="91425" lIns="91425" spcFirstLastPara="1" rIns="91425" wrap="square" tIns="91425">
+          <a:bodyPr spcFirstLastPara="1" wrap="square" lIns="91425" tIns="91425" rIns="91425" bIns="91425" anchor="t" anchorCtr="0">
             <a:normAutofit/>
           </a:bodyPr>
           <a:lstStyle>
-            <a:lvl1pPr indent="-317500" lvl="0" marL="457200">
+            <a:lvl1pPr marL="457200" lvl="0" indent="-317500">
               <a:spcBef>
                 <a:spcPts val="0"/>
               </a:spcBef>
@@ -2876,7 +3516,7 @@
               <a:buChar char="●"/>
               <a:defRPr sz="1400"/>
             </a:lvl1pPr>
-            <a:lvl2pPr indent="-304800" lvl="1" marL="914400">
+            <a:lvl2pPr marL="914400" lvl="1" indent="-304800">
               <a:spcBef>
                 <a:spcPts val="0"/>
               </a:spcBef>
@@ -2887,7 +3527,7 @@
               <a:buChar char="○"/>
               <a:defRPr sz="1200"/>
             </a:lvl2pPr>
-            <a:lvl3pPr indent="-304800" lvl="2" marL="1371600">
+            <a:lvl3pPr marL="1371600" lvl="2" indent="-304800">
               <a:spcBef>
                 <a:spcPts val="0"/>
               </a:spcBef>
@@ -2898,7 +3538,7 @@
               <a:buChar char="■"/>
               <a:defRPr sz="1200"/>
             </a:lvl3pPr>
-            <a:lvl4pPr indent="-304800" lvl="3" marL="1828800">
+            <a:lvl4pPr marL="1828800" lvl="3" indent="-304800">
               <a:spcBef>
                 <a:spcPts val="0"/>
               </a:spcBef>
@@ -2909,7 +3549,7 @@
               <a:buChar char="●"/>
               <a:defRPr sz="1200"/>
             </a:lvl4pPr>
-            <a:lvl5pPr indent="-304800" lvl="4" marL="2286000">
+            <a:lvl5pPr marL="2286000" lvl="4" indent="-304800">
               <a:spcBef>
                 <a:spcPts val="0"/>
               </a:spcBef>
@@ -2920,7 +3560,7 @@
               <a:buChar char="○"/>
               <a:defRPr sz="1200"/>
             </a:lvl5pPr>
-            <a:lvl6pPr indent="-304800" lvl="5" marL="2743200">
+            <a:lvl6pPr marL="2743200" lvl="5" indent="-304800">
               <a:spcBef>
                 <a:spcPts val="0"/>
               </a:spcBef>
@@ -2931,7 +3571,7 @@
               <a:buChar char="■"/>
               <a:defRPr sz="1200"/>
             </a:lvl6pPr>
-            <a:lvl7pPr indent="-304800" lvl="6" marL="3200400">
+            <a:lvl7pPr marL="3200400" lvl="6" indent="-304800">
               <a:spcBef>
                 <a:spcPts val="0"/>
               </a:spcBef>
@@ -2942,7 +3582,7 @@
               <a:buChar char="●"/>
               <a:defRPr sz="1200"/>
             </a:lvl7pPr>
-            <a:lvl8pPr indent="-304800" lvl="7" marL="3657600">
+            <a:lvl8pPr marL="3657600" lvl="7" indent="-304800">
               <a:spcBef>
                 <a:spcPts val="0"/>
               </a:spcBef>
@@ -2953,7 +3593,7 @@
               <a:buChar char="○"/>
               <a:defRPr sz="1200"/>
             </a:lvl8pPr>
-            <a:lvl9pPr indent="-304800" lvl="8" marL="4114800">
+            <a:lvl9pPr marL="4114800" lvl="8" indent="-304800">
               <a:spcBef>
                 <a:spcPts val="0"/>
               </a:spcBef>
@@ -2965,15 +3605,19 @@
               <a:defRPr sz="1200"/>
             </a:lvl9pPr>
           </a:lstStyle>
-          <a:p/>
+          <a:p>
+            <a:endParaRPr/>
+          </a:p>
         </p:txBody>
       </p:sp>
       <p:sp>
         <p:nvSpPr>
           <p:cNvPr id="23" name="Google Shape;23;p5"/>
-          <p:cNvSpPr txBox="1"/>
+          <p:cNvSpPr txBox="1">
+            <a:spLocks noGrp="1"/>
+          </p:cNvSpPr>
           <p:nvPr>
-            <p:ph idx="2" type="body"/>
+            <p:ph type="body" idx="2"/>
           </p:nvPr>
         </p:nvSpPr>
         <p:spPr>
@@ -2986,11 +3630,11 @@
           </a:prstGeom>
         </p:spPr>
         <p:txBody>
-          <a:bodyPr anchorCtr="0" anchor="t" bIns="91425" lIns="91425" spcFirstLastPara="1" rIns="91425" wrap="square" tIns="91425">
+          <a:bodyPr spcFirstLastPara="1" wrap="square" lIns="91425" tIns="91425" rIns="91425" bIns="91425" anchor="t" anchorCtr="0">
             <a:normAutofit/>
           </a:bodyPr>
           <a:lstStyle>
-            <a:lvl1pPr indent="-317500" lvl="0" marL="457200">
+            <a:lvl1pPr marL="457200" lvl="0" indent="-317500">
               <a:spcBef>
                 <a:spcPts val="0"/>
               </a:spcBef>
@@ -3001,7 +3645,7 @@
               <a:buChar char="●"/>
               <a:defRPr sz="1400"/>
             </a:lvl1pPr>
-            <a:lvl2pPr indent="-304800" lvl="1" marL="914400">
+            <a:lvl2pPr marL="914400" lvl="1" indent="-304800">
               <a:spcBef>
                 <a:spcPts val="0"/>
               </a:spcBef>
@@ -3012,7 +3656,7 @@
               <a:buChar char="○"/>
               <a:defRPr sz="1200"/>
             </a:lvl2pPr>
-            <a:lvl3pPr indent="-304800" lvl="2" marL="1371600">
+            <a:lvl3pPr marL="1371600" lvl="2" indent="-304800">
               <a:spcBef>
                 <a:spcPts val="0"/>
               </a:spcBef>
@@ -3023,7 +3667,7 @@
               <a:buChar char="■"/>
               <a:defRPr sz="1200"/>
             </a:lvl3pPr>
-            <a:lvl4pPr indent="-304800" lvl="3" marL="1828800">
+            <a:lvl4pPr marL="1828800" lvl="3" indent="-304800">
               <a:spcBef>
                 <a:spcPts val="0"/>
               </a:spcBef>
@@ -3034,7 +3678,7 @@
               <a:buChar char="●"/>
               <a:defRPr sz="1200"/>
             </a:lvl4pPr>
-            <a:lvl5pPr indent="-304800" lvl="4" marL="2286000">
+            <a:lvl5pPr marL="2286000" lvl="4" indent="-304800">
               <a:spcBef>
                 <a:spcPts val="0"/>
               </a:spcBef>
@@ -3045,7 +3689,7 @@
               <a:buChar char="○"/>
               <a:defRPr sz="1200"/>
             </a:lvl5pPr>
-            <a:lvl6pPr indent="-304800" lvl="5" marL="2743200">
+            <a:lvl6pPr marL="2743200" lvl="5" indent="-304800">
               <a:spcBef>
                 <a:spcPts val="0"/>
               </a:spcBef>
@@ -3056,7 +3700,7 @@
               <a:buChar char="■"/>
               <a:defRPr sz="1200"/>
             </a:lvl6pPr>
-            <a:lvl7pPr indent="-304800" lvl="6" marL="3200400">
+            <a:lvl7pPr marL="3200400" lvl="6" indent="-304800">
               <a:spcBef>
                 <a:spcPts val="0"/>
               </a:spcBef>
@@ -3067,7 +3711,7 @@
               <a:buChar char="●"/>
               <a:defRPr sz="1200"/>
             </a:lvl7pPr>
-            <a:lvl8pPr indent="-304800" lvl="7" marL="3657600">
+            <a:lvl8pPr marL="3657600" lvl="7" indent="-304800">
               <a:spcBef>
                 <a:spcPts val="0"/>
               </a:spcBef>
@@ -3078,7 +3722,7 @@
               <a:buChar char="○"/>
               <a:defRPr sz="1200"/>
             </a:lvl8pPr>
-            <a:lvl9pPr indent="-304800" lvl="8" marL="4114800">
+            <a:lvl9pPr marL="4114800" lvl="8" indent="-304800">
               <a:spcBef>
                 <a:spcPts val="0"/>
               </a:spcBef>
@@ -3090,15 +3734,19 @@
               <a:defRPr sz="1200"/>
             </a:lvl9pPr>
           </a:lstStyle>
-          <a:p/>
+          <a:p>
+            <a:endParaRPr/>
+          </a:p>
         </p:txBody>
       </p:sp>
       <p:sp>
         <p:nvSpPr>
           <p:cNvPr id="24" name="Google Shape;24;p5"/>
-          <p:cNvSpPr txBox="1"/>
+          <p:cNvSpPr txBox="1">
+            <a:spLocks noGrp="1"/>
+          </p:cNvSpPr>
           <p:nvPr>
-            <p:ph idx="12" type="sldNum"/>
+            <p:ph type="sldNum" idx="12"/>
           </p:nvPr>
         </p:nvSpPr>
         <p:spPr>
@@ -3111,7 +3759,7 @@
           </a:prstGeom>
         </p:spPr>
         <p:txBody>
-          <a:bodyPr anchorCtr="0" anchor="ctr" bIns="91425" lIns="91425" spcFirstLastPara="1" rIns="91425" wrap="square" tIns="91425">
+          <a:bodyPr spcFirstLastPara="1" wrap="square" lIns="91425" tIns="91425" rIns="91425" bIns="91425" anchor="ctr" anchorCtr="0">
             <a:normAutofit/>
           </a:bodyPr>
           <a:lstStyle>
@@ -3153,7 +3801,7 @@
             </a:lvl9pPr>
           </a:lstStyle>
           <a:p>
-            <a:pPr indent="0" lvl="0" marL="0" rtl="0" algn="r">
+            <a:pPr marL="0" lvl="0" indent="0" algn="r" rtl="0">
               <a:spcBef>
                 <a:spcPts val="0"/>
               </a:spcBef>
@@ -3179,11 +3827,11 @@
 </file>
 
 <file path=ppt/slideLayouts/slideLayout5.xml><?xml version="1.0" encoding="utf-8"?>
-<p:sldLayout xmlns:a="http://schemas.openxmlformats.org/drawingml/2006/main" xmlns:r="http://schemas.openxmlformats.org/officeDocument/2006/relationships" xmlns:mc="http://schemas.openxmlformats.org/markup-compatibility/2006" xmlns:mv="urn:schemas-microsoft-com:mac:vml" xmlns:p="http://schemas.openxmlformats.org/presentationml/2006/main" xmlns:c="http://schemas.openxmlformats.org/drawingml/2006/chart" xmlns:dgm="http://schemas.openxmlformats.org/drawingml/2006/diagram" xmlns:o="urn:schemas-microsoft-com:office:office" xmlns:v="urn:schemas-microsoft-com:vml" xmlns:pvml="urn:schemas-microsoft-com:office:powerpoint" xmlns:com="http://schemas.openxmlformats.org/drawingml/2006/compatibility" xmlns:p14="http://schemas.microsoft.com/office/powerpoint/2010/main" xmlns:p15="http://schemas.microsoft.com/office/powerpoint/2012/main" xmlns:ahyp="http://schemas.microsoft.com/office/drawing/2018/hyperlinkcolor" matchingName="Title only" type="titleOnly">
+<p:sldLayout xmlns:a="http://schemas.openxmlformats.org/drawingml/2006/main" xmlns:r="http://schemas.openxmlformats.org/officeDocument/2006/relationships" xmlns:p="http://schemas.openxmlformats.org/presentationml/2006/main" matchingName="Title only" type="titleOnly">
   <p:cSld name="TITLE_ONLY">
     <p:spTree>
       <p:nvGrpSpPr>
-        <p:cNvPr id="25" name="Shape 25"/>
+        <p:cNvPr id="1" name="Shape 25"/>
         <p:cNvGrpSpPr/>
         <p:nvPr/>
       </p:nvGrpSpPr>
@@ -3198,7 +3846,9 @@
       <p:sp>
         <p:nvSpPr>
           <p:cNvPr id="26" name="Google Shape;26;p6"/>
-          <p:cNvSpPr txBox="1"/>
+          <p:cNvSpPr txBox="1">
+            <a:spLocks noGrp="1"/>
+          </p:cNvSpPr>
           <p:nvPr>
             <p:ph type="title"/>
           </p:nvPr>
@@ -3213,7 +3863,7 @@
           </a:prstGeom>
         </p:spPr>
         <p:txBody>
-          <a:bodyPr anchorCtr="0" anchor="t" bIns="91425" lIns="91425" spcFirstLastPara="1" rIns="91425" wrap="square" tIns="91425">
+          <a:bodyPr spcFirstLastPara="1" wrap="square" lIns="91425" tIns="91425" rIns="91425" bIns="91425" anchor="t" anchorCtr="0">
             <a:normAutofit/>
           </a:bodyPr>
           <a:lstStyle>
@@ -3317,15 +3967,19 @@
               <a:defRPr/>
             </a:lvl9pPr>
           </a:lstStyle>
-          <a:p/>
+          <a:p>
+            <a:endParaRPr/>
+          </a:p>
         </p:txBody>
       </p:sp>
       <p:sp>
         <p:nvSpPr>
           <p:cNvPr id="27" name="Google Shape;27;p6"/>
-          <p:cNvSpPr txBox="1"/>
+          <p:cNvSpPr txBox="1">
+            <a:spLocks noGrp="1"/>
+          </p:cNvSpPr>
           <p:nvPr>
-            <p:ph idx="12" type="sldNum"/>
+            <p:ph type="sldNum" idx="12"/>
           </p:nvPr>
         </p:nvSpPr>
         <p:spPr>
@@ -3338,7 +3992,7 @@
           </a:prstGeom>
         </p:spPr>
         <p:txBody>
-          <a:bodyPr anchorCtr="0" anchor="ctr" bIns="91425" lIns="91425" spcFirstLastPara="1" rIns="91425" wrap="square" tIns="91425">
+          <a:bodyPr spcFirstLastPara="1" wrap="square" lIns="91425" tIns="91425" rIns="91425" bIns="91425" anchor="ctr" anchorCtr="0">
             <a:normAutofit/>
           </a:bodyPr>
           <a:lstStyle>
@@ -3380,7 +4034,7 @@
             </a:lvl9pPr>
           </a:lstStyle>
           <a:p>
-            <a:pPr indent="0" lvl="0" marL="0" rtl="0" algn="r">
+            <a:pPr marL="0" lvl="0" indent="0" algn="r" rtl="0">
               <a:spcBef>
                 <a:spcPts val="0"/>
               </a:spcBef>
@@ -3406,11 +4060,11 @@
 </file>
 
 <file path=ppt/slideLayouts/slideLayout6.xml><?xml version="1.0" encoding="utf-8"?>
-<p:sldLayout xmlns:a="http://schemas.openxmlformats.org/drawingml/2006/main" xmlns:r="http://schemas.openxmlformats.org/officeDocument/2006/relationships" xmlns:mc="http://schemas.openxmlformats.org/markup-compatibility/2006" xmlns:mv="urn:schemas-microsoft-com:mac:vml" xmlns:p="http://schemas.openxmlformats.org/presentationml/2006/main" xmlns:c="http://schemas.openxmlformats.org/drawingml/2006/chart" xmlns:dgm="http://schemas.openxmlformats.org/drawingml/2006/diagram" xmlns:o="urn:schemas-microsoft-com:office:office" xmlns:v="urn:schemas-microsoft-com:vml" xmlns:pvml="urn:schemas-microsoft-com:office:powerpoint" xmlns:com="http://schemas.openxmlformats.org/drawingml/2006/compatibility" xmlns:p14="http://schemas.microsoft.com/office/powerpoint/2010/main" xmlns:p15="http://schemas.microsoft.com/office/powerpoint/2012/main" xmlns:ahyp="http://schemas.microsoft.com/office/drawing/2018/hyperlinkcolor" matchingName="One column text">
+<p:sldLayout xmlns:a="http://schemas.openxmlformats.org/drawingml/2006/main" xmlns:r="http://schemas.openxmlformats.org/officeDocument/2006/relationships" xmlns:p="http://schemas.openxmlformats.org/presentationml/2006/main" matchingName="One column text">
   <p:cSld name="ONE_COLUMN_TEXT">
     <p:spTree>
       <p:nvGrpSpPr>
-        <p:cNvPr id="28" name="Shape 28"/>
+        <p:cNvPr id="1" name="Shape 28"/>
         <p:cNvGrpSpPr/>
         <p:nvPr/>
       </p:nvGrpSpPr>
@@ -3425,7 +4079,9 @@
       <p:sp>
         <p:nvSpPr>
           <p:cNvPr id="29" name="Google Shape;29;p7"/>
-          <p:cNvSpPr txBox="1"/>
+          <p:cNvSpPr txBox="1">
+            <a:spLocks noGrp="1"/>
+          </p:cNvSpPr>
           <p:nvPr>
             <p:ph type="title"/>
           </p:nvPr>
@@ -3440,7 +4096,7 @@
           </a:prstGeom>
         </p:spPr>
         <p:txBody>
-          <a:bodyPr anchorCtr="0" anchor="b" bIns="91425" lIns="91425" spcFirstLastPara="1" rIns="91425" wrap="square" tIns="91425">
+          <a:bodyPr spcFirstLastPara="1" wrap="square" lIns="91425" tIns="91425" rIns="91425" bIns="91425" anchor="b" anchorCtr="0">
             <a:normAutofit/>
           </a:bodyPr>
           <a:lstStyle>
@@ -3544,15 +4200,19 @@
               <a:defRPr sz="2400"/>
             </a:lvl9pPr>
           </a:lstStyle>
-          <a:p/>
+          <a:p>
+            <a:endParaRPr/>
+          </a:p>
         </p:txBody>
       </p:sp>
       <p:sp>
         <p:nvSpPr>
           <p:cNvPr id="30" name="Google Shape;30;p7"/>
-          <p:cNvSpPr txBox="1"/>
+          <p:cNvSpPr txBox="1">
+            <a:spLocks noGrp="1"/>
+          </p:cNvSpPr>
           <p:nvPr>
-            <p:ph idx="1" type="body"/>
+            <p:ph type="body" idx="1"/>
           </p:nvPr>
         </p:nvSpPr>
         <p:spPr>
@@ -3565,11 +4225,11 @@
           </a:prstGeom>
         </p:spPr>
         <p:txBody>
-          <a:bodyPr anchorCtr="0" anchor="t" bIns="91425" lIns="91425" spcFirstLastPara="1" rIns="91425" wrap="square" tIns="91425">
+          <a:bodyPr spcFirstLastPara="1" wrap="square" lIns="91425" tIns="91425" rIns="91425" bIns="91425" anchor="t" anchorCtr="0">
             <a:normAutofit/>
           </a:bodyPr>
           <a:lstStyle>
-            <a:lvl1pPr indent="-304800" lvl="0" marL="457200">
+            <a:lvl1pPr marL="457200" lvl="0" indent="-304800">
               <a:spcBef>
                 <a:spcPts val="0"/>
               </a:spcBef>
@@ -3580,7 +4240,7 @@
               <a:buChar char="●"/>
               <a:defRPr sz="1200"/>
             </a:lvl1pPr>
-            <a:lvl2pPr indent="-304800" lvl="1" marL="914400">
+            <a:lvl2pPr marL="914400" lvl="1" indent="-304800">
               <a:spcBef>
                 <a:spcPts val="0"/>
               </a:spcBef>
@@ -3591,7 +4251,7 @@
               <a:buChar char="○"/>
               <a:defRPr sz="1200"/>
             </a:lvl2pPr>
-            <a:lvl3pPr indent="-304800" lvl="2" marL="1371600">
+            <a:lvl3pPr marL="1371600" lvl="2" indent="-304800">
               <a:spcBef>
                 <a:spcPts val="0"/>
               </a:spcBef>
@@ -3602,7 +4262,7 @@
               <a:buChar char="■"/>
               <a:defRPr sz="1200"/>
             </a:lvl3pPr>
-            <a:lvl4pPr indent="-304800" lvl="3" marL="1828800">
+            <a:lvl4pPr marL="1828800" lvl="3" indent="-304800">
               <a:spcBef>
                 <a:spcPts val="0"/>
               </a:spcBef>
@@ -3613,7 +4273,7 @@
               <a:buChar char="●"/>
               <a:defRPr sz="1200"/>
             </a:lvl4pPr>
-            <a:lvl5pPr indent="-304800" lvl="4" marL="2286000">
+            <a:lvl5pPr marL="2286000" lvl="4" indent="-304800">
               <a:spcBef>
                 <a:spcPts val="0"/>
               </a:spcBef>
@@ -3624,7 +4284,7 @@
               <a:buChar char="○"/>
               <a:defRPr sz="1200"/>
             </a:lvl5pPr>
-            <a:lvl6pPr indent="-304800" lvl="5" marL="2743200">
+            <a:lvl6pPr marL="2743200" lvl="5" indent="-304800">
               <a:spcBef>
                 <a:spcPts val="0"/>
               </a:spcBef>
@@ -3635,7 +4295,7 @@
               <a:buChar char="■"/>
               <a:defRPr sz="1200"/>
             </a:lvl6pPr>
-            <a:lvl7pPr indent="-304800" lvl="6" marL="3200400">
+            <a:lvl7pPr marL="3200400" lvl="6" indent="-304800">
               <a:spcBef>
                 <a:spcPts val="0"/>
               </a:spcBef>
@@ -3646,7 +4306,7 @@
               <a:buChar char="●"/>
               <a:defRPr sz="1200"/>
             </a:lvl7pPr>
-            <a:lvl8pPr indent="-304800" lvl="7" marL="3657600">
+            <a:lvl8pPr marL="3657600" lvl="7" indent="-304800">
               <a:spcBef>
                 <a:spcPts val="0"/>
               </a:spcBef>
@@ -3657,7 +4317,7 @@
               <a:buChar char="○"/>
               <a:defRPr sz="1200"/>
             </a:lvl8pPr>
-            <a:lvl9pPr indent="-304800" lvl="8" marL="4114800">
+            <a:lvl9pPr marL="4114800" lvl="8" indent="-304800">
               <a:spcBef>
                 <a:spcPts val="0"/>
               </a:spcBef>
@@ -3669,15 +4329,19 @@
               <a:defRPr sz="1200"/>
             </a:lvl9pPr>
           </a:lstStyle>
-          <a:p/>
+          <a:p>
+            <a:endParaRPr/>
+          </a:p>
         </p:txBody>
       </p:sp>
       <p:sp>
         <p:nvSpPr>
           <p:cNvPr id="31" name="Google Shape;31;p7"/>
-          <p:cNvSpPr txBox="1"/>
+          <p:cNvSpPr txBox="1">
+            <a:spLocks noGrp="1"/>
+          </p:cNvSpPr>
           <p:nvPr>
-            <p:ph idx="12" type="sldNum"/>
+            <p:ph type="sldNum" idx="12"/>
           </p:nvPr>
         </p:nvSpPr>
         <p:spPr>
@@ -3690,7 +4354,7 @@
           </a:prstGeom>
         </p:spPr>
         <p:txBody>
-          <a:bodyPr anchorCtr="0" anchor="ctr" bIns="91425" lIns="91425" spcFirstLastPara="1" rIns="91425" wrap="square" tIns="91425">
+          <a:bodyPr spcFirstLastPara="1" wrap="square" lIns="91425" tIns="91425" rIns="91425" bIns="91425" anchor="ctr" anchorCtr="0">
             <a:normAutofit/>
           </a:bodyPr>
           <a:lstStyle>
@@ -3732,7 +4396,7 @@
             </a:lvl9pPr>
           </a:lstStyle>
           <a:p>
-            <a:pPr indent="0" lvl="0" marL="0" rtl="0" algn="r">
+            <a:pPr marL="0" lvl="0" indent="0" algn="r" rtl="0">
               <a:spcBef>
                 <a:spcPts val="0"/>
               </a:spcBef>
@@ -3758,11 +4422,11 @@
 </file>
 
 <file path=ppt/slideLayouts/slideLayout7.xml><?xml version="1.0" encoding="utf-8"?>
-<p:sldLayout xmlns:a="http://schemas.openxmlformats.org/drawingml/2006/main" xmlns:r="http://schemas.openxmlformats.org/officeDocument/2006/relationships" xmlns:mc="http://schemas.openxmlformats.org/markup-compatibility/2006" xmlns:mv="urn:schemas-microsoft-com:mac:vml" xmlns:p="http://schemas.openxmlformats.org/presentationml/2006/main" xmlns:c="http://schemas.openxmlformats.org/drawingml/2006/chart" xmlns:dgm="http://schemas.openxmlformats.org/drawingml/2006/diagram" xmlns:o="urn:schemas-microsoft-com:office:office" xmlns:v="urn:schemas-microsoft-com:vml" xmlns:pvml="urn:schemas-microsoft-com:office:powerpoint" xmlns:com="http://schemas.openxmlformats.org/drawingml/2006/compatibility" xmlns:p14="http://schemas.microsoft.com/office/powerpoint/2010/main" xmlns:p15="http://schemas.microsoft.com/office/powerpoint/2012/main" xmlns:ahyp="http://schemas.microsoft.com/office/drawing/2018/hyperlinkcolor" matchingName="Main point">
+<p:sldLayout xmlns:a="http://schemas.openxmlformats.org/drawingml/2006/main" xmlns:r="http://schemas.openxmlformats.org/officeDocument/2006/relationships" xmlns:p="http://schemas.openxmlformats.org/presentationml/2006/main" matchingName="Main point">
   <p:cSld name="MAIN_POINT">
     <p:spTree>
       <p:nvGrpSpPr>
-        <p:cNvPr id="32" name="Shape 32"/>
+        <p:cNvPr id="1" name="Shape 32"/>
         <p:cNvGrpSpPr/>
         <p:nvPr/>
       </p:nvGrpSpPr>
@@ -3777,7 +4441,9 @@
       <p:sp>
         <p:nvSpPr>
           <p:cNvPr id="33" name="Google Shape;33;p8"/>
-          <p:cNvSpPr txBox="1"/>
+          <p:cNvSpPr txBox="1">
+            <a:spLocks noGrp="1"/>
+          </p:cNvSpPr>
           <p:nvPr>
             <p:ph type="title"/>
           </p:nvPr>
@@ -3792,7 +4458,7 @@
           </a:prstGeom>
         </p:spPr>
         <p:txBody>
-          <a:bodyPr anchorCtr="0" anchor="ctr" bIns="91425" lIns="91425" spcFirstLastPara="1" rIns="91425" wrap="square" tIns="91425">
+          <a:bodyPr spcFirstLastPara="1" wrap="square" lIns="91425" tIns="91425" rIns="91425" bIns="91425" anchor="ctr" anchorCtr="0">
             <a:normAutofit/>
           </a:bodyPr>
           <a:lstStyle>
@@ -3896,15 +4562,19 @@
               <a:defRPr sz="4800"/>
             </a:lvl9pPr>
           </a:lstStyle>
-          <a:p/>
+          <a:p>
+            <a:endParaRPr/>
+          </a:p>
         </p:txBody>
       </p:sp>
       <p:sp>
         <p:nvSpPr>
           <p:cNvPr id="34" name="Google Shape;34;p8"/>
-          <p:cNvSpPr txBox="1"/>
+          <p:cNvSpPr txBox="1">
+            <a:spLocks noGrp="1"/>
+          </p:cNvSpPr>
           <p:nvPr>
-            <p:ph idx="12" type="sldNum"/>
+            <p:ph type="sldNum" idx="12"/>
           </p:nvPr>
         </p:nvSpPr>
         <p:spPr>
@@ -3917,7 +4587,7 @@
           </a:prstGeom>
         </p:spPr>
         <p:txBody>
-          <a:bodyPr anchorCtr="0" anchor="ctr" bIns="91425" lIns="91425" spcFirstLastPara="1" rIns="91425" wrap="square" tIns="91425">
+          <a:bodyPr spcFirstLastPara="1" wrap="square" lIns="91425" tIns="91425" rIns="91425" bIns="91425" anchor="ctr" anchorCtr="0">
             <a:normAutofit/>
           </a:bodyPr>
           <a:lstStyle>
@@ -3959,7 +4629,7 @@
             </a:lvl9pPr>
           </a:lstStyle>
           <a:p>
-            <a:pPr indent="0" lvl="0" marL="0" rtl="0" algn="r">
+            <a:pPr marL="0" lvl="0" indent="0" algn="r" rtl="0">
               <a:spcBef>
                 <a:spcPts val="0"/>
               </a:spcBef>
@@ -3985,11 +4655,11 @@
 </file>
 
 <file path=ppt/slideLayouts/slideLayout8.xml><?xml version="1.0" encoding="utf-8"?>
-<p:sldLayout xmlns:a="http://schemas.openxmlformats.org/drawingml/2006/main" xmlns:r="http://schemas.openxmlformats.org/officeDocument/2006/relationships" xmlns:mc="http://schemas.openxmlformats.org/markup-compatibility/2006" xmlns:mv="urn:schemas-microsoft-com:mac:vml" xmlns:p="http://schemas.openxmlformats.org/presentationml/2006/main" xmlns:c="http://schemas.openxmlformats.org/drawingml/2006/chart" xmlns:dgm="http://schemas.openxmlformats.org/drawingml/2006/diagram" xmlns:o="urn:schemas-microsoft-com:office:office" xmlns:v="urn:schemas-microsoft-com:vml" xmlns:pvml="urn:schemas-microsoft-com:office:powerpoint" xmlns:com="http://schemas.openxmlformats.org/drawingml/2006/compatibility" xmlns:p14="http://schemas.microsoft.com/office/powerpoint/2010/main" xmlns:p15="http://schemas.microsoft.com/office/powerpoint/2012/main" xmlns:ahyp="http://schemas.microsoft.com/office/drawing/2018/hyperlinkcolor" matchingName="Section title and description">
+<p:sldLayout xmlns:a="http://schemas.openxmlformats.org/drawingml/2006/main" xmlns:r="http://schemas.openxmlformats.org/officeDocument/2006/relationships" xmlns:p="http://schemas.openxmlformats.org/presentationml/2006/main" matchingName="Section title and description">
   <p:cSld name="SECTION_TITLE_AND_DESCRIPTION">
     <p:spTree>
       <p:nvGrpSpPr>
-        <p:cNvPr id="35" name="Shape 35"/>
+        <p:cNvPr id="1" name="Shape 35"/>
         <p:cNvGrpSpPr/>
         <p:nvPr/>
       </p:nvGrpSpPr>
@@ -4023,12 +4693,12 @@
           </a:ln>
         </p:spPr>
         <p:txBody>
-          <a:bodyPr anchorCtr="0" anchor="ctr" bIns="91425" lIns="91425" spcFirstLastPara="1" rIns="91425" wrap="square" tIns="91425">
+          <a:bodyPr spcFirstLastPara="1" wrap="square" lIns="91425" tIns="91425" rIns="91425" bIns="91425" anchor="ctr" anchorCtr="0">
             <a:noAutofit/>
           </a:bodyPr>
           <a:lstStyle/>
           <a:p>
-            <a:pPr indent="0" lvl="0" marL="0" rtl="0" algn="l">
+            <a:pPr marL="0" lvl="0" indent="0" algn="l" rtl="0">
               <a:spcBef>
                 <a:spcPts val="0"/>
               </a:spcBef>
@@ -4037,9 +4707,6 @@
               </a:spcAft>
               <a:buNone/>
             </a:pPr>
-            <a:r>
-              <a:t/>
-            </a:r>
             <a:endParaRPr/>
           </a:p>
         </p:txBody>
@@ -4047,7 +4714,9 @@
       <p:sp>
         <p:nvSpPr>
           <p:cNvPr id="37" name="Google Shape;37;p9"/>
-          <p:cNvSpPr txBox="1"/>
+          <p:cNvSpPr txBox="1">
+            <a:spLocks noGrp="1"/>
+          </p:cNvSpPr>
           <p:nvPr>
             <p:ph type="title"/>
           </p:nvPr>
@@ -4062,7 +4731,7 @@
           </a:prstGeom>
         </p:spPr>
         <p:txBody>
-          <a:bodyPr anchorCtr="0" anchor="b" bIns="91425" lIns="91425" spcFirstLastPara="1" rIns="91425" wrap="square" tIns="91425">
+          <a:bodyPr spcFirstLastPara="1" wrap="square" lIns="91425" tIns="91425" rIns="91425" bIns="91425" anchor="b" anchorCtr="0">
             <a:normAutofit/>
           </a:bodyPr>
           <a:lstStyle>
@@ -4166,15 +4835,19 @@
               <a:defRPr sz="4200"/>
             </a:lvl9pPr>
           </a:lstStyle>
-          <a:p/>
+          <a:p>
+            <a:endParaRPr/>
+          </a:p>
         </p:txBody>
       </p:sp>
       <p:sp>
         <p:nvSpPr>
           <p:cNvPr id="38" name="Google Shape;38;p9"/>
-          <p:cNvSpPr txBox="1"/>
+          <p:cNvSpPr txBox="1">
+            <a:spLocks noGrp="1"/>
+          </p:cNvSpPr>
           <p:nvPr>
-            <p:ph idx="1" type="subTitle"/>
+            <p:ph type="subTitle" idx="1"/>
           </p:nvPr>
         </p:nvSpPr>
         <p:spPr>
@@ -4187,7 +4860,7 @@
           </a:prstGeom>
         </p:spPr>
         <p:txBody>
-          <a:bodyPr anchorCtr="0" anchor="t" bIns="91425" lIns="91425" spcFirstLastPara="1" rIns="91425" wrap="square" tIns="91425">
+          <a:bodyPr spcFirstLastPara="1" wrap="square" lIns="91425" tIns="91425" rIns="91425" bIns="91425" anchor="t" anchorCtr="0">
             <a:normAutofit/>
           </a:bodyPr>
           <a:lstStyle>
@@ -4318,15 +4991,19 @@
               <a:defRPr sz="2100"/>
             </a:lvl9pPr>
           </a:lstStyle>
-          <a:p/>
+          <a:p>
+            <a:endParaRPr/>
+          </a:p>
         </p:txBody>
       </p:sp>
       <p:sp>
         <p:nvSpPr>
           <p:cNvPr id="39" name="Google Shape;39;p9"/>
-          <p:cNvSpPr txBox="1"/>
+          <p:cNvSpPr txBox="1">
+            <a:spLocks noGrp="1"/>
+          </p:cNvSpPr>
           <p:nvPr>
-            <p:ph idx="2" type="body"/>
+            <p:ph type="body" idx="2"/>
           </p:nvPr>
         </p:nvSpPr>
         <p:spPr>
@@ -4339,11 +5016,11 @@
           </a:prstGeom>
         </p:spPr>
         <p:txBody>
-          <a:bodyPr anchorCtr="0" anchor="ctr" bIns="91425" lIns="91425" spcFirstLastPara="1" rIns="91425" wrap="square" tIns="91425">
+          <a:bodyPr spcFirstLastPara="1" wrap="square" lIns="91425" tIns="91425" rIns="91425" bIns="91425" anchor="ctr" anchorCtr="0">
             <a:normAutofit/>
           </a:bodyPr>
           <a:lstStyle>
-            <a:lvl1pPr indent="-342900" lvl="0" marL="457200">
+            <a:lvl1pPr marL="457200" lvl="0" indent="-342900">
               <a:spcBef>
                 <a:spcPts val="0"/>
               </a:spcBef>
@@ -4361,7 +5038,7 @@
                 </a:solidFill>
               </a:defRPr>
             </a:lvl1pPr>
-            <a:lvl2pPr indent="-317500" lvl="1" marL="914400">
+            <a:lvl2pPr marL="914400" lvl="1" indent="-317500">
               <a:spcBef>
                 <a:spcPts val="0"/>
               </a:spcBef>
@@ -4379,7 +5056,7 @@
                 </a:solidFill>
               </a:defRPr>
             </a:lvl2pPr>
-            <a:lvl3pPr indent="-317500" lvl="2" marL="1371600">
+            <a:lvl3pPr marL="1371600" lvl="2" indent="-317500">
               <a:spcBef>
                 <a:spcPts val="0"/>
               </a:spcBef>
@@ -4397,7 +5074,7 @@
                 </a:solidFill>
               </a:defRPr>
             </a:lvl3pPr>
-            <a:lvl4pPr indent="-317500" lvl="3" marL="1828800">
+            <a:lvl4pPr marL="1828800" lvl="3" indent="-317500">
               <a:spcBef>
                 <a:spcPts val="0"/>
               </a:spcBef>
@@ -4415,7 +5092,7 @@
                 </a:solidFill>
               </a:defRPr>
             </a:lvl4pPr>
-            <a:lvl5pPr indent="-317500" lvl="4" marL="2286000">
+            <a:lvl5pPr marL="2286000" lvl="4" indent="-317500">
               <a:spcBef>
                 <a:spcPts val="0"/>
               </a:spcBef>
@@ -4433,7 +5110,7 @@
                 </a:solidFill>
               </a:defRPr>
             </a:lvl5pPr>
-            <a:lvl6pPr indent="-317500" lvl="5" marL="2743200">
+            <a:lvl6pPr marL="2743200" lvl="5" indent="-317500">
               <a:spcBef>
                 <a:spcPts val="0"/>
               </a:spcBef>
@@ -4451,7 +5128,7 @@
                 </a:solidFill>
               </a:defRPr>
             </a:lvl6pPr>
-            <a:lvl7pPr indent="-317500" lvl="6" marL="3200400">
+            <a:lvl7pPr marL="3200400" lvl="6" indent="-317500">
               <a:spcBef>
                 <a:spcPts val="0"/>
               </a:spcBef>
@@ -4469,7 +5146,7 @@
                 </a:solidFill>
               </a:defRPr>
             </a:lvl7pPr>
-            <a:lvl8pPr indent="-317500" lvl="7" marL="3657600">
+            <a:lvl8pPr marL="3657600" lvl="7" indent="-317500">
               <a:spcBef>
                 <a:spcPts val="0"/>
               </a:spcBef>
@@ -4487,7 +5164,7 @@
                 </a:solidFill>
               </a:defRPr>
             </a:lvl8pPr>
-            <a:lvl9pPr indent="-317500" lvl="8" marL="4114800">
+            <a:lvl9pPr marL="4114800" lvl="8" indent="-317500">
               <a:spcBef>
                 <a:spcPts val="0"/>
               </a:spcBef>
@@ -4506,15 +5183,19 @@
               </a:defRPr>
             </a:lvl9pPr>
           </a:lstStyle>
-          <a:p/>
+          <a:p>
+            <a:endParaRPr/>
+          </a:p>
         </p:txBody>
       </p:sp>
       <p:sp>
         <p:nvSpPr>
           <p:cNvPr id="40" name="Google Shape;40;p9"/>
-          <p:cNvSpPr txBox="1"/>
+          <p:cNvSpPr txBox="1">
+            <a:spLocks noGrp="1"/>
+          </p:cNvSpPr>
           <p:nvPr>
-            <p:ph idx="12" type="sldNum"/>
+            <p:ph type="sldNum" idx="12"/>
           </p:nvPr>
         </p:nvSpPr>
         <p:spPr>
@@ -4527,7 +5208,7 @@
           </a:prstGeom>
         </p:spPr>
         <p:txBody>
-          <a:bodyPr anchorCtr="0" anchor="ctr" bIns="91425" lIns="91425" spcFirstLastPara="1" rIns="91425" wrap="square" tIns="91425">
+          <a:bodyPr spcFirstLastPara="1" wrap="square" lIns="91425" tIns="91425" rIns="91425" bIns="91425" anchor="ctr" anchorCtr="0">
             <a:normAutofit/>
           </a:bodyPr>
           <a:lstStyle>
@@ -4569,7 +5250,7 @@
             </a:lvl9pPr>
           </a:lstStyle>
           <a:p>
-            <a:pPr indent="0" lvl="0" marL="0" rtl="0" algn="r">
+            <a:pPr marL="0" lvl="0" indent="0" algn="r" rtl="0">
               <a:spcBef>
                 <a:spcPts val="0"/>
               </a:spcBef>
@@ -4595,11 +5276,11 @@
 </file>
 
 <file path=ppt/slideLayouts/slideLayout9.xml><?xml version="1.0" encoding="utf-8"?>
-<p:sldLayout xmlns:a="http://schemas.openxmlformats.org/drawingml/2006/main" xmlns:r="http://schemas.openxmlformats.org/officeDocument/2006/relationships" xmlns:mc="http://schemas.openxmlformats.org/markup-compatibility/2006" xmlns:mv="urn:schemas-microsoft-com:mac:vml" xmlns:p="http://schemas.openxmlformats.org/presentationml/2006/main" xmlns:c="http://schemas.openxmlformats.org/drawingml/2006/chart" xmlns:dgm="http://schemas.openxmlformats.org/drawingml/2006/diagram" xmlns:o="urn:schemas-microsoft-com:office:office" xmlns:v="urn:schemas-microsoft-com:vml" xmlns:pvml="urn:schemas-microsoft-com:office:powerpoint" xmlns:com="http://schemas.openxmlformats.org/drawingml/2006/compatibility" xmlns:p14="http://schemas.microsoft.com/office/powerpoint/2010/main" xmlns:p15="http://schemas.microsoft.com/office/powerpoint/2012/main" xmlns:ahyp="http://schemas.microsoft.com/office/drawing/2018/hyperlinkcolor" matchingName="Caption">
+<p:sldLayout xmlns:a="http://schemas.openxmlformats.org/drawingml/2006/main" xmlns:r="http://schemas.openxmlformats.org/officeDocument/2006/relationships" xmlns:p="http://schemas.openxmlformats.org/presentationml/2006/main" matchingName="Caption">
   <p:cSld name="CAPTION_ONLY">
     <p:spTree>
       <p:nvGrpSpPr>
-        <p:cNvPr id="41" name="Shape 41"/>
+        <p:cNvPr id="1" name="Shape 41"/>
         <p:cNvGrpSpPr/>
         <p:nvPr/>
       </p:nvGrpSpPr>
@@ -4614,9 +5295,11 @@
       <p:sp>
         <p:nvSpPr>
           <p:cNvPr id="42" name="Google Shape;42;p10"/>
-          <p:cNvSpPr txBox="1"/>
+          <p:cNvSpPr txBox="1">
+            <a:spLocks noGrp="1"/>
+          </p:cNvSpPr>
           <p:nvPr>
-            <p:ph idx="1" type="body"/>
+            <p:ph type="body" idx="1"/>
           </p:nvPr>
         </p:nvSpPr>
         <p:spPr>
@@ -4629,11 +5312,11 @@
           </a:prstGeom>
         </p:spPr>
         <p:txBody>
-          <a:bodyPr anchorCtr="0" anchor="ctr" bIns="91425" lIns="91425" spcFirstLastPara="1" rIns="91425" wrap="square" tIns="91425">
+          <a:bodyPr spcFirstLastPara="1" wrap="square" lIns="91425" tIns="91425" rIns="91425" bIns="91425" anchor="ctr" anchorCtr="0">
             <a:normAutofit/>
           </a:bodyPr>
           <a:lstStyle>
-            <a:lvl1pPr indent="-228600" lvl="0" marL="457200">
+            <a:lvl1pPr marL="457200" lvl="0" indent="-228600">
               <a:lnSpc>
                 <a:spcPct val="100000"/>
               </a:lnSpc>
@@ -4648,15 +5331,19 @@
               <a:defRPr/>
             </a:lvl1pPr>
           </a:lstStyle>
-          <a:p/>
+          <a:p>
+            <a:endParaRPr/>
+          </a:p>
         </p:txBody>
       </p:sp>
       <p:sp>
         <p:nvSpPr>
           <p:cNvPr id="43" name="Google Shape;43;p10"/>
-          <p:cNvSpPr txBox="1"/>
+          <p:cNvSpPr txBox="1">
+            <a:spLocks noGrp="1"/>
+          </p:cNvSpPr>
           <p:nvPr>
-            <p:ph idx="12" type="sldNum"/>
+            <p:ph type="sldNum" idx="12"/>
           </p:nvPr>
         </p:nvSpPr>
         <p:spPr>
@@ -4669,7 +5356,7 @@
           </a:prstGeom>
         </p:spPr>
         <p:txBody>
-          <a:bodyPr anchorCtr="0" anchor="ctr" bIns="91425" lIns="91425" spcFirstLastPara="1" rIns="91425" wrap="square" tIns="91425">
+          <a:bodyPr spcFirstLastPara="1" wrap="square" lIns="91425" tIns="91425" rIns="91425" bIns="91425" anchor="ctr" anchorCtr="0">
             <a:normAutofit/>
           </a:bodyPr>
           <a:lstStyle>
@@ -4711,7 +5398,7 @@
             </a:lvl9pPr>
           </a:lstStyle>
           <a:p>
-            <a:pPr indent="0" lvl="0" marL="0" rtl="0" algn="r">
+            <a:pPr marL="0" lvl="0" indent="0" algn="r" rtl="0">
               <a:spcBef>
                 <a:spcPts val="0"/>
               </a:spcBef>
@@ -4737,18 +5424,19 @@
 </file>
 
 <file path=ppt/slideMasters/slideMaster1.xml><?xml version="1.0" encoding="utf-8"?>
-<p:sldMaster xmlns:a="http://schemas.openxmlformats.org/drawingml/2006/main" xmlns:r="http://schemas.openxmlformats.org/officeDocument/2006/relationships" xmlns:mc="http://schemas.openxmlformats.org/markup-compatibility/2006" xmlns:mv="urn:schemas-microsoft-com:mac:vml" xmlns:p="http://schemas.openxmlformats.org/presentationml/2006/main" xmlns:c="http://schemas.openxmlformats.org/drawingml/2006/chart" xmlns:dgm="http://schemas.openxmlformats.org/drawingml/2006/diagram" xmlns:o="urn:schemas-microsoft-com:office:office" xmlns:v="urn:schemas-microsoft-com:vml" xmlns:pvml="urn:schemas-microsoft-com:office:powerpoint" xmlns:com="http://schemas.openxmlformats.org/drawingml/2006/compatibility" xmlns:p14="http://schemas.microsoft.com/office/powerpoint/2010/main" xmlns:p15="http://schemas.microsoft.com/office/powerpoint/2012/main" xmlns:ahyp="http://schemas.microsoft.com/office/drawing/2018/hyperlinkcolor">
+<p:sldMaster xmlns:a="http://schemas.openxmlformats.org/drawingml/2006/main" xmlns:r="http://schemas.openxmlformats.org/officeDocument/2006/relationships" xmlns:p="http://schemas.openxmlformats.org/presentationml/2006/main">
   <p:cSld name="simple-dark-2">
     <p:bg>
       <p:bgPr>
         <a:solidFill>
           <a:schemeClr val="lt1"/>
         </a:solidFill>
+        <a:effectLst/>
       </p:bgPr>
     </p:bg>
     <p:spTree>
       <p:nvGrpSpPr>
-        <p:cNvPr id="5" name="Shape 5"/>
+        <p:cNvPr id="1" name="Shape 5"/>
         <p:cNvGrpSpPr/>
         <p:nvPr/>
       </p:nvGrpSpPr>
@@ -4763,7 +5451,9 @@
       <p:sp>
         <p:nvSpPr>
           <p:cNvPr id="6" name="Google Shape;6;p1"/>
-          <p:cNvSpPr txBox="1"/>
+          <p:cNvSpPr txBox="1">
+            <a:spLocks noGrp="1"/>
+          </p:cNvSpPr>
           <p:nvPr>
             <p:ph type="title"/>
           </p:nvPr>
@@ -4782,7 +5472,7 @@
           </a:ln>
         </p:spPr>
         <p:txBody>
-          <a:bodyPr anchorCtr="0" anchor="t" bIns="91425" lIns="91425" spcFirstLastPara="1" rIns="91425" wrap="square" tIns="91425">
+          <a:bodyPr spcFirstLastPara="1" wrap="square" lIns="91425" tIns="91425" rIns="91425" bIns="91425" anchor="t" anchorCtr="0">
             <a:normAutofit/>
           </a:bodyPr>
           <a:lstStyle>
@@ -4949,15 +5639,19 @@
               </a:defRPr>
             </a:lvl9pPr>
           </a:lstStyle>
-          <a:p/>
+          <a:p>
+            <a:endParaRPr/>
+          </a:p>
         </p:txBody>
       </p:sp>
       <p:sp>
         <p:nvSpPr>
           <p:cNvPr id="7" name="Google Shape;7;p1"/>
-          <p:cNvSpPr txBox="1"/>
+          <p:cNvSpPr txBox="1">
+            <a:spLocks noGrp="1"/>
+          </p:cNvSpPr>
           <p:nvPr>
-            <p:ph idx="1" type="body"/>
+            <p:ph type="body" idx="1"/>
           </p:nvPr>
         </p:nvSpPr>
         <p:spPr>
@@ -4974,11 +5668,11 @@
           </a:ln>
         </p:spPr>
         <p:txBody>
-          <a:bodyPr anchorCtr="0" anchor="t" bIns="91425" lIns="91425" spcFirstLastPara="1" rIns="91425" wrap="square" tIns="91425">
+          <a:bodyPr spcFirstLastPara="1" wrap="square" lIns="91425" tIns="91425" rIns="91425" bIns="91425" anchor="t" anchorCtr="0">
             <a:normAutofit/>
           </a:bodyPr>
           <a:lstStyle>
-            <a:lvl1pPr indent="-342900" lvl="0" marL="457200">
+            <a:lvl1pPr marL="457200" lvl="0" indent="-342900">
               <a:lnSpc>
                 <a:spcPct val="115000"/>
               </a:lnSpc>
@@ -4999,7 +5693,7 @@
                 </a:solidFill>
               </a:defRPr>
             </a:lvl1pPr>
-            <a:lvl2pPr indent="-317500" lvl="1" marL="914400">
+            <a:lvl2pPr marL="914400" lvl="1" indent="-317500">
               <a:lnSpc>
                 <a:spcPct val="115000"/>
               </a:lnSpc>
@@ -5020,7 +5714,7 @@
                 </a:solidFill>
               </a:defRPr>
             </a:lvl2pPr>
-            <a:lvl3pPr indent="-317500" lvl="2" marL="1371600">
+            <a:lvl3pPr marL="1371600" lvl="2" indent="-317500">
               <a:lnSpc>
                 <a:spcPct val="115000"/>
               </a:lnSpc>
@@ -5041,7 +5735,7 @@
                 </a:solidFill>
               </a:defRPr>
             </a:lvl3pPr>
-            <a:lvl4pPr indent="-317500" lvl="3" marL="1828800">
+            <a:lvl4pPr marL="1828800" lvl="3" indent="-317500">
               <a:lnSpc>
                 <a:spcPct val="115000"/>
               </a:lnSpc>
@@ -5062,7 +5756,7 @@
                 </a:solidFill>
               </a:defRPr>
             </a:lvl4pPr>
-            <a:lvl5pPr indent="-317500" lvl="4" marL="2286000">
+            <a:lvl5pPr marL="2286000" lvl="4" indent="-317500">
               <a:lnSpc>
                 <a:spcPct val="115000"/>
               </a:lnSpc>
@@ -5083,7 +5777,7 @@
                 </a:solidFill>
               </a:defRPr>
             </a:lvl5pPr>
-            <a:lvl6pPr indent="-317500" lvl="5" marL="2743200">
+            <a:lvl6pPr marL="2743200" lvl="5" indent="-317500">
               <a:lnSpc>
                 <a:spcPct val="115000"/>
               </a:lnSpc>
@@ -5104,7 +5798,7 @@
                 </a:solidFill>
               </a:defRPr>
             </a:lvl6pPr>
-            <a:lvl7pPr indent="-317500" lvl="6" marL="3200400">
+            <a:lvl7pPr marL="3200400" lvl="6" indent="-317500">
               <a:lnSpc>
                 <a:spcPct val="115000"/>
               </a:lnSpc>
@@ -5125,7 +5819,7 @@
                 </a:solidFill>
               </a:defRPr>
             </a:lvl7pPr>
-            <a:lvl8pPr indent="-317500" lvl="7" marL="3657600">
+            <a:lvl8pPr marL="3657600" lvl="7" indent="-317500">
               <a:lnSpc>
                 <a:spcPct val="115000"/>
               </a:lnSpc>
@@ -5146,7 +5840,7 @@
                 </a:solidFill>
               </a:defRPr>
             </a:lvl8pPr>
-            <a:lvl9pPr indent="-317500" lvl="8" marL="4114800">
+            <a:lvl9pPr marL="4114800" lvl="8" indent="-317500">
               <a:lnSpc>
                 <a:spcPct val="115000"/>
               </a:lnSpc>
@@ -5168,15 +5862,19 @@
               </a:defRPr>
             </a:lvl9pPr>
           </a:lstStyle>
-          <a:p/>
+          <a:p>
+            <a:endParaRPr/>
+          </a:p>
         </p:txBody>
       </p:sp>
       <p:sp>
         <p:nvSpPr>
           <p:cNvPr id="8" name="Google Shape;8;p1"/>
-          <p:cNvSpPr txBox="1"/>
+          <p:cNvSpPr txBox="1">
+            <a:spLocks noGrp="1"/>
+          </p:cNvSpPr>
           <p:nvPr>
-            <p:ph idx="12" type="sldNum"/>
+            <p:ph type="sldNum" idx="12"/>
           </p:nvPr>
         </p:nvSpPr>
         <p:spPr>
@@ -5193,7 +5891,7 @@
           </a:ln>
         </p:spPr>
         <p:txBody>
-          <a:bodyPr anchorCtr="0" anchor="ctr" bIns="91425" lIns="91425" spcFirstLastPara="1" rIns="91425" wrap="square" tIns="91425">
+          <a:bodyPr spcFirstLastPara="1" wrap="square" lIns="91425" tIns="91425" rIns="91425" bIns="91425" anchor="ctr" anchorCtr="0">
             <a:normAutofit/>
           </a:bodyPr>
           <a:lstStyle>
@@ -5271,7 +5969,7 @@
             </a:lvl9pPr>
           </a:lstStyle>
           <a:p>
-            <a:pPr indent="0" lvl="0" marL="0" rtl="0" algn="r">
+            <a:pPr marL="0" lvl="0" indent="0" algn="r" rtl="0">
               <a:spcBef>
                 <a:spcPts val="0"/>
               </a:spcBef>
@@ -5290,7 +5988,7 @@
       </p:sp>
     </p:spTree>
   </p:cSld>
-  <p:clrMap accent1="accent1" accent2="accent2" accent3="accent3" accent4="accent4" accent5="accent5" accent6="accent6" bg1="lt1" bg2="dk2" tx1="dk1" tx2="lt2" folHlink="folHlink" hlink="hlink"/>
+  <p:clrMap bg1="lt1" tx1="dk1" bg2="dk2" tx2="lt2" accent1="accent1" accent2="accent2" accent3="accent3" accent4="accent4" accent5="accent5" accent6="accent6" hlink="hlink" folHlink="folHlink"/>
   <p:sldLayoutIdLst>
     <p:sldLayoutId id="2147483648" r:id="rId1"/>
     <p:sldLayoutId id="2147483649" r:id="rId2"/>
@@ -5304,10 +6002,10 @@
     <p:sldLayoutId id="2147483657" r:id="rId10"/>
     <p:sldLayoutId id="2147483658" r:id="rId11"/>
   </p:sldLayoutIdLst>
-  <p:hf dt="0" ftr="0" hdr="0" sldNum="0"/>
+  <p:hf sldNum="0" hdr="0" ftr="0" dt="0"/>
   <p:txStyles>
     <p:titleStyle>
-      <a:defPPr lvl="0" marR="0" rtl="0" algn="l">
+      <a:defPPr marR="0" lvl="0" algn="l" rtl="0">
         <a:lnSpc>
           <a:spcPct val="100000"/>
         </a:lnSpc>
@@ -5318,7 +6016,7 @@
           <a:spcPts val="0"/>
         </a:spcAft>
       </a:defPPr>
-      <a:lvl1pPr lvl="0" marR="0" rtl="0" algn="l">
+      <a:lvl1pPr marR="0" lvl="0" algn="l" rtl="0">
         <a:lnSpc>
           <a:spcPct val="100000"/>
         </a:lnSpc>
@@ -5332,7 +6030,7 @@
           <a:srgbClr val="000000"/>
         </a:buClr>
         <a:buFont typeface="Arial"/>
-        <a:defRPr b="0" i="0" sz="1400" u="none" cap="none" strike="noStrike">
+        <a:defRPr sz="1400" b="0" i="0" u="none" strike="noStrike" cap="none">
           <a:solidFill>
             <a:srgbClr val="000000"/>
           </a:solidFill>
@@ -5342,7 +6040,7 @@
           <a:sym typeface="Arial"/>
         </a:defRPr>
       </a:lvl1pPr>
-      <a:lvl2pPr lvl="1" marR="0" rtl="0" algn="l">
+      <a:lvl2pPr marR="0" lvl="1" algn="l" rtl="0">
         <a:lnSpc>
           <a:spcPct val="100000"/>
         </a:lnSpc>
@@ -5356,7 +6054,7 @@
           <a:srgbClr val="000000"/>
         </a:buClr>
         <a:buFont typeface="Arial"/>
-        <a:defRPr b="0" i="0" sz="1400" u="none" cap="none" strike="noStrike">
+        <a:defRPr sz="1400" b="0" i="0" u="none" strike="noStrike" cap="none">
           <a:solidFill>
             <a:srgbClr val="000000"/>
           </a:solidFill>
@@ -5366,7 +6064,7 @@
           <a:sym typeface="Arial"/>
         </a:defRPr>
       </a:lvl2pPr>
-      <a:lvl3pPr lvl="2" marR="0" rtl="0" algn="l">
+      <a:lvl3pPr marR="0" lvl="2" algn="l" rtl="0">
         <a:lnSpc>
           <a:spcPct val="100000"/>
         </a:lnSpc>
@@ -5380,7 +6078,7 @@
           <a:srgbClr val="000000"/>
         </a:buClr>
         <a:buFont typeface="Arial"/>
-        <a:defRPr b="0" i="0" sz="1400" u="none" cap="none" strike="noStrike">
+        <a:defRPr sz="1400" b="0" i="0" u="none" strike="noStrike" cap="none">
           <a:solidFill>
             <a:srgbClr val="000000"/>
           </a:solidFill>
@@ -5390,7 +6088,7 @@
           <a:sym typeface="Arial"/>
         </a:defRPr>
       </a:lvl3pPr>
-      <a:lvl4pPr lvl="3" marR="0" rtl="0" algn="l">
+      <a:lvl4pPr marR="0" lvl="3" algn="l" rtl="0">
         <a:lnSpc>
           <a:spcPct val="100000"/>
         </a:lnSpc>
@@ -5404,7 +6102,7 @@
           <a:srgbClr val="000000"/>
         </a:buClr>
         <a:buFont typeface="Arial"/>
-        <a:defRPr b="0" i="0" sz="1400" u="none" cap="none" strike="noStrike">
+        <a:defRPr sz="1400" b="0" i="0" u="none" strike="noStrike" cap="none">
           <a:solidFill>
             <a:srgbClr val="000000"/>
           </a:solidFill>
@@ -5414,7 +6112,7 @@
           <a:sym typeface="Arial"/>
         </a:defRPr>
       </a:lvl4pPr>
-      <a:lvl5pPr lvl="4" marR="0" rtl="0" algn="l">
+      <a:lvl5pPr marR="0" lvl="4" algn="l" rtl="0">
         <a:lnSpc>
           <a:spcPct val="100000"/>
         </a:lnSpc>
@@ -5428,7 +6126,7 @@
           <a:srgbClr val="000000"/>
         </a:buClr>
         <a:buFont typeface="Arial"/>
-        <a:defRPr b="0" i="0" sz="1400" u="none" cap="none" strike="noStrike">
+        <a:defRPr sz="1400" b="0" i="0" u="none" strike="noStrike" cap="none">
           <a:solidFill>
             <a:srgbClr val="000000"/>
           </a:solidFill>
@@ -5438,7 +6136,7 @@
           <a:sym typeface="Arial"/>
         </a:defRPr>
       </a:lvl5pPr>
-      <a:lvl6pPr lvl="5" marR="0" rtl="0" algn="l">
+      <a:lvl6pPr marR="0" lvl="5" algn="l" rtl="0">
         <a:lnSpc>
           <a:spcPct val="100000"/>
         </a:lnSpc>
@@ -5452,7 +6150,7 @@
           <a:srgbClr val="000000"/>
         </a:buClr>
         <a:buFont typeface="Arial"/>
-        <a:defRPr b="0" i="0" sz="1400" u="none" cap="none" strike="noStrike">
+        <a:defRPr sz="1400" b="0" i="0" u="none" strike="noStrike" cap="none">
           <a:solidFill>
             <a:srgbClr val="000000"/>
           </a:solidFill>
@@ -5462,7 +6160,7 @@
           <a:sym typeface="Arial"/>
         </a:defRPr>
       </a:lvl6pPr>
-      <a:lvl7pPr lvl="6" marR="0" rtl="0" algn="l">
+      <a:lvl7pPr marR="0" lvl="6" algn="l" rtl="0">
         <a:lnSpc>
           <a:spcPct val="100000"/>
         </a:lnSpc>
@@ -5476,7 +6174,7 @@
           <a:srgbClr val="000000"/>
         </a:buClr>
         <a:buFont typeface="Arial"/>
-        <a:defRPr b="0" i="0" sz="1400" u="none" cap="none" strike="noStrike">
+        <a:defRPr sz="1400" b="0" i="0" u="none" strike="noStrike" cap="none">
           <a:solidFill>
             <a:srgbClr val="000000"/>
           </a:solidFill>
@@ -5486,7 +6184,7 @@
           <a:sym typeface="Arial"/>
         </a:defRPr>
       </a:lvl7pPr>
-      <a:lvl8pPr lvl="7" marR="0" rtl="0" algn="l">
+      <a:lvl8pPr marR="0" lvl="7" algn="l" rtl="0">
         <a:lnSpc>
           <a:spcPct val="100000"/>
         </a:lnSpc>
@@ -5500,7 +6198,7 @@
           <a:srgbClr val="000000"/>
         </a:buClr>
         <a:buFont typeface="Arial"/>
-        <a:defRPr b="0" i="0" sz="1400" u="none" cap="none" strike="noStrike">
+        <a:defRPr sz="1400" b="0" i="0" u="none" strike="noStrike" cap="none">
           <a:solidFill>
             <a:srgbClr val="000000"/>
           </a:solidFill>
@@ -5510,7 +6208,7 @@
           <a:sym typeface="Arial"/>
         </a:defRPr>
       </a:lvl8pPr>
-      <a:lvl9pPr lvl="8" marR="0" rtl="0" algn="l">
+      <a:lvl9pPr marR="0" lvl="8" algn="l" rtl="0">
         <a:lnSpc>
           <a:spcPct val="100000"/>
         </a:lnSpc>
@@ -5524,7 +6222,7 @@
           <a:srgbClr val="000000"/>
         </a:buClr>
         <a:buFont typeface="Arial"/>
-        <a:defRPr b="0" i="0" sz="1400" u="none" cap="none" strike="noStrike">
+        <a:defRPr sz="1400" b="0" i="0" u="none" strike="noStrike" cap="none">
           <a:solidFill>
             <a:srgbClr val="000000"/>
           </a:solidFill>
@@ -5536,7 +6234,7 @@
       </a:lvl9pPr>
     </p:titleStyle>
     <p:bodyStyle>
-      <a:defPPr lvl="0" marR="0" rtl="0" algn="l">
+      <a:defPPr marR="0" lvl="0" algn="l" rtl="0">
         <a:lnSpc>
           <a:spcPct val="100000"/>
         </a:lnSpc>
@@ -5547,7 +6245,7 @@
           <a:spcPts val="0"/>
         </a:spcAft>
       </a:defPPr>
-      <a:lvl1pPr lvl="0" marR="0" rtl="0" algn="l">
+      <a:lvl1pPr marR="0" lvl="0" algn="l" rtl="0">
         <a:lnSpc>
           <a:spcPct val="100000"/>
         </a:lnSpc>
@@ -5561,7 +6259,7 @@
           <a:srgbClr val="000000"/>
         </a:buClr>
         <a:buFont typeface="Arial"/>
-        <a:defRPr b="0" i="0" sz="1400" u="none" cap="none" strike="noStrike">
+        <a:defRPr sz="1400" b="0" i="0" u="none" strike="noStrike" cap="none">
           <a:solidFill>
             <a:srgbClr val="000000"/>
           </a:solidFill>
@@ -5571,7 +6269,7 @@
           <a:sym typeface="Arial"/>
         </a:defRPr>
       </a:lvl1pPr>
-      <a:lvl2pPr lvl="1" marR="0" rtl="0" algn="l">
+      <a:lvl2pPr marR="0" lvl="1" algn="l" rtl="0">
         <a:lnSpc>
           <a:spcPct val="100000"/>
         </a:lnSpc>
@@ -5585,7 +6283,7 @@
           <a:srgbClr val="000000"/>
         </a:buClr>
         <a:buFont typeface="Arial"/>
-        <a:defRPr b="0" i="0" sz="1400" u="none" cap="none" strike="noStrike">
+        <a:defRPr sz="1400" b="0" i="0" u="none" strike="noStrike" cap="none">
           <a:solidFill>
             <a:srgbClr val="000000"/>
           </a:solidFill>
@@ -5595,7 +6293,7 @@
           <a:sym typeface="Arial"/>
         </a:defRPr>
       </a:lvl2pPr>
-      <a:lvl3pPr lvl="2" marR="0" rtl="0" algn="l">
+      <a:lvl3pPr marR="0" lvl="2" algn="l" rtl="0">
         <a:lnSpc>
           <a:spcPct val="100000"/>
         </a:lnSpc>
@@ -5609,7 +6307,7 @@
           <a:srgbClr val="000000"/>
         </a:buClr>
         <a:buFont typeface="Arial"/>
-        <a:defRPr b="0" i="0" sz="1400" u="none" cap="none" strike="noStrike">
+        <a:defRPr sz="1400" b="0" i="0" u="none" strike="noStrike" cap="none">
           <a:solidFill>
             <a:srgbClr val="000000"/>
           </a:solidFill>
@@ -5619,7 +6317,7 @@
           <a:sym typeface="Arial"/>
         </a:defRPr>
       </a:lvl3pPr>
-      <a:lvl4pPr lvl="3" marR="0" rtl="0" algn="l">
+      <a:lvl4pPr marR="0" lvl="3" algn="l" rtl="0">
         <a:lnSpc>
           <a:spcPct val="100000"/>
         </a:lnSpc>
@@ -5633,7 +6331,7 @@
           <a:srgbClr val="000000"/>
         </a:buClr>
         <a:buFont typeface="Arial"/>
-        <a:defRPr b="0" i="0" sz="1400" u="none" cap="none" strike="noStrike">
+        <a:defRPr sz="1400" b="0" i="0" u="none" strike="noStrike" cap="none">
           <a:solidFill>
             <a:srgbClr val="000000"/>
           </a:solidFill>
@@ -5643,7 +6341,7 @@
           <a:sym typeface="Arial"/>
         </a:defRPr>
       </a:lvl4pPr>
-      <a:lvl5pPr lvl="4" marR="0" rtl="0" algn="l">
+      <a:lvl5pPr marR="0" lvl="4" algn="l" rtl="0">
         <a:lnSpc>
           <a:spcPct val="100000"/>
         </a:lnSpc>
@@ -5657,7 +6355,7 @@
           <a:srgbClr val="000000"/>
         </a:buClr>
         <a:buFont typeface="Arial"/>
-        <a:defRPr b="0" i="0" sz="1400" u="none" cap="none" strike="noStrike">
+        <a:defRPr sz="1400" b="0" i="0" u="none" strike="noStrike" cap="none">
           <a:solidFill>
             <a:srgbClr val="000000"/>
           </a:solidFill>
@@ -5667,7 +6365,7 @@
           <a:sym typeface="Arial"/>
         </a:defRPr>
       </a:lvl5pPr>
-      <a:lvl6pPr lvl="5" marR="0" rtl="0" algn="l">
+      <a:lvl6pPr marR="0" lvl="5" algn="l" rtl="0">
         <a:lnSpc>
           <a:spcPct val="100000"/>
         </a:lnSpc>
@@ -5681,7 +6379,7 @@
           <a:srgbClr val="000000"/>
         </a:buClr>
         <a:buFont typeface="Arial"/>
-        <a:defRPr b="0" i="0" sz="1400" u="none" cap="none" strike="noStrike">
+        <a:defRPr sz="1400" b="0" i="0" u="none" strike="noStrike" cap="none">
           <a:solidFill>
             <a:srgbClr val="000000"/>
           </a:solidFill>
@@ -5691,7 +6389,7 @@
           <a:sym typeface="Arial"/>
         </a:defRPr>
       </a:lvl6pPr>
-      <a:lvl7pPr lvl="6" marR="0" rtl="0" algn="l">
+      <a:lvl7pPr marR="0" lvl="6" algn="l" rtl="0">
         <a:lnSpc>
           <a:spcPct val="100000"/>
         </a:lnSpc>
@@ -5705,7 +6403,7 @@
           <a:srgbClr val="000000"/>
         </a:buClr>
         <a:buFont typeface="Arial"/>
-        <a:defRPr b="0" i="0" sz="1400" u="none" cap="none" strike="noStrike">
+        <a:defRPr sz="1400" b="0" i="0" u="none" strike="noStrike" cap="none">
           <a:solidFill>
             <a:srgbClr val="000000"/>
           </a:solidFill>
@@ -5715,7 +6413,7 @@
           <a:sym typeface="Arial"/>
         </a:defRPr>
       </a:lvl7pPr>
-      <a:lvl8pPr lvl="7" marR="0" rtl="0" algn="l">
+      <a:lvl8pPr marR="0" lvl="7" algn="l" rtl="0">
         <a:lnSpc>
           <a:spcPct val="100000"/>
         </a:lnSpc>
@@ -5729,7 +6427,7 @@
           <a:srgbClr val="000000"/>
         </a:buClr>
         <a:buFont typeface="Arial"/>
-        <a:defRPr b="0" i="0" sz="1400" u="none" cap="none" strike="noStrike">
+        <a:defRPr sz="1400" b="0" i="0" u="none" strike="noStrike" cap="none">
           <a:solidFill>
             <a:srgbClr val="000000"/>
           </a:solidFill>
@@ -5739,7 +6437,7 @@
           <a:sym typeface="Arial"/>
         </a:defRPr>
       </a:lvl8pPr>
-      <a:lvl9pPr lvl="8" marR="0" rtl="0" algn="l">
+      <a:lvl9pPr marR="0" lvl="8" algn="l" rtl="0">
         <a:lnSpc>
           <a:spcPct val="100000"/>
         </a:lnSpc>
@@ -5753,7 +6451,7 @@
           <a:srgbClr val="000000"/>
         </a:buClr>
         <a:buFont typeface="Arial"/>
-        <a:defRPr b="0" i="0" sz="1400" u="none" cap="none" strike="noStrike">
+        <a:defRPr sz="1400" b="0" i="0" u="none" strike="noStrike" cap="none">
           <a:solidFill>
             <a:srgbClr val="000000"/>
           </a:solidFill>
@@ -5765,7 +6463,7 @@
       </a:lvl9pPr>
     </p:bodyStyle>
     <p:otherStyle>
-      <a:defPPr lvl="0" marR="0" rtl="0" algn="l">
+      <a:defPPr marR="0" lvl="0" algn="l" rtl="0">
         <a:lnSpc>
           <a:spcPct val="100000"/>
         </a:lnSpc>
@@ -5776,7 +6474,7 @@
           <a:spcPts val="0"/>
         </a:spcAft>
       </a:defPPr>
-      <a:lvl1pPr lvl="0" marR="0" rtl="0" algn="l">
+      <a:lvl1pPr marR="0" lvl="0" algn="l" rtl="0">
         <a:lnSpc>
           <a:spcPct val="100000"/>
         </a:lnSpc>
@@ -5790,7 +6488,7 @@
           <a:srgbClr val="000000"/>
         </a:buClr>
         <a:buFont typeface="Arial"/>
-        <a:defRPr b="0" i="0" sz="1400" u="none" cap="none" strike="noStrike">
+        <a:defRPr sz="1400" b="0" i="0" u="none" strike="noStrike" cap="none">
           <a:solidFill>
             <a:srgbClr val="000000"/>
           </a:solidFill>
@@ -5800,7 +6498,7 @@
           <a:sym typeface="Arial"/>
         </a:defRPr>
       </a:lvl1pPr>
-      <a:lvl2pPr lvl="1" marR="0" rtl="0" algn="l">
+      <a:lvl2pPr marR="0" lvl="1" algn="l" rtl="0">
         <a:lnSpc>
           <a:spcPct val="100000"/>
         </a:lnSpc>
@@ -5814,7 +6512,7 @@
           <a:srgbClr val="000000"/>
         </a:buClr>
         <a:buFont typeface="Arial"/>
-        <a:defRPr b="0" i="0" sz="1400" u="none" cap="none" strike="noStrike">
+        <a:defRPr sz="1400" b="0" i="0" u="none" strike="noStrike" cap="none">
           <a:solidFill>
             <a:srgbClr val="000000"/>
           </a:solidFill>
@@ -5824,7 +6522,7 @@
           <a:sym typeface="Arial"/>
         </a:defRPr>
       </a:lvl2pPr>
-      <a:lvl3pPr lvl="2" marR="0" rtl="0" algn="l">
+      <a:lvl3pPr marR="0" lvl="2" algn="l" rtl="0">
         <a:lnSpc>
           <a:spcPct val="100000"/>
         </a:lnSpc>
@@ -5838,7 +6536,7 @@
           <a:srgbClr val="000000"/>
         </a:buClr>
         <a:buFont typeface="Arial"/>
-        <a:defRPr b="0" i="0" sz="1400" u="none" cap="none" strike="noStrike">
+        <a:defRPr sz="1400" b="0" i="0" u="none" strike="noStrike" cap="none">
           <a:solidFill>
             <a:srgbClr val="000000"/>
           </a:solidFill>
@@ -5848,7 +6546,7 @@
           <a:sym typeface="Arial"/>
         </a:defRPr>
       </a:lvl3pPr>
-      <a:lvl4pPr lvl="3" marR="0" rtl="0" algn="l">
+      <a:lvl4pPr marR="0" lvl="3" algn="l" rtl="0">
         <a:lnSpc>
           <a:spcPct val="100000"/>
         </a:lnSpc>
@@ -5862,7 +6560,7 @@
           <a:srgbClr val="000000"/>
         </a:buClr>
         <a:buFont typeface="Arial"/>
-        <a:defRPr b="0" i="0" sz="1400" u="none" cap="none" strike="noStrike">
+        <a:defRPr sz="1400" b="0" i="0" u="none" strike="noStrike" cap="none">
           <a:solidFill>
             <a:srgbClr val="000000"/>
           </a:solidFill>
@@ -5872,7 +6570,7 @@
           <a:sym typeface="Arial"/>
         </a:defRPr>
       </a:lvl4pPr>
-      <a:lvl5pPr lvl="4" marR="0" rtl="0" algn="l">
+      <a:lvl5pPr marR="0" lvl="4" algn="l" rtl="0">
         <a:lnSpc>
           <a:spcPct val="100000"/>
         </a:lnSpc>
@@ -5886,7 +6584,7 @@
           <a:srgbClr val="000000"/>
         </a:buClr>
         <a:buFont typeface="Arial"/>
-        <a:defRPr b="0" i="0" sz="1400" u="none" cap="none" strike="noStrike">
+        <a:defRPr sz="1400" b="0" i="0" u="none" strike="noStrike" cap="none">
           <a:solidFill>
             <a:srgbClr val="000000"/>
           </a:solidFill>
@@ -5896,7 +6594,7 @@
           <a:sym typeface="Arial"/>
         </a:defRPr>
       </a:lvl5pPr>
-      <a:lvl6pPr lvl="5" marR="0" rtl="0" algn="l">
+      <a:lvl6pPr marR="0" lvl="5" algn="l" rtl="0">
         <a:lnSpc>
           <a:spcPct val="100000"/>
         </a:lnSpc>
@@ -5910,7 +6608,7 @@
           <a:srgbClr val="000000"/>
         </a:buClr>
         <a:buFont typeface="Arial"/>
-        <a:defRPr b="0" i="0" sz="1400" u="none" cap="none" strike="noStrike">
+        <a:defRPr sz="1400" b="0" i="0" u="none" strike="noStrike" cap="none">
           <a:solidFill>
             <a:srgbClr val="000000"/>
           </a:solidFill>
@@ -5920,7 +6618,7 @@
           <a:sym typeface="Arial"/>
         </a:defRPr>
       </a:lvl6pPr>
-      <a:lvl7pPr lvl="6" marR="0" rtl="0" algn="l">
+      <a:lvl7pPr marR="0" lvl="6" algn="l" rtl="0">
         <a:lnSpc>
           <a:spcPct val="100000"/>
         </a:lnSpc>
@@ -5934,7 +6632,7 @@
           <a:srgbClr val="000000"/>
         </a:buClr>
         <a:buFont typeface="Arial"/>
-        <a:defRPr b="0" i="0" sz="1400" u="none" cap="none" strike="noStrike">
+        <a:defRPr sz="1400" b="0" i="0" u="none" strike="noStrike" cap="none">
           <a:solidFill>
             <a:srgbClr val="000000"/>
           </a:solidFill>
@@ -5944,7 +6642,7 @@
           <a:sym typeface="Arial"/>
         </a:defRPr>
       </a:lvl7pPr>
-      <a:lvl8pPr lvl="7" marR="0" rtl="0" algn="l">
+      <a:lvl8pPr marR="0" lvl="7" algn="l" rtl="0">
         <a:lnSpc>
           <a:spcPct val="100000"/>
         </a:lnSpc>
@@ -5958,7 +6656,7 @@
           <a:srgbClr val="000000"/>
         </a:buClr>
         <a:buFont typeface="Arial"/>
-        <a:defRPr b="0" i="0" sz="1400" u="none" cap="none" strike="noStrike">
+        <a:defRPr sz="1400" b="0" i="0" u="none" strike="noStrike" cap="none">
           <a:solidFill>
             <a:srgbClr val="000000"/>
           </a:solidFill>
@@ -5968,7 +6666,7 @@
           <a:sym typeface="Arial"/>
         </a:defRPr>
       </a:lvl8pPr>
-      <a:lvl9pPr lvl="8" marR="0" rtl="0" algn="l">
+      <a:lvl9pPr marR="0" lvl="8" algn="l" rtl="0">
         <a:lnSpc>
           <a:spcPct val="100000"/>
         </a:lnSpc>
@@ -5982,7 +6680,7 @@
           <a:srgbClr val="000000"/>
         </a:buClr>
         <a:buFont typeface="Arial"/>
-        <a:defRPr b="0" i="0" sz="1400" u="none" cap="none" strike="noStrike">
+        <a:defRPr sz="1400" b="0" i="0" u="none" strike="noStrike" cap="none">
           <a:solidFill>
             <a:srgbClr val="000000"/>
           </a:solidFill>
@@ -5998,11 +6696,11 @@
 </file>
 
 <file path=ppt/slides/slide1.xml><?xml version="1.0" encoding="utf-8"?>
-<p:sld xmlns:a="http://schemas.openxmlformats.org/drawingml/2006/main" xmlns:r="http://schemas.openxmlformats.org/officeDocument/2006/relationships" xmlns:mc="http://schemas.openxmlformats.org/markup-compatibility/2006" xmlns:mv="urn:schemas-microsoft-com:mac:vml" xmlns:p="http://schemas.openxmlformats.org/presentationml/2006/main" xmlns:c="http://schemas.openxmlformats.org/drawingml/2006/chart" xmlns:dgm="http://schemas.openxmlformats.org/drawingml/2006/diagram" xmlns:o="urn:schemas-microsoft-com:office:office" xmlns:v="urn:schemas-microsoft-com:vml" xmlns:pvml="urn:schemas-microsoft-com:office:powerpoint" xmlns:com="http://schemas.openxmlformats.org/drawingml/2006/compatibility" xmlns:p14="http://schemas.microsoft.com/office/powerpoint/2010/main" xmlns:p15="http://schemas.microsoft.com/office/powerpoint/2012/main" xmlns:ahyp="http://schemas.microsoft.com/office/drawing/2018/hyperlinkcolor">
+<p:sld xmlns:a="http://schemas.openxmlformats.org/drawingml/2006/main" xmlns:r="http://schemas.openxmlformats.org/officeDocument/2006/relationships" xmlns:p="http://schemas.openxmlformats.org/presentationml/2006/main">
   <p:cSld>
     <p:spTree>
       <p:nvGrpSpPr>
-        <p:cNvPr id="53" name="Shape 53"/>
+        <p:cNvPr id="1" name="Shape 53"/>
         <p:cNvGrpSpPr/>
         <p:nvPr/>
       </p:nvGrpSpPr>
@@ -6017,7 +6715,9 @@
       <p:sp>
         <p:nvSpPr>
           <p:cNvPr id="54" name="Google Shape;54;p13"/>
-          <p:cNvSpPr txBox="1"/>
+          <p:cNvSpPr txBox="1">
+            <a:spLocks noGrp="1"/>
+          </p:cNvSpPr>
           <p:nvPr>
             <p:ph type="ctrTitle"/>
           </p:nvPr>
@@ -6032,12 +6732,12 @@
           </a:prstGeom>
         </p:spPr>
         <p:txBody>
-          <a:bodyPr anchorCtr="0" anchor="b" bIns="91425" lIns="91425" spcFirstLastPara="1" rIns="91425" wrap="square" tIns="91425">
+          <a:bodyPr spcFirstLastPara="1" wrap="square" lIns="91425" tIns="91425" rIns="91425" bIns="91425" anchor="b" anchorCtr="0">
             <a:normAutofit/>
           </a:bodyPr>
           <a:lstStyle/>
           <a:p>
-            <a:pPr indent="0" lvl="0" marL="0" rtl="0" algn="ctr">
+            <a:pPr marL="0" lvl="0" indent="0" algn="ctr" rtl="0">
               <a:spcBef>
                 <a:spcPts val="0"/>
               </a:spcBef>
@@ -6057,9 +6757,11 @@
       <p:sp>
         <p:nvSpPr>
           <p:cNvPr id="55" name="Google Shape;55;p13"/>
-          <p:cNvSpPr txBox="1"/>
+          <p:cNvSpPr txBox="1">
+            <a:spLocks noGrp="1"/>
+          </p:cNvSpPr>
           <p:nvPr>
-            <p:ph idx="1" type="subTitle"/>
+            <p:ph type="subTitle" idx="1"/>
           </p:nvPr>
         </p:nvSpPr>
         <p:spPr>
@@ -6072,12 +6774,12 @@
           </a:prstGeom>
         </p:spPr>
         <p:txBody>
-          <a:bodyPr anchorCtr="0" anchor="t" bIns="91425" lIns="91425" spcFirstLastPara="1" rIns="91425" wrap="square" tIns="91425">
+          <a:bodyPr spcFirstLastPara="1" wrap="square" lIns="91425" tIns="91425" rIns="91425" bIns="91425" anchor="t" anchorCtr="0">
             <a:normAutofit fontScale="92500"/>
           </a:bodyPr>
           <a:lstStyle/>
           <a:p>
-            <a:pPr indent="0" lvl="0" marL="0" rtl="0" algn="ctr">
+            <a:pPr marL="0" lvl="0" indent="0" algn="ctr" rtl="0">
               <a:spcBef>
                 <a:spcPts val="0"/>
               </a:spcBef>
@@ -6102,12 +6804,109 @@
 </p:sld>
 </file>
 
-<file path=ppt/slides/slide2.xml><?xml version="1.0" encoding="utf-8"?>
-<p:sld xmlns:a="http://schemas.openxmlformats.org/drawingml/2006/main" xmlns:r="http://schemas.openxmlformats.org/officeDocument/2006/relationships" xmlns:mc="http://schemas.openxmlformats.org/markup-compatibility/2006" xmlns:mv="urn:schemas-microsoft-com:mac:vml" xmlns:p="http://schemas.openxmlformats.org/presentationml/2006/main" xmlns:c="http://schemas.openxmlformats.org/drawingml/2006/chart" xmlns:dgm="http://schemas.openxmlformats.org/drawingml/2006/diagram" xmlns:o="urn:schemas-microsoft-com:office:office" xmlns:v="urn:schemas-microsoft-com:vml" xmlns:pvml="urn:schemas-microsoft-com:office:powerpoint" xmlns:com="http://schemas.openxmlformats.org/drawingml/2006/compatibility" xmlns:p14="http://schemas.microsoft.com/office/powerpoint/2010/main" xmlns:p15="http://schemas.microsoft.com/office/powerpoint/2012/main" xmlns:ahyp="http://schemas.microsoft.com/office/drawing/2018/hyperlinkcolor">
+<file path=ppt/slides/slide10.xml><?xml version="1.0" encoding="utf-8"?>
+<p:sld xmlns:a="http://schemas.openxmlformats.org/drawingml/2006/main" xmlns:r="http://schemas.openxmlformats.org/officeDocument/2006/relationships" xmlns:p="http://schemas.openxmlformats.org/presentationml/2006/main">
   <p:cSld>
     <p:spTree>
       <p:nvGrpSpPr>
-        <p:cNvPr id="59" name="Shape 59"/>
+        <p:cNvPr id="1" name="Shape 107"/>
+        <p:cNvGrpSpPr/>
+        <p:nvPr/>
+      </p:nvGrpSpPr>
+      <p:grpSpPr>
+        <a:xfrm>
+          <a:off x="0" y="0"/>
+          <a:ext cx="0" cy="0"/>
+          <a:chOff x="0" y="0"/>
+          <a:chExt cx="0" cy="0"/>
+        </a:xfrm>
+      </p:grpSpPr>
+      <p:sp>
+        <p:nvSpPr>
+          <p:cNvPr id="108" name="Google Shape;108;p22"/>
+          <p:cNvSpPr txBox="1">
+            <a:spLocks noGrp="1"/>
+          </p:cNvSpPr>
+          <p:nvPr>
+            <p:ph type="title"/>
+          </p:nvPr>
+        </p:nvSpPr>
+        <p:spPr>
+          <a:xfrm>
+            <a:off x="311700" y="445025"/>
+            <a:ext cx="8520600" cy="572700"/>
+          </a:xfrm>
+          <a:prstGeom prst="rect">
+            <a:avLst/>
+          </a:prstGeom>
+        </p:spPr>
+        <p:txBody>
+          <a:bodyPr spcFirstLastPara="1" wrap="square" lIns="91425" tIns="91425" rIns="91425" bIns="91425" anchor="t" anchorCtr="0">
+            <a:normAutofit fontScale="90000"/>
+          </a:bodyPr>
+          <a:lstStyle/>
+          <a:p>
+            <a:pPr marL="0" lvl="0" indent="0" algn="ctr" rtl="0">
+              <a:spcBef>
+                <a:spcPts val="0"/>
+              </a:spcBef>
+              <a:spcAft>
+                <a:spcPts val="0"/>
+              </a:spcAft>
+              <a:buNone/>
+            </a:pPr>
+            <a:r>
+              <a:rPr lang="en"/>
+              <a:t>Dashboard Integration</a:t>
+            </a:r>
+            <a:endParaRPr/>
+          </a:p>
+        </p:txBody>
+      </p:sp>
+      <p:pic>
+        <p:nvPicPr>
+          <p:cNvPr id="3" name="Picture 2" descr="Chart, scatter chart&#10;&#10;Description automatically generated">
+            <a:extLst>
+              <a:ext uri="{FF2B5EF4-FFF2-40B4-BE49-F238E27FC236}">
+                <a16:creationId xmlns:a16="http://schemas.microsoft.com/office/drawing/2014/main" id="{095519FD-456E-6037-C547-F475AE7273BA}"/>
+              </a:ext>
+            </a:extLst>
+          </p:cNvPr>
+          <p:cNvPicPr>
+            <a:picLocks noChangeAspect="1"/>
+          </p:cNvPicPr>
+          <p:nvPr/>
+        </p:nvPicPr>
+        <p:blipFill>
+          <a:blip r:embed="rId3"/>
+          <a:stretch>
+            <a:fillRect/>
+          </a:stretch>
+        </p:blipFill>
+        <p:spPr>
+          <a:xfrm>
+            <a:off x="865990" y="1017725"/>
+            <a:ext cx="7412019" cy="3838037"/>
+          </a:xfrm>
+          <a:prstGeom prst="rect">
+            <a:avLst/>
+          </a:prstGeom>
+        </p:spPr>
+      </p:pic>
+    </p:spTree>
+  </p:cSld>
+  <p:clrMapOvr>
+    <a:masterClrMapping/>
+  </p:clrMapOvr>
+</p:sld>
+</file>
+
+<file path=ppt/slides/slide2.xml><?xml version="1.0" encoding="utf-8"?>
+<p:sld xmlns:a="http://schemas.openxmlformats.org/drawingml/2006/main" xmlns:r="http://schemas.openxmlformats.org/officeDocument/2006/relationships" xmlns:p="http://schemas.openxmlformats.org/presentationml/2006/main">
+  <p:cSld>
+    <p:spTree>
+      <p:nvGrpSpPr>
+        <p:cNvPr id="1" name="Shape 59"/>
         <p:cNvGrpSpPr/>
         <p:nvPr/>
       </p:nvGrpSpPr>
@@ -6122,7 +6921,9 @@
       <p:sp>
         <p:nvSpPr>
           <p:cNvPr id="60" name="Google Shape;60;p14"/>
-          <p:cNvSpPr txBox="1"/>
+          <p:cNvSpPr txBox="1">
+            <a:spLocks noGrp="1"/>
+          </p:cNvSpPr>
           <p:nvPr>
             <p:ph type="title"/>
           </p:nvPr>
@@ -6137,12 +6938,12 @@
           </a:prstGeom>
         </p:spPr>
         <p:txBody>
-          <a:bodyPr anchorCtr="0" anchor="t" bIns="91425" lIns="91425" spcFirstLastPara="1" rIns="91425" wrap="square" tIns="91425">
+          <a:bodyPr spcFirstLastPara="1" wrap="square" lIns="91425" tIns="91425" rIns="91425" bIns="91425" anchor="t" anchorCtr="0">
             <a:normAutofit fontScale="90000"/>
           </a:bodyPr>
           <a:lstStyle/>
           <a:p>
-            <a:pPr indent="0" lvl="0" marL="0" rtl="0" algn="ctr">
+            <a:pPr marL="0" lvl="0" indent="0" algn="ctr" rtl="0">
               <a:spcBef>
                 <a:spcPts val="0"/>
               </a:spcBef>
@@ -6162,9 +6963,11 @@
       <p:sp>
         <p:nvSpPr>
           <p:cNvPr id="61" name="Google Shape;61;p14"/>
-          <p:cNvSpPr txBox="1"/>
+          <p:cNvSpPr txBox="1">
+            <a:spLocks noGrp="1"/>
+          </p:cNvSpPr>
           <p:nvPr>
-            <p:ph idx="1" type="body"/>
+            <p:ph type="body" idx="1"/>
           </p:nvPr>
         </p:nvSpPr>
         <p:spPr>
@@ -6177,23 +6980,20 @@
           </a:prstGeom>
         </p:spPr>
         <p:txBody>
-          <a:bodyPr anchorCtr="0" anchor="t" bIns="91425" lIns="91425" spcFirstLastPara="1" rIns="91425" wrap="square" tIns="91425">
-            <a:normAutofit/>
+          <a:bodyPr spcFirstLastPara="1" wrap="square" lIns="91425" tIns="91425" rIns="91425" bIns="91425" anchor="t" anchorCtr="0">
+            <a:normAutofit fontScale="92500" lnSpcReduction="10000"/>
           </a:bodyPr>
           <a:lstStyle/>
           <a:p>
-            <a:pPr indent="0" lvl="0" marL="0" rtl="0" algn="l">
-              <a:spcBef>
-                <a:spcPts val="0"/>
+            <a:pPr marL="0" lvl="0" indent="0" algn="l" rtl="0">
+              <a:spcBef>
+                <a:spcPts val="1000"/>
               </a:spcBef>
               <a:spcAft>
                 <a:spcPts val="0"/>
               </a:spcAft>
               <a:buNone/>
             </a:pPr>
-            <a:r>
-              <a:t/>
-            </a:r>
             <a:endParaRPr sz="1100">
               <a:solidFill>
                 <a:srgbClr val="000000"/>
@@ -6201,9 +7001,9 @@
             </a:endParaRPr>
           </a:p>
           <a:p>
-            <a:pPr indent="-342900" lvl="0" marL="457200" rtl="0" algn="l">
-              <a:spcBef>
-                <a:spcPts val="0"/>
+            <a:pPr marL="457200" lvl="0" indent="-342900" algn="l" rtl="0">
+              <a:spcBef>
+                <a:spcPts val="1000"/>
               </a:spcBef>
               <a:spcAft>
                 <a:spcPts val="0"/>
@@ -6213,18 +7013,14 @@
             </a:pPr>
             <a:r>
               <a:rPr lang="en"/>
-              <a:t>Determine if a </a:t>
+              <a:t>Determine if a candidate planet is indeed an exoplanet or a false positive via machine learning.</a:t>
             </a:r>
-            <a:r>
-              <a:rPr lang="en"/>
-              <a:t>candidate planet is indeed an exoplanet or a false positive via machine learning.</a:t>
-            </a:r>
-            <a:endParaRPr/>
-          </a:p>
-          <a:p>
-            <a:pPr indent="-342900" lvl="0" marL="457200" rtl="0" algn="l">
-              <a:spcBef>
-                <a:spcPts val="0"/>
+            <a:endParaRPr sz="600"/>
+          </a:p>
+          <a:p>
+            <a:pPr marL="457200" lvl="0" indent="-342900" algn="l" rtl="0">
+              <a:spcBef>
+                <a:spcPts val="1200"/>
               </a:spcBef>
               <a:spcAft>
                 <a:spcPts val="0"/>
@@ -6236,12 +7032,12 @@
               <a:rPr lang="en"/>
               <a:t>Utilizing machine learning to analyze NASA Exoplanets dataset to determine which model and algorithm is the best.</a:t>
             </a:r>
-            <a:endParaRPr/>
-          </a:p>
-          <a:p>
-            <a:pPr indent="-342900" lvl="0" marL="457200" rtl="0" algn="l">
-              <a:spcBef>
-                <a:spcPts val="0"/>
+            <a:endParaRPr sz="800"/>
+          </a:p>
+          <a:p>
+            <a:pPr marL="457200" lvl="0" indent="-342900" algn="l" rtl="0">
+              <a:spcBef>
+                <a:spcPts val="1000"/>
               </a:spcBef>
               <a:spcAft>
                 <a:spcPts val="0"/>
@@ -6256,12 +7052,12 @@
             <a:endParaRPr/>
           </a:p>
           <a:p>
-            <a:pPr indent="-342900" lvl="0" marL="457200" rtl="0" algn="l">
-              <a:spcBef>
-                <a:spcPts val="0"/>
-              </a:spcBef>
-              <a:spcAft>
-                <a:spcPts val="0"/>
+            <a:pPr marL="457200" lvl="0" indent="-342900" algn="l" rtl="0">
+              <a:spcBef>
+                <a:spcPts val="1000"/>
+              </a:spcBef>
+              <a:spcAft>
+                <a:spcPts val="1200"/>
               </a:spcAft>
               <a:buSzPts val="1800"/>
               <a:buChar char="-"/>
@@ -6283,11 +7079,11 @@
 </file>
 
 <file path=ppt/slides/slide3.xml><?xml version="1.0" encoding="utf-8"?>
-<p:sld xmlns:a="http://schemas.openxmlformats.org/drawingml/2006/main" xmlns:r="http://schemas.openxmlformats.org/officeDocument/2006/relationships" xmlns:mc="http://schemas.openxmlformats.org/markup-compatibility/2006" xmlns:mv="urn:schemas-microsoft-com:mac:vml" xmlns:p="http://schemas.openxmlformats.org/presentationml/2006/main" xmlns:c="http://schemas.openxmlformats.org/drawingml/2006/chart" xmlns:dgm="http://schemas.openxmlformats.org/drawingml/2006/diagram" xmlns:o="urn:schemas-microsoft-com:office:office" xmlns:v="urn:schemas-microsoft-com:vml" xmlns:pvml="urn:schemas-microsoft-com:office:powerpoint" xmlns:com="http://schemas.openxmlformats.org/drawingml/2006/compatibility" xmlns:p14="http://schemas.microsoft.com/office/powerpoint/2010/main" xmlns:p15="http://schemas.microsoft.com/office/powerpoint/2012/main" xmlns:ahyp="http://schemas.microsoft.com/office/drawing/2018/hyperlinkcolor">
+<p:sld xmlns:a="http://schemas.openxmlformats.org/drawingml/2006/main" xmlns:r="http://schemas.openxmlformats.org/officeDocument/2006/relationships" xmlns:p="http://schemas.openxmlformats.org/presentationml/2006/main">
   <p:cSld>
     <p:spTree>
       <p:nvGrpSpPr>
-        <p:cNvPr id="65" name="Shape 65"/>
+        <p:cNvPr id="1" name="Shape 65"/>
         <p:cNvGrpSpPr/>
         <p:nvPr/>
       </p:nvGrpSpPr>
@@ -6302,7 +7098,9 @@
       <p:sp>
         <p:nvSpPr>
           <p:cNvPr id="66" name="Google Shape;66;p15"/>
-          <p:cNvSpPr txBox="1"/>
+          <p:cNvSpPr txBox="1">
+            <a:spLocks noGrp="1"/>
+          </p:cNvSpPr>
           <p:nvPr>
             <p:ph type="title"/>
           </p:nvPr>
@@ -6317,12 +7115,12 @@
           </a:prstGeom>
         </p:spPr>
         <p:txBody>
-          <a:bodyPr anchorCtr="0" anchor="t" bIns="91425" lIns="91425" spcFirstLastPara="1" rIns="91425" wrap="square" tIns="91425">
+          <a:bodyPr spcFirstLastPara="1" wrap="square" lIns="91425" tIns="91425" rIns="91425" bIns="91425" anchor="t" anchorCtr="0">
             <a:normAutofit fontScale="90000"/>
           </a:bodyPr>
           <a:lstStyle/>
           <a:p>
-            <a:pPr indent="0" lvl="0" marL="0" rtl="0" algn="ctr">
+            <a:pPr marL="0" lvl="0" indent="0" algn="ctr" rtl="0">
               <a:spcBef>
                 <a:spcPts val="0"/>
               </a:spcBef>
@@ -6333,7 +7131,7 @@
             </a:pPr>
             <a:r>
               <a:rPr lang="en"/>
-              <a:t>Data</a:t>
+              <a:t>What is an Exoplanet?</a:t>
             </a:r>
             <a:endParaRPr/>
           </a:p>
@@ -6342,9 +7140,11 @@
       <p:sp>
         <p:nvSpPr>
           <p:cNvPr id="67" name="Google Shape;67;p15"/>
-          <p:cNvSpPr txBox="1"/>
+          <p:cNvSpPr txBox="1">
+            <a:spLocks noGrp="1"/>
+          </p:cNvSpPr>
           <p:nvPr>
-            <p:ph idx="1" type="body"/>
+            <p:ph type="body" idx="1"/>
           </p:nvPr>
         </p:nvSpPr>
         <p:spPr>
@@ -6357,84 +7157,115 @@
           </a:prstGeom>
         </p:spPr>
         <p:txBody>
-          <a:bodyPr anchorCtr="0" anchor="t" bIns="91425" lIns="91425" spcFirstLastPara="1" rIns="91425" wrap="square" tIns="91425">
+          <a:bodyPr spcFirstLastPara="1" wrap="square" lIns="91425" tIns="91425" rIns="91425" bIns="91425" anchor="t" anchorCtr="0">
             <a:normAutofit/>
           </a:bodyPr>
           <a:lstStyle/>
           <a:p>
-            <a:pPr indent="0" lvl="0" marL="0" rtl="0" algn="l">
-              <a:spcBef>
-                <a:spcPts val="0"/>
-              </a:spcBef>
-              <a:spcAft>
-                <a:spcPts val="0"/>
-              </a:spcAft>
-              <a:buNone/>
+            <a:pPr marL="0" lvl="0" indent="0" algn="l" rtl="0">
+              <a:spcBef>
+                <a:spcPts val="0"/>
+              </a:spcBef>
+              <a:spcAft>
+                <a:spcPts val="0"/>
+              </a:spcAft>
+              <a:buNone/>
+            </a:pPr>
+            <a:endParaRPr>
+              <a:solidFill>
+                <a:srgbClr val="CCCCCC"/>
+              </a:solidFill>
+            </a:endParaRPr>
+          </a:p>
+          <a:p>
+            <a:pPr marL="457200" lvl="0" indent="-342900" algn="l" rtl="0">
+              <a:spcBef>
+                <a:spcPts val="1000"/>
+              </a:spcBef>
+              <a:spcAft>
+                <a:spcPts val="0"/>
+              </a:spcAft>
+              <a:buClr>
+                <a:srgbClr val="999999"/>
+              </a:buClr>
+              <a:buSzPts val="1800"/>
+              <a:buChar char="-"/>
             </a:pPr>
             <a:r>
-              <a:rPr lang="en"/>
-              <a:t>-	Sourced from NASA Exoplanet Archive: Planetary Systems Composite Data</a:t>
+              <a:rPr lang="en">
+                <a:solidFill>
+                  <a:srgbClr val="999999"/>
+                </a:solidFill>
+              </a:rPr>
+              <a:t>An </a:t>
             </a:r>
-            <a:endParaRPr/>
-          </a:p>
-          <a:p>
-            <a:pPr indent="0" lvl="0" marL="0" rtl="0" algn="l">
+            <a:r>
+              <a:rPr lang="en" u="sng">
+                <a:solidFill>
+                  <a:schemeClr val="hlink"/>
+                </a:solidFill>
+                <a:hlinkClick r:id="rId3"/>
+              </a:rPr>
+              <a:t>exoplanet </a:t>
+            </a:r>
+            <a:r>
+              <a:rPr lang="en">
+                <a:solidFill>
+                  <a:srgbClr val="999999"/>
+                </a:solidFill>
+              </a:rPr>
+              <a:t>is any planet beyond our solar system. Most orbit other stars, but free-floating exoplanets, called rogue planets, orbit the galactic center and are untethered to any star.</a:t>
+            </a:r>
+            <a:endParaRPr>
+              <a:solidFill>
+                <a:srgbClr val="999999"/>
+              </a:solidFill>
+            </a:endParaRPr>
+          </a:p>
+          <a:p>
+            <a:pPr marL="457200" lvl="0" indent="-342900" algn="l" rtl="0">
               <a:spcBef>
                 <a:spcPts val="1200"/>
               </a:spcBef>
               <a:spcAft>
-                <a:spcPts val="0"/>
-              </a:spcAft>
-              <a:buNone/>
+                <a:spcPts val="1200"/>
+              </a:spcAft>
+              <a:buClr>
+                <a:srgbClr val="999999"/>
+              </a:buClr>
+              <a:buSzPts val="1800"/>
+              <a:buChar char="-"/>
             </a:pPr>
             <a:r>
-              <a:rPr lang="en"/>
-              <a:t>-	Raw data extracted from “Planetary Systems Composite Data”. Then converted to a csv file with </a:t>
+              <a:rPr lang="en">
+                <a:solidFill>
+                  <a:srgbClr val="999999"/>
+                </a:solidFill>
+              </a:rPr>
+              <a:t>The planets beyond our solar system are called “</a:t>
             </a:r>
             <a:r>
-              <a:rPr lang="en"/>
-              <a:t>about</a:t>
+              <a:rPr lang="en" u="sng">
+                <a:solidFill>
+                  <a:schemeClr val="hlink"/>
+                </a:solidFill>
+                <a:hlinkClick r:id="rId4"/>
+              </a:rPr>
+              <a:t>exoplanets</a:t>
             </a:r>
             <a:r>
-              <a:rPr lang="en"/>
-              <a:t> 3000 </a:t>
+              <a:rPr lang="en">
+                <a:solidFill>
+                  <a:srgbClr val="999999"/>
+                </a:solidFill>
+              </a:rPr>
+              <a:t>,” and they come in a wide variety of sizes, from gas giants larger than Jupiter to small, rocky planets about as big around as Earth or Mars.</a:t>
             </a:r>
-            <a:r>
-              <a:rPr lang="en"/>
-              <a:t>rows and 300 columns that was cleaned and converted (Mockup Model).</a:t>
-            </a:r>
-            <a:endParaRPr/>
-          </a:p>
-          <a:p>
-            <a:pPr indent="0" lvl="0" marL="0" rtl="0" algn="l">
-              <a:spcBef>
-                <a:spcPts val="1200"/>
-              </a:spcBef>
-              <a:spcAft>
-                <a:spcPts val="0"/>
-              </a:spcAft>
-              <a:buNone/>
-            </a:pPr>
-            <a:r>
-              <a:rPr lang="en"/>
-              <a:t>-	“KOI Table (Cumulative list) was used as the raw data as “KEPLER_DATA.csv”. File contained about 150 columns and 9600 rows. Cleaned data was then convert to “CLEAN_KEPLER_DATA.csv”</a:t>
-            </a:r>
-            <a:endParaRPr/>
-          </a:p>
-          <a:p>
-            <a:pPr indent="0" lvl="0" marL="0" rtl="0" algn="l">
-              <a:spcBef>
-                <a:spcPts val="1200"/>
-              </a:spcBef>
-              <a:spcAft>
-                <a:spcPts val="1200"/>
-              </a:spcAft>
-              <a:buNone/>
-            </a:pPr>
-            <a:r>
-              <a:t/>
-            </a:r>
-            <a:endParaRPr/>
+            <a:endParaRPr>
+              <a:solidFill>
+                <a:srgbClr val="999999"/>
+              </a:solidFill>
+            </a:endParaRPr>
           </a:p>
         </p:txBody>
       </p:sp>
@@ -6447,11 +7278,11 @@
 </file>
 
 <file path=ppt/slides/slide4.xml><?xml version="1.0" encoding="utf-8"?>
-<p:sld xmlns:a="http://schemas.openxmlformats.org/drawingml/2006/main" xmlns:r="http://schemas.openxmlformats.org/officeDocument/2006/relationships" xmlns:mc="http://schemas.openxmlformats.org/markup-compatibility/2006" xmlns:mv="urn:schemas-microsoft-com:mac:vml" xmlns:p="http://schemas.openxmlformats.org/presentationml/2006/main" xmlns:c="http://schemas.openxmlformats.org/drawingml/2006/chart" xmlns:dgm="http://schemas.openxmlformats.org/drawingml/2006/diagram" xmlns:o="urn:schemas-microsoft-com:office:office" xmlns:v="urn:schemas-microsoft-com:vml" xmlns:pvml="urn:schemas-microsoft-com:office:powerpoint" xmlns:com="http://schemas.openxmlformats.org/drawingml/2006/compatibility" xmlns:p14="http://schemas.microsoft.com/office/powerpoint/2010/main" xmlns:p15="http://schemas.microsoft.com/office/powerpoint/2012/main" xmlns:ahyp="http://schemas.microsoft.com/office/drawing/2018/hyperlinkcolor">
+<p:sld xmlns:a="http://schemas.openxmlformats.org/drawingml/2006/main" xmlns:r="http://schemas.openxmlformats.org/officeDocument/2006/relationships" xmlns:p="http://schemas.openxmlformats.org/presentationml/2006/main">
   <p:cSld>
     <p:spTree>
       <p:nvGrpSpPr>
-        <p:cNvPr id="71" name="Shape 71"/>
+        <p:cNvPr id="1" name="Shape 71"/>
         <p:cNvGrpSpPr/>
         <p:nvPr/>
       </p:nvGrpSpPr>
@@ -6466,7 +7297,9 @@
       <p:sp>
         <p:nvSpPr>
           <p:cNvPr id="72" name="Google Shape;72;p16"/>
-          <p:cNvSpPr txBox="1"/>
+          <p:cNvSpPr txBox="1">
+            <a:spLocks noGrp="1"/>
+          </p:cNvSpPr>
           <p:nvPr>
             <p:ph type="title"/>
           </p:nvPr>
@@ -6481,12 +7314,12 @@
           </a:prstGeom>
         </p:spPr>
         <p:txBody>
-          <a:bodyPr anchorCtr="0" anchor="t" bIns="91425" lIns="91425" spcFirstLastPara="1" rIns="91425" wrap="square" tIns="91425">
+          <a:bodyPr spcFirstLastPara="1" wrap="square" lIns="91425" tIns="91425" rIns="91425" bIns="91425" anchor="t" anchorCtr="0">
             <a:normAutofit fontScale="90000"/>
           </a:bodyPr>
           <a:lstStyle/>
           <a:p>
-            <a:pPr indent="0" lvl="0" marL="0" rtl="0" algn="ctr">
+            <a:pPr marL="0" lvl="0" indent="0" algn="ctr" rtl="0">
               <a:spcBef>
                 <a:spcPts val="0"/>
               </a:spcBef>
@@ -6497,37 +7330,7 @@
             </a:pPr>
             <a:r>
               <a:rPr lang="en"/>
-              <a:t>Questions</a:t>
-            </a:r>
-            <a:endParaRPr/>
-          </a:p>
-          <a:p>
-            <a:pPr indent="0" lvl="0" marL="0" rtl="0" algn="ctr">
-              <a:spcBef>
-                <a:spcPts val="0"/>
-              </a:spcBef>
-              <a:spcAft>
-                <a:spcPts val="0"/>
-              </a:spcAft>
-              <a:buNone/>
-            </a:pPr>
-            <a:r>
-              <a:t/>
-            </a:r>
-            <a:endParaRPr/>
-          </a:p>
-          <a:p>
-            <a:pPr indent="0" lvl="0" marL="0" rtl="0" algn="ctr">
-              <a:spcBef>
-                <a:spcPts val="0"/>
-              </a:spcBef>
-              <a:spcAft>
-                <a:spcPts val="0"/>
-              </a:spcAft>
-              <a:buNone/>
-            </a:pPr>
-            <a:r>
-              <a:t/>
+              <a:t>Kepler</a:t>
             </a:r>
             <a:endParaRPr/>
           </a:p>
@@ -6536,9 +7339,11 @@
       <p:sp>
         <p:nvSpPr>
           <p:cNvPr id="73" name="Google Shape;73;p16"/>
-          <p:cNvSpPr txBox="1"/>
+          <p:cNvSpPr txBox="1">
+            <a:spLocks noGrp="1"/>
+          </p:cNvSpPr>
           <p:nvPr>
-            <p:ph idx="1" type="body"/>
+            <p:ph type="body" idx="1"/>
           </p:nvPr>
         </p:nvSpPr>
         <p:spPr>
@@ -6551,41 +7356,126 @@
           </a:prstGeom>
         </p:spPr>
         <p:txBody>
-          <a:bodyPr anchorCtr="0" anchor="t" bIns="91425" lIns="91425" spcFirstLastPara="1" rIns="91425" wrap="square" tIns="91425">
+          <a:bodyPr spcFirstLastPara="1" wrap="square" lIns="91425" tIns="91425" rIns="91425" bIns="91425" anchor="t" anchorCtr="0">
             <a:normAutofit/>
           </a:bodyPr>
           <a:lstStyle/>
           <a:p>
-            <a:pPr indent="0" lvl="0" marL="0" rtl="0" algn="l">
-              <a:spcBef>
-                <a:spcPts val="0"/>
-              </a:spcBef>
-              <a:spcAft>
-                <a:spcPts val="0"/>
-              </a:spcAft>
-              <a:buNone/>
+            <a:pPr marL="0" lvl="0" indent="0" algn="l" rtl="0">
+              <a:spcBef>
+                <a:spcPts val="0"/>
+              </a:spcBef>
+              <a:spcAft>
+                <a:spcPts val="0"/>
+              </a:spcAft>
+              <a:buNone/>
+            </a:pPr>
+            <a:endParaRPr>
+              <a:solidFill>
+                <a:srgbClr val="CCCCCC"/>
+              </a:solidFill>
+            </a:endParaRPr>
+          </a:p>
+          <a:p>
+            <a:pPr marL="457200" lvl="0" indent="-342900" algn="l" rtl="0">
+              <a:spcBef>
+                <a:spcPts val="1000"/>
+              </a:spcBef>
+              <a:spcAft>
+                <a:spcPts val="0"/>
+              </a:spcAft>
+              <a:buClr>
+                <a:srgbClr val="999999"/>
+              </a:buClr>
+              <a:buSzPts val="1800"/>
+              <a:buChar char="-"/>
             </a:pPr>
             <a:r>
-              <a:rPr lang="en"/>
-              <a:t>-	How can we use machine learning to automate the process of confirming a planet candidate as a real exoplanet or false positive?</a:t>
+              <a:rPr lang="en">
+                <a:solidFill>
+                  <a:srgbClr val="999999"/>
+                </a:solidFill>
+              </a:rPr>
+              <a:t>Spacecraft designed and launched in March 2009, designed to discover Earth-like planets orbiting other stars in the Milky Way.</a:t>
             </a:r>
-            <a:endParaRPr/>
-          </a:p>
-          <a:p>
-            <a:pPr indent="0" lvl="0" marL="0" rtl="0" algn="l">
+            <a:endParaRPr sz="600">
+              <a:solidFill>
+                <a:srgbClr val="999999"/>
+              </a:solidFill>
+            </a:endParaRPr>
+          </a:p>
+          <a:p>
+            <a:pPr marL="457200" lvl="0" indent="-342900" algn="l" rtl="0">
               <a:spcBef>
                 <a:spcPts val="1200"/>
               </a:spcBef>
               <a:spcAft>
-                <a:spcPts val="1200"/>
-              </a:spcAft>
-              <a:buNone/>
+                <a:spcPts val="0"/>
+              </a:spcAft>
+              <a:buClr>
+                <a:srgbClr val="999999"/>
+              </a:buClr>
+              <a:buSzPts val="1800"/>
+              <a:buChar char="-"/>
             </a:pPr>
             <a:r>
-              <a:rPr lang="en"/>
-              <a:t>-	How accurate can we make the algorithm above?</a:t>
+              <a:rPr lang="en">
+                <a:solidFill>
+                  <a:srgbClr val="999999"/>
+                </a:solidFill>
+              </a:rPr>
+              <a:t>Named after German astronomer </a:t>
             </a:r>
-            <a:endParaRPr/>
+            <a:r>
+              <a:rPr lang="en" u="sng">
+                <a:solidFill>
+                  <a:schemeClr val="hlink"/>
+                </a:solidFill>
+                <a:hlinkClick r:id="rId3"/>
+              </a:rPr>
+              <a:t>Johannes Kepler (1571- 1630)</a:t>
+            </a:r>
+            <a:r>
+              <a:rPr lang="en">
+                <a:solidFill>
+                  <a:srgbClr val="999999"/>
+                </a:solidFill>
+              </a:rPr>
+              <a:t>, that discovered three laws of planetary motion.</a:t>
+            </a:r>
+            <a:endParaRPr sz="600">
+              <a:solidFill>
+                <a:srgbClr val="999999"/>
+              </a:solidFill>
+            </a:endParaRPr>
+          </a:p>
+          <a:p>
+            <a:pPr marL="457200" lvl="0" indent="-342900" algn="l" rtl="0">
+              <a:spcBef>
+                <a:spcPts val="1000"/>
+              </a:spcBef>
+              <a:spcAft>
+                <a:spcPts val="1200"/>
+              </a:spcAft>
+              <a:buClr>
+                <a:srgbClr val="999999"/>
+              </a:buClr>
+              <a:buSzPts val="1800"/>
+              <a:buChar char="-"/>
+            </a:pPr>
+            <a:r>
+              <a:rPr lang="en">
+                <a:solidFill>
+                  <a:srgbClr val="999999"/>
+                </a:solidFill>
+              </a:rPr>
+              <a:t>Intent was for the spacecraft to function for three years, but successfully completed a nine year mission discovering over 2,600 planets including those that could possibly sustain life forms.</a:t>
+            </a:r>
+            <a:endParaRPr>
+              <a:solidFill>
+                <a:srgbClr val="999999"/>
+              </a:solidFill>
+            </a:endParaRPr>
           </a:p>
         </p:txBody>
       </p:sp>
@@ -6598,11 +7488,11 @@
 </file>
 
 <file path=ppt/slides/slide5.xml><?xml version="1.0" encoding="utf-8"?>
-<p:sld xmlns:a="http://schemas.openxmlformats.org/drawingml/2006/main" xmlns:r="http://schemas.openxmlformats.org/officeDocument/2006/relationships" xmlns:mc="http://schemas.openxmlformats.org/markup-compatibility/2006" xmlns:mv="urn:schemas-microsoft-com:mac:vml" xmlns:p="http://schemas.openxmlformats.org/presentationml/2006/main" xmlns:c="http://schemas.openxmlformats.org/drawingml/2006/chart" xmlns:dgm="http://schemas.openxmlformats.org/drawingml/2006/diagram" xmlns:o="urn:schemas-microsoft-com:office:office" xmlns:v="urn:schemas-microsoft-com:vml" xmlns:pvml="urn:schemas-microsoft-com:office:powerpoint" xmlns:com="http://schemas.openxmlformats.org/drawingml/2006/compatibility" xmlns:p14="http://schemas.microsoft.com/office/powerpoint/2010/main" xmlns:p15="http://schemas.microsoft.com/office/powerpoint/2012/main" xmlns:ahyp="http://schemas.microsoft.com/office/drawing/2018/hyperlinkcolor">
+<p:sld xmlns:a="http://schemas.openxmlformats.org/drawingml/2006/main" xmlns:r="http://schemas.openxmlformats.org/officeDocument/2006/relationships" xmlns:p="http://schemas.openxmlformats.org/presentationml/2006/main">
   <p:cSld>
     <p:spTree>
       <p:nvGrpSpPr>
-        <p:cNvPr id="77" name="Shape 77"/>
+        <p:cNvPr id="1" name="Shape 77"/>
         <p:cNvGrpSpPr/>
         <p:nvPr/>
       </p:nvGrpSpPr>
@@ -6617,7 +7507,9 @@
       <p:sp>
         <p:nvSpPr>
           <p:cNvPr id="78" name="Google Shape;78;p17"/>
-          <p:cNvSpPr txBox="1"/>
+          <p:cNvSpPr txBox="1">
+            <a:spLocks noGrp="1"/>
+          </p:cNvSpPr>
           <p:nvPr>
             <p:ph type="title"/>
           </p:nvPr>
@@ -6632,12 +7524,12 @@
           </a:prstGeom>
         </p:spPr>
         <p:txBody>
-          <a:bodyPr anchorCtr="0" anchor="t" bIns="91425" lIns="91425" spcFirstLastPara="1" rIns="91425" wrap="square" tIns="91425">
+          <a:bodyPr spcFirstLastPara="1" wrap="square" lIns="91425" tIns="91425" rIns="91425" bIns="91425" anchor="t" anchorCtr="0">
             <a:normAutofit fontScale="90000"/>
           </a:bodyPr>
           <a:lstStyle/>
           <a:p>
-            <a:pPr indent="0" lvl="0" marL="0" rtl="0" algn="ctr">
+            <a:pPr marL="0" lvl="0" indent="0" algn="ctr" rtl="0">
               <a:spcBef>
                 <a:spcPts val="0"/>
               </a:spcBef>
@@ -6648,22 +7540,7 @@
             </a:pPr>
             <a:r>
               <a:rPr lang="en"/>
-              <a:t>Statistical Tools and Analysis</a:t>
-            </a:r>
-            <a:endParaRPr/>
-          </a:p>
-          <a:p>
-            <a:pPr indent="0" lvl="0" marL="0" rtl="0" algn="ctr">
-              <a:spcBef>
-                <a:spcPts val="0"/>
-              </a:spcBef>
-              <a:spcAft>
-                <a:spcPts val="0"/>
-              </a:spcAft>
-              <a:buNone/>
-            </a:pPr>
-            <a:r>
-              <a:t/>
+              <a:t>Data</a:t>
             </a:r>
             <a:endParaRPr/>
           </a:p>
@@ -6672,9 +7549,11 @@
       <p:sp>
         <p:nvSpPr>
           <p:cNvPr id="79" name="Google Shape;79;p17"/>
-          <p:cNvSpPr txBox="1"/>
+          <p:cNvSpPr txBox="1">
+            <a:spLocks noGrp="1"/>
+          </p:cNvSpPr>
           <p:nvPr>
-            <p:ph idx="1" type="body"/>
+            <p:ph type="body" idx="1"/>
           </p:nvPr>
         </p:nvSpPr>
         <p:spPr>
@@ -6687,14 +7566,17 @@
           </a:prstGeom>
         </p:spPr>
         <p:txBody>
-          <a:bodyPr anchorCtr="0" anchor="t" bIns="91425" lIns="91425" spcFirstLastPara="1" rIns="91425" wrap="square" tIns="91425">
-            <a:normAutofit lnSpcReduction="10000"/>
+          <a:bodyPr spcFirstLastPara="1" wrap="square" lIns="91425" tIns="91425" rIns="91425" bIns="91425" anchor="t" anchorCtr="0">
+            <a:normAutofit fontScale="92500"/>
           </a:bodyPr>
           <a:lstStyle/>
           <a:p>
-            <a:pPr indent="0" lvl="0" marL="0" rtl="0" algn="l">
-              <a:spcBef>
-                <a:spcPts val="0"/>
+            <a:pPr marL="0" lvl="0" indent="0" algn="l" rtl="0">
+              <a:lnSpc>
+                <a:spcPct val="115000"/>
+              </a:lnSpc>
+              <a:spcBef>
+                <a:spcPts val="1000"/>
               </a:spcBef>
               <a:spcAft>
                 <a:spcPts val="0"/>
@@ -6703,28 +7585,15 @@
             </a:pPr>
             <a:r>
               <a:rPr lang="en"/>
-              <a:t>–	Utilized supervised logistic regression which entails (insert info here), which which was </a:t>
-            </a:r>
-            <a:r>
-              <a:rPr lang="en"/>
-              <a:t>concluded</a:t>
-            </a:r>
-            <a:r>
-              <a:rPr lang="en"/>
-              <a:t> to be the best </a:t>
-            </a:r>
-            <a:r>
-              <a:rPr lang="en"/>
-              <a:t>method</a:t>
-            </a:r>
-            <a:r>
-              <a:rPr lang="en"/>
-              <a:t> of analysis due to data type. (ie conversion of booleens)</a:t>
+              <a:t>-	Sourced from NASA Exoplanet Archive: Planetary Systems Composite Data</a:t>
             </a:r>
             <a:endParaRPr/>
           </a:p>
           <a:p>
-            <a:pPr indent="0" lvl="0" marL="0" rtl="0" algn="l">
+            <a:pPr marL="0" lvl="0" indent="0" algn="l" rtl="0">
+              <a:lnSpc>
+                <a:spcPct val="115000"/>
+              </a:lnSpc>
               <a:spcBef>
                 <a:spcPts val="1200"/>
               </a:spcBef>
@@ -6735,20 +7604,15 @@
             </a:pPr>
             <a:r>
               <a:rPr lang="en"/>
-              <a:t>-	Of the data provided, we opted to use Keplar’s </a:t>
-            </a:r>
-            <a:r>
-              <a:rPr lang="en"/>
-              <a:t>main</a:t>
-            </a:r>
-            <a:r>
-              <a:rPr lang="en"/>
-              <a:t> dataset based on the categories: Confirmed, False Positive, and Candidates</a:t>
+              <a:t>-	Raw data extracted from “Planetary Systems Composite Data”. Then converted to a csv file with about 3000 rows and 300 columns that was cleaned and converted (Mockup Model).</a:t>
             </a:r>
             <a:endParaRPr/>
           </a:p>
           <a:p>
-            <a:pPr indent="0" lvl="0" marL="0" rtl="0" algn="l">
+            <a:pPr marL="0" lvl="0" indent="0" algn="l" rtl="0">
+              <a:lnSpc>
+                <a:spcPct val="115000"/>
+              </a:lnSpc>
               <a:spcBef>
                 <a:spcPts val="1200"/>
               </a:spcBef>
@@ -6759,12 +7623,15 @@
             </a:pPr>
             <a:r>
               <a:rPr lang="en"/>
-              <a:t>-	Data was trained based on Confirmed and False Positives to better predict potential candidate possibilities.</a:t>
+              <a:t>-	“KOI Table (Cumulative list) was used as the raw data as “KEPLER_DATA.csv”. File contained about 150 columns and 9600 rows. Cleaned data was then convert to “CLEAN_KEPLER_DATA.csv</a:t>
             </a:r>
             <a:endParaRPr/>
           </a:p>
           <a:p>
-            <a:pPr indent="0" lvl="0" marL="0" rtl="0" algn="l">
+            <a:pPr marL="0" lvl="0" indent="0" algn="l" rtl="0">
+              <a:lnSpc>
+                <a:spcPct val="115000"/>
+              </a:lnSpc>
               <a:spcBef>
                 <a:spcPts val="1200"/>
               </a:spcBef>
@@ -6774,12 +7641,13 @@
               <a:buNone/>
             </a:pPr>
             <a:r>
-              <a:t/>
+              <a:rPr lang="en"/>
+              <a:t>-	Kepler model chosen based on the confirms false negative and positive planets to assist in our training and testing.</a:t>
             </a:r>
             <a:endParaRPr/>
           </a:p>
           <a:p>
-            <a:pPr indent="0" lvl="0" marL="0" rtl="0" algn="l">
+            <a:pPr marL="0" lvl="0" indent="0" algn="l" rtl="0">
               <a:spcBef>
                 <a:spcPts val="1200"/>
               </a:spcBef>
@@ -6788,9 +7656,6 @@
               </a:spcAft>
               <a:buNone/>
             </a:pPr>
-            <a:r>
-              <a:t/>
-            </a:r>
             <a:endParaRPr/>
           </a:p>
         </p:txBody>
@@ -6804,11 +7669,11 @@
 </file>
 
 <file path=ppt/slides/slide6.xml><?xml version="1.0" encoding="utf-8"?>
-<p:sld xmlns:a="http://schemas.openxmlformats.org/drawingml/2006/main" xmlns:r="http://schemas.openxmlformats.org/officeDocument/2006/relationships" xmlns:mc="http://schemas.openxmlformats.org/markup-compatibility/2006" xmlns:mv="urn:schemas-microsoft-com:mac:vml" xmlns:p="http://schemas.openxmlformats.org/presentationml/2006/main" xmlns:c="http://schemas.openxmlformats.org/drawingml/2006/chart" xmlns:dgm="http://schemas.openxmlformats.org/drawingml/2006/diagram" xmlns:o="urn:schemas-microsoft-com:office:office" xmlns:v="urn:schemas-microsoft-com:vml" xmlns:pvml="urn:schemas-microsoft-com:office:powerpoint" xmlns:com="http://schemas.openxmlformats.org/drawingml/2006/compatibility" xmlns:p14="http://schemas.microsoft.com/office/powerpoint/2010/main" xmlns:p15="http://schemas.microsoft.com/office/powerpoint/2012/main" xmlns:ahyp="http://schemas.microsoft.com/office/drawing/2018/hyperlinkcolor">
+<p:sld xmlns:a="http://schemas.openxmlformats.org/drawingml/2006/main" xmlns:r="http://schemas.openxmlformats.org/officeDocument/2006/relationships" xmlns:p="http://schemas.openxmlformats.org/presentationml/2006/main">
   <p:cSld>
     <p:spTree>
       <p:nvGrpSpPr>
-        <p:cNvPr id="83" name="Shape 83"/>
+        <p:cNvPr id="1" name="Shape 83"/>
         <p:cNvGrpSpPr/>
         <p:nvPr/>
       </p:nvGrpSpPr>
@@ -6823,7 +7688,9 @@
       <p:sp>
         <p:nvSpPr>
           <p:cNvPr id="84" name="Google Shape;84;p18"/>
-          <p:cNvSpPr txBox="1"/>
+          <p:cNvSpPr txBox="1">
+            <a:spLocks noGrp="1"/>
+          </p:cNvSpPr>
           <p:nvPr>
             <p:ph type="title"/>
           </p:nvPr>
@@ -6838,12 +7705,12 @@
           </a:prstGeom>
         </p:spPr>
         <p:txBody>
-          <a:bodyPr anchorCtr="0" anchor="t" bIns="91425" lIns="91425" spcFirstLastPara="1" rIns="91425" wrap="square" tIns="91425">
+          <a:bodyPr spcFirstLastPara="1" wrap="square" lIns="91425" tIns="91425" rIns="91425" bIns="91425" anchor="t" anchorCtr="0">
             <a:normAutofit fontScale="90000"/>
           </a:bodyPr>
           <a:lstStyle/>
           <a:p>
-            <a:pPr indent="0" lvl="0" marL="0" rtl="0" algn="ctr">
+            <a:pPr marL="0" lvl="0" indent="0" algn="ctr" rtl="0">
               <a:spcBef>
                 <a:spcPts val="0"/>
               </a:spcBef>
@@ -6854,8 +7721,32 @@
             </a:pPr>
             <a:r>
               <a:rPr lang="en"/>
-              <a:t>Feature Selection</a:t>
+              <a:t>Questions</a:t>
             </a:r>
+            <a:endParaRPr/>
+          </a:p>
+          <a:p>
+            <a:pPr marL="0" lvl="0" indent="0" algn="ctr" rtl="0">
+              <a:spcBef>
+                <a:spcPts val="0"/>
+              </a:spcBef>
+              <a:spcAft>
+                <a:spcPts val="0"/>
+              </a:spcAft>
+              <a:buNone/>
+            </a:pPr>
+            <a:endParaRPr/>
+          </a:p>
+          <a:p>
+            <a:pPr marL="0" lvl="0" indent="0" algn="ctr" rtl="0">
+              <a:spcBef>
+                <a:spcPts val="0"/>
+              </a:spcBef>
+              <a:spcAft>
+                <a:spcPts val="0"/>
+              </a:spcAft>
+              <a:buNone/>
+            </a:pPr>
             <a:endParaRPr/>
           </a:p>
         </p:txBody>
@@ -6863,9 +7754,11 @@
       <p:sp>
         <p:nvSpPr>
           <p:cNvPr id="85" name="Google Shape;85;p18"/>
-          <p:cNvSpPr txBox="1"/>
+          <p:cNvSpPr txBox="1">
+            <a:spLocks noGrp="1"/>
+          </p:cNvSpPr>
           <p:nvPr>
-            <p:ph idx="1" type="body"/>
+            <p:ph type="body" idx="1"/>
           </p:nvPr>
         </p:nvSpPr>
         <p:spPr>
@@ -6878,22 +7771,545 @@
           </a:prstGeom>
         </p:spPr>
         <p:txBody>
-          <a:bodyPr anchorCtr="0" anchor="t" bIns="91425" lIns="91425" spcFirstLastPara="1" rIns="91425" wrap="square" tIns="91425">
+          <a:bodyPr spcFirstLastPara="1" wrap="square" lIns="91425" tIns="91425" rIns="91425" bIns="91425" anchor="t" anchorCtr="0">
             <a:normAutofit/>
           </a:bodyPr>
           <a:lstStyle/>
           <a:p>
-            <a:pPr indent="0" lvl="0" marL="0" rtl="0" algn="l">
-              <a:spcBef>
-                <a:spcPts val="0"/>
-              </a:spcBef>
-              <a:spcAft>
-                <a:spcPts val="1200"/>
+            <a:pPr marL="0" lvl="0" indent="0" algn="l" rtl="0">
+              <a:spcBef>
+                <a:spcPts val="0"/>
+              </a:spcBef>
+              <a:spcAft>
+                <a:spcPts val="0"/>
               </a:spcAft>
               <a:buNone/>
             </a:pPr>
             <a:r>
-              <a:t/>
+              <a:rPr lang="en"/>
+              <a:t>-	How can we use machine learning to automate the process of confirming a planet candidate as a real exoplanet or false positive?</a:t>
+            </a:r>
+            <a:endParaRPr/>
+          </a:p>
+          <a:p>
+            <a:pPr marL="0" lvl="0" indent="0" algn="l" rtl="0">
+              <a:spcBef>
+                <a:spcPts val="1200"/>
+              </a:spcBef>
+              <a:spcAft>
+                <a:spcPts val="1200"/>
+              </a:spcAft>
+              <a:buNone/>
+            </a:pPr>
+            <a:r>
+              <a:rPr lang="en"/>
+              <a:t>-	How accurate can we make the algorithm above?</a:t>
+            </a:r>
+            <a:endParaRPr/>
+          </a:p>
+        </p:txBody>
+      </p:sp>
+    </p:spTree>
+  </p:cSld>
+  <p:clrMapOvr>
+    <a:masterClrMapping/>
+  </p:clrMapOvr>
+</p:sld>
+</file>
+
+<file path=ppt/slides/slide7.xml><?xml version="1.0" encoding="utf-8"?>
+<p:sld xmlns:a="http://schemas.openxmlformats.org/drawingml/2006/main" xmlns:r="http://schemas.openxmlformats.org/officeDocument/2006/relationships" xmlns:p="http://schemas.openxmlformats.org/presentationml/2006/main">
+  <p:cSld>
+    <p:spTree>
+      <p:nvGrpSpPr>
+        <p:cNvPr id="1" name="Shape 89"/>
+        <p:cNvGrpSpPr/>
+        <p:nvPr/>
+      </p:nvGrpSpPr>
+      <p:grpSpPr>
+        <a:xfrm>
+          <a:off x="0" y="0"/>
+          <a:ext cx="0" cy="0"/>
+          <a:chOff x="0" y="0"/>
+          <a:chExt cx="0" cy="0"/>
+        </a:xfrm>
+      </p:grpSpPr>
+      <p:sp>
+        <p:nvSpPr>
+          <p:cNvPr id="90" name="Google Shape;90;p19"/>
+          <p:cNvSpPr txBox="1">
+            <a:spLocks noGrp="1"/>
+          </p:cNvSpPr>
+          <p:nvPr>
+            <p:ph type="title"/>
+          </p:nvPr>
+        </p:nvSpPr>
+        <p:spPr>
+          <a:xfrm>
+            <a:off x="311700" y="445025"/>
+            <a:ext cx="8520600" cy="572700"/>
+          </a:xfrm>
+          <a:prstGeom prst="rect">
+            <a:avLst/>
+          </a:prstGeom>
+        </p:spPr>
+        <p:txBody>
+          <a:bodyPr spcFirstLastPara="1" wrap="square" lIns="91425" tIns="91425" rIns="91425" bIns="91425" anchor="t" anchorCtr="0">
+            <a:normAutofit fontScale="90000"/>
+          </a:bodyPr>
+          <a:lstStyle/>
+          <a:p>
+            <a:pPr marL="0" lvl="0" indent="0" algn="ctr" rtl="0">
+              <a:spcBef>
+                <a:spcPts val="0"/>
+              </a:spcBef>
+              <a:spcAft>
+                <a:spcPts val="0"/>
+              </a:spcAft>
+              <a:buNone/>
+            </a:pPr>
+            <a:r>
+              <a:rPr lang="en"/>
+              <a:t>Statistical Tools and Analysis</a:t>
+            </a:r>
+            <a:endParaRPr/>
+          </a:p>
+          <a:p>
+            <a:pPr marL="0" lvl="0" indent="0" algn="ctr" rtl="0">
+              <a:spcBef>
+                <a:spcPts val="0"/>
+              </a:spcBef>
+              <a:spcAft>
+                <a:spcPts val="0"/>
+              </a:spcAft>
+              <a:buNone/>
+            </a:pPr>
+            <a:endParaRPr/>
+          </a:p>
+        </p:txBody>
+      </p:sp>
+      <p:sp>
+        <p:nvSpPr>
+          <p:cNvPr id="91" name="Google Shape;91;p19"/>
+          <p:cNvSpPr txBox="1">
+            <a:spLocks noGrp="1"/>
+          </p:cNvSpPr>
+          <p:nvPr>
+            <p:ph type="body" idx="1"/>
+          </p:nvPr>
+        </p:nvSpPr>
+        <p:spPr>
+          <a:xfrm>
+            <a:off x="311700" y="1152475"/>
+            <a:ext cx="8520600" cy="3416400"/>
+          </a:xfrm>
+          <a:prstGeom prst="rect">
+            <a:avLst/>
+          </a:prstGeom>
+        </p:spPr>
+        <p:txBody>
+          <a:bodyPr spcFirstLastPara="1" wrap="square" lIns="91425" tIns="91425" rIns="91425" bIns="91425" anchor="t" anchorCtr="0">
+            <a:normAutofit/>
+          </a:bodyPr>
+          <a:lstStyle/>
+          <a:p>
+            <a:pPr marL="0" lvl="0" indent="0" algn="l" rtl="0">
+              <a:lnSpc>
+                <a:spcPct val="115000"/>
+              </a:lnSpc>
+              <a:spcBef>
+                <a:spcPts val="1000"/>
+              </a:spcBef>
+              <a:spcAft>
+                <a:spcPts val="0"/>
+              </a:spcAft>
+              <a:buNone/>
+            </a:pPr>
+            <a:r>
+              <a:rPr lang="en"/>
+              <a:t>-	Utilized supervised logistic regression which entails (</a:t>
+            </a:r>
+            <a:r>
+              <a:rPr lang="en">
+                <a:highlight>
+                  <a:schemeClr val="accent6"/>
+                </a:highlight>
+              </a:rPr>
+              <a:t>binomial logistic regression</a:t>
+            </a:r>
+            <a:r>
+              <a:rPr lang="en"/>
+              <a:t>), which which was concluded to be the best method of analysis due to data type. (ie conversion of booleens)</a:t>
+            </a:r>
+            <a:endParaRPr/>
+          </a:p>
+          <a:p>
+            <a:pPr marL="0" lvl="0" indent="0" algn="l" rtl="0">
+              <a:lnSpc>
+                <a:spcPct val="115000"/>
+              </a:lnSpc>
+              <a:spcBef>
+                <a:spcPts val="1200"/>
+              </a:spcBef>
+              <a:spcAft>
+                <a:spcPts val="0"/>
+              </a:spcAft>
+              <a:buNone/>
+            </a:pPr>
+            <a:r>
+              <a:rPr lang="en"/>
+              <a:t>-	Of the data provided, we opted to use Keplar’s main dataset based on the categories: Confirmed, False Positive, and Candidates.</a:t>
+            </a:r>
+            <a:endParaRPr/>
+          </a:p>
+          <a:p>
+            <a:pPr marL="0" lvl="0" indent="0" algn="l" rtl="0">
+              <a:lnSpc>
+                <a:spcPct val="115000"/>
+              </a:lnSpc>
+              <a:spcBef>
+                <a:spcPts val="1200"/>
+              </a:spcBef>
+              <a:spcAft>
+                <a:spcPts val="0"/>
+              </a:spcAft>
+              <a:buNone/>
+            </a:pPr>
+            <a:r>
+              <a:rPr lang="en"/>
+              <a:t>-	Data was trained based on Confirmed and False Positives to better predict potential candidate possibilities.</a:t>
+            </a:r>
+            <a:endParaRPr/>
+          </a:p>
+          <a:p>
+            <a:pPr marL="0" lvl="0" indent="0" algn="l" rtl="0">
+              <a:spcBef>
+                <a:spcPts val="1200"/>
+              </a:spcBef>
+              <a:spcAft>
+                <a:spcPts val="0"/>
+              </a:spcAft>
+              <a:buNone/>
+            </a:pPr>
+            <a:endParaRPr/>
+          </a:p>
+          <a:p>
+            <a:pPr marL="0" lvl="0" indent="0" algn="l" rtl="0">
+              <a:spcBef>
+                <a:spcPts val="1200"/>
+              </a:spcBef>
+              <a:spcAft>
+                <a:spcPts val="1200"/>
+              </a:spcAft>
+              <a:buNone/>
+            </a:pPr>
+            <a:endParaRPr/>
+          </a:p>
+        </p:txBody>
+      </p:sp>
+    </p:spTree>
+  </p:cSld>
+  <p:clrMapOvr>
+    <a:masterClrMapping/>
+  </p:clrMapOvr>
+</p:sld>
+</file>
+
+<file path=ppt/slides/slide8.xml><?xml version="1.0" encoding="utf-8"?>
+<p:sld xmlns:a="http://schemas.openxmlformats.org/drawingml/2006/main" xmlns:r="http://schemas.openxmlformats.org/officeDocument/2006/relationships" xmlns:p="http://schemas.openxmlformats.org/presentationml/2006/main">
+  <p:cSld>
+    <p:spTree>
+      <p:nvGrpSpPr>
+        <p:cNvPr id="1" name="Shape 95"/>
+        <p:cNvGrpSpPr/>
+        <p:nvPr/>
+      </p:nvGrpSpPr>
+      <p:grpSpPr>
+        <a:xfrm>
+          <a:off x="0" y="0"/>
+          <a:ext cx="0" cy="0"/>
+          <a:chOff x="0" y="0"/>
+          <a:chExt cx="0" cy="0"/>
+        </a:xfrm>
+      </p:grpSpPr>
+      <p:sp>
+        <p:nvSpPr>
+          <p:cNvPr id="96" name="Google Shape;96;p20"/>
+          <p:cNvSpPr txBox="1">
+            <a:spLocks noGrp="1"/>
+          </p:cNvSpPr>
+          <p:nvPr>
+            <p:ph type="title"/>
+          </p:nvPr>
+        </p:nvSpPr>
+        <p:spPr>
+          <a:xfrm>
+            <a:off x="311700" y="445025"/>
+            <a:ext cx="8520600" cy="572700"/>
+          </a:xfrm>
+          <a:prstGeom prst="rect">
+            <a:avLst/>
+          </a:prstGeom>
+        </p:spPr>
+        <p:txBody>
+          <a:bodyPr spcFirstLastPara="1" wrap="square" lIns="91425" tIns="91425" rIns="91425" bIns="91425" anchor="t" anchorCtr="0">
+            <a:normAutofit fontScale="90000"/>
+          </a:bodyPr>
+          <a:lstStyle/>
+          <a:p>
+            <a:pPr marL="0" lvl="0" indent="0" algn="ctr" rtl="0">
+              <a:spcBef>
+                <a:spcPts val="0"/>
+              </a:spcBef>
+              <a:spcAft>
+                <a:spcPts val="0"/>
+              </a:spcAft>
+              <a:buNone/>
+            </a:pPr>
+            <a:r>
+              <a:rPr lang="en"/>
+              <a:t>Technologies</a:t>
+            </a:r>
+            <a:endParaRPr/>
+          </a:p>
+          <a:p>
+            <a:pPr marL="0" lvl="0" indent="0" algn="ctr" rtl="0">
+              <a:spcBef>
+                <a:spcPts val="0"/>
+              </a:spcBef>
+              <a:spcAft>
+                <a:spcPts val="0"/>
+              </a:spcAft>
+              <a:buNone/>
+            </a:pPr>
+            <a:endParaRPr/>
+          </a:p>
+        </p:txBody>
+      </p:sp>
+      <p:sp>
+        <p:nvSpPr>
+          <p:cNvPr id="97" name="Google Shape;97;p20"/>
+          <p:cNvSpPr txBox="1">
+            <a:spLocks noGrp="1"/>
+          </p:cNvSpPr>
+          <p:nvPr>
+            <p:ph type="body" idx="1"/>
+          </p:nvPr>
+        </p:nvSpPr>
+        <p:spPr>
+          <a:xfrm>
+            <a:off x="311700" y="1152475"/>
+            <a:ext cx="8520600" cy="3416400"/>
+          </a:xfrm>
+          <a:prstGeom prst="rect">
+            <a:avLst/>
+          </a:prstGeom>
+        </p:spPr>
+        <p:txBody>
+          <a:bodyPr spcFirstLastPara="1" wrap="square" lIns="91425" tIns="91425" rIns="91425" bIns="91425" anchor="t" anchorCtr="0">
+            <a:normAutofit/>
+          </a:bodyPr>
+          <a:lstStyle/>
+          <a:p>
+            <a:pPr marL="0" lvl="0" indent="0" algn="l" rtl="0">
+              <a:lnSpc>
+                <a:spcPct val="115000"/>
+              </a:lnSpc>
+              <a:spcBef>
+                <a:spcPts val="1000"/>
+              </a:spcBef>
+              <a:spcAft>
+                <a:spcPts val="0"/>
+              </a:spcAft>
+              <a:buNone/>
+            </a:pPr>
+            <a:r>
+              <a:rPr lang="en"/>
+              <a:t>-	Utilized Python, Tableau, Scikit, AWI, Jupyter Notebook, and PGAdmin</a:t>
+            </a:r>
+            <a:endParaRPr/>
+          </a:p>
+          <a:p>
+            <a:pPr marL="0" lvl="0" indent="0" algn="l" rtl="0">
+              <a:lnSpc>
+                <a:spcPct val="115000"/>
+              </a:lnSpc>
+              <a:spcBef>
+                <a:spcPts val="1200"/>
+              </a:spcBef>
+              <a:spcAft>
+                <a:spcPts val="0"/>
+              </a:spcAft>
+              <a:buNone/>
+            </a:pPr>
+            <a:r>
+              <a:rPr lang="en"/>
+              <a:t>-	</a:t>
+            </a:r>
+            <a:endParaRPr/>
+          </a:p>
+          <a:p>
+            <a:pPr marL="0" lvl="0" indent="0" algn="l" rtl="0">
+              <a:spcBef>
+                <a:spcPts val="1200"/>
+              </a:spcBef>
+              <a:spcAft>
+                <a:spcPts val="0"/>
+              </a:spcAft>
+              <a:buNone/>
+            </a:pPr>
+            <a:endParaRPr/>
+          </a:p>
+          <a:p>
+            <a:pPr marL="0" lvl="0" indent="0" algn="l" rtl="0">
+              <a:spcBef>
+                <a:spcPts val="1200"/>
+              </a:spcBef>
+              <a:spcAft>
+                <a:spcPts val="1200"/>
+              </a:spcAft>
+              <a:buNone/>
+            </a:pPr>
+            <a:endParaRPr/>
+          </a:p>
+        </p:txBody>
+      </p:sp>
+    </p:spTree>
+  </p:cSld>
+  <p:clrMapOvr>
+    <a:masterClrMapping/>
+  </p:clrMapOvr>
+</p:sld>
+</file>
+
+<file path=ppt/slides/slide9.xml><?xml version="1.0" encoding="utf-8"?>
+<p:sld xmlns:a="http://schemas.openxmlformats.org/drawingml/2006/main" xmlns:r="http://schemas.openxmlformats.org/officeDocument/2006/relationships" xmlns:p="http://schemas.openxmlformats.org/presentationml/2006/main">
+  <p:cSld>
+    <p:spTree>
+      <p:nvGrpSpPr>
+        <p:cNvPr id="1" name="Shape 101"/>
+        <p:cNvGrpSpPr/>
+        <p:nvPr/>
+      </p:nvGrpSpPr>
+      <p:grpSpPr>
+        <a:xfrm>
+          <a:off x="0" y="0"/>
+          <a:ext cx="0" cy="0"/>
+          <a:chOff x="0" y="0"/>
+          <a:chExt cx="0" cy="0"/>
+        </a:xfrm>
+      </p:grpSpPr>
+      <p:sp>
+        <p:nvSpPr>
+          <p:cNvPr id="102" name="Google Shape;102;p21"/>
+          <p:cNvSpPr txBox="1">
+            <a:spLocks noGrp="1"/>
+          </p:cNvSpPr>
+          <p:nvPr>
+            <p:ph type="title"/>
+          </p:nvPr>
+        </p:nvSpPr>
+        <p:spPr>
+          <a:xfrm>
+            <a:off x="311700" y="445025"/>
+            <a:ext cx="8520600" cy="572700"/>
+          </a:xfrm>
+          <a:prstGeom prst="rect">
+            <a:avLst/>
+          </a:prstGeom>
+        </p:spPr>
+        <p:txBody>
+          <a:bodyPr spcFirstLastPara="1" wrap="square" lIns="91425" tIns="91425" rIns="91425" bIns="91425" anchor="t" anchorCtr="0">
+            <a:normAutofit fontScale="90000"/>
+          </a:bodyPr>
+          <a:lstStyle/>
+          <a:p>
+            <a:pPr marL="0" lvl="0" indent="0" algn="ctr" rtl="0">
+              <a:spcBef>
+                <a:spcPts val="0"/>
+              </a:spcBef>
+              <a:spcAft>
+                <a:spcPts val="0"/>
+              </a:spcAft>
+              <a:buNone/>
+            </a:pPr>
+            <a:r>
+              <a:rPr lang="en"/>
+              <a:t>Analysis</a:t>
+            </a:r>
+            <a:endParaRPr/>
+          </a:p>
+        </p:txBody>
+      </p:sp>
+      <p:sp>
+        <p:nvSpPr>
+          <p:cNvPr id="103" name="Google Shape;103;p21"/>
+          <p:cNvSpPr txBox="1">
+            <a:spLocks noGrp="1"/>
+          </p:cNvSpPr>
+          <p:nvPr>
+            <p:ph type="body" idx="1"/>
+          </p:nvPr>
+        </p:nvSpPr>
+        <p:spPr>
+          <a:xfrm>
+            <a:off x="311700" y="1152475"/>
+            <a:ext cx="8520600" cy="3416400"/>
+          </a:xfrm>
+          <a:prstGeom prst="rect">
+            <a:avLst/>
+          </a:prstGeom>
+        </p:spPr>
+        <p:txBody>
+          <a:bodyPr spcFirstLastPara="1" wrap="square" lIns="91425" tIns="91425" rIns="91425" bIns="91425" anchor="t" anchorCtr="0">
+            <a:normAutofit lnSpcReduction="10000"/>
+          </a:bodyPr>
+          <a:lstStyle/>
+          <a:p>
+            <a:pPr marL="0" lvl="0" indent="0" algn="l" rtl="0">
+              <a:spcBef>
+                <a:spcPts val="0"/>
+              </a:spcBef>
+              <a:spcAft>
+                <a:spcPts val="0"/>
+              </a:spcAft>
+              <a:buNone/>
+            </a:pPr>
+            <a:r>
+              <a:rPr lang="en"/>
+              <a:t>- 	Evaluated nine key readings: How many planets belong to the solar system of the planet in question, planet’s radius, equilibrium and orbit time, star’s radius, temperature, surface mass, gravity, and the ratio in size between the star and planet.</a:t>
+            </a:r>
+            <a:endParaRPr/>
+          </a:p>
+          <a:p>
+            <a:pPr marL="0" lvl="0" indent="0" algn="l" rtl="0">
+              <a:spcBef>
+                <a:spcPts val="1200"/>
+              </a:spcBef>
+              <a:spcAft>
+                <a:spcPts val="0"/>
+              </a:spcAft>
+              <a:buNone/>
+            </a:pPr>
+            <a:r>
+              <a:rPr lang="en"/>
+              <a:t>-	Created two dataframes Verified: False Positive (0) and Confirmed (1), Unverified: Candidate (2). Split was based on 33% of the Verified dataframe.</a:t>
+            </a:r>
+            <a:endParaRPr/>
+          </a:p>
+          <a:p>
+            <a:pPr marL="0" lvl="0" indent="0" algn="l" rtl="0">
+              <a:spcBef>
+                <a:spcPts val="1200"/>
+              </a:spcBef>
+              <a:spcAft>
+                <a:spcPts val="1200"/>
+              </a:spcAft>
+              <a:buNone/>
+            </a:pPr>
+            <a:r>
+              <a:rPr lang="en"/>
+              <a:t>-	Advantages to logistic regression: Easy to interpret and higher training efficiency. Disadvantage: Some linearity between independent and dependent variables, which can produce unwanted data.</a:t>
             </a:r>
             <a:endParaRPr/>
           </a:p>
@@ -6908,7 +8324,7 @@
 </file>
 
 <file path=ppt/theme/theme1.xml><?xml version="1.0" encoding="utf-8"?>
-<a:theme xmlns:a="http://schemas.openxmlformats.org/drawingml/2006/main" xmlns:r="http://schemas.openxmlformats.org/officeDocument/2006/relationships" name="Simple Dark">
+<a:theme xmlns:a="http://schemas.openxmlformats.org/drawingml/2006/main" name="Simple Dark">
   <a:themeElements>
     <a:clrScheme name="Simple Dark">
       <a:dk1>
@@ -7183,11 +8599,13 @@
       </a:bgFillStyleLst>
     </a:fmtScheme>
   </a:themeElements>
+  <a:objectDefaults/>
+  <a:extraClrSchemeLst/>
 </a:theme>
 </file>
 
 <file path=ppt/theme/theme2.xml><?xml version="1.0" encoding="utf-8"?>
-<a:theme xmlns:a="http://schemas.openxmlformats.org/drawingml/2006/main" xmlns:r="http://schemas.openxmlformats.org/officeDocument/2006/relationships">
+<a:theme xmlns:a="http://schemas.openxmlformats.org/drawingml/2006/main">
   <a:themeElements>
     <a:clrScheme name="Default">
       <a:dk1>
@@ -7462,5 +8880,7 @@
       </a:bgFillStyleLst>
     </a:fmtScheme>
   </a:themeElements>
+  <a:objectDefaults/>
+  <a:extraClrSchemeLst/>
 </a:theme>
 </file>